--- a/Reports/R5/P1.pptx
+++ b/Reports/R5/P1.pptx
@@ -330,7 +330,7 @@
           <a:p>
             <a:fld id="{18BD31E7-3932-3147-9CF4-E922359E8F71}" type="datetimeFigureOut">
               <a:rPr lang="en-US" smtClean="0"/>
-              <a:t>2/19/16</a:t>
+              <a:t>2/23/16</a:t>
             </a:fld>
             <a:endParaRPr lang="en-US"/>
           </a:p>
@@ -500,7 +500,7 @@
           <a:p>
             <a:fld id="{18BD31E7-3932-3147-9CF4-E922359E8F71}" type="datetimeFigureOut">
               <a:rPr lang="en-US" smtClean="0"/>
-              <a:t>2/19/16</a:t>
+              <a:t>2/23/16</a:t>
             </a:fld>
             <a:endParaRPr lang="en-US"/>
           </a:p>
@@ -680,7 +680,7 @@
           <a:p>
             <a:fld id="{18BD31E7-3932-3147-9CF4-E922359E8F71}" type="datetimeFigureOut">
               <a:rPr lang="en-US" smtClean="0"/>
-              <a:t>2/19/16</a:t>
+              <a:t>2/23/16</a:t>
             </a:fld>
             <a:endParaRPr lang="en-US"/>
           </a:p>
@@ -850,7 +850,7 @@
           <a:p>
             <a:fld id="{18BD31E7-3932-3147-9CF4-E922359E8F71}" type="datetimeFigureOut">
               <a:rPr lang="en-US" smtClean="0"/>
-              <a:t>2/19/16</a:t>
+              <a:t>2/23/16</a:t>
             </a:fld>
             <a:endParaRPr lang="en-US"/>
           </a:p>
@@ -1096,7 +1096,7 @@
           <a:p>
             <a:fld id="{18BD31E7-3932-3147-9CF4-E922359E8F71}" type="datetimeFigureOut">
               <a:rPr lang="en-US" smtClean="0"/>
-              <a:t>2/19/16</a:t>
+              <a:t>2/23/16</a:t>
             </a:fld>
             <a:endParaRPr lang="en-US"/>
           </a:p>
@@ -1384,7 +1384,7 @@
           <a:p>
             <a:fld id="{18BD31E7-3932-3147-9CF4-E922359E8F71}" type="datetimeFigureOut">
               <a:rPr lang="en-US" smtClean="0"/>
-              <a:t>2/19/16</a:t>
+              <a:t>2/23/16</a:t>
             </a:fld>
             <a:endParaRPr lang="en-US"/>
           </a:p>
@@ -1806,7 +1806,7 @@
           <a:p>
             <a:fld id="{18BD31E7-3932-3147-9CF4-E922359E8F71}" type="datetimeFigureOut">
               <a:rPr lang="en-US" smtClean="0"/>
-              <a:t>2/19/16</a:t>
+              <a:t>2/23/16</a:t>
             </a:fld>
             <a:endParaRPr lang="en-US"/>
           </a:p>
@@ -1924,7 +1924,7 @@
           <a:p>
             <a:fld id="{18BD31E7-3932-3147-9CF4-E922359E8F71}" type="datetimeFigureOut">
               <a:rPr lang="en-US" smtClean="0"/>
-              <a:t>2/19/16</a:t>
+              <a:t>2/23/16</a:t>
             </a:fld>
             <a:endParaRPr lang="en-US"/>
           </a:p>
@@ -2019,7 +2019,7 @@
           <a:p>
             <a:fld id="{18BD31E7-3932-3147-9CF4-E922359E8F71}" type="datetimeFigureOut">
               <a:rPr lang="en-US" smtClean="0"/>
-              <a:t>2/19/16</a:t>
+              <a:t>2/23/16</a:t>
             </a:fld>
             <a:endParaRPr lang="en-US"/>
           </a:p>
@@ -2296,7 +2296,7 @@
           <a:p>
             <a:fld id="{18BD31E7-3932-3147-9CF4-E922359E8F71}" type="datetimeFigureOut">
               <a:rPr lang="en-US" smtClean="0"/>
-              <a:t>2/19/16</a:t>
+              <a:t>2/23/16</a:t>
             </a:fld>
             <a:endParaRPr lang="en-US"/>
           </a:p>
@@ -2549,7 +2549,7 @@
           <a:p>
             <a:fld id="{18BD31E7-3932-3147-9CF4-E922359E8F71}" type="datetimeFigureOut">
               <a:rPr lang="en-US" smtClean="0"/>
-              <a:t>2/19/16</a:t>
+              <a:t>2/23/16</a:t>
             </a:fld>
             <a:endParaRPr lang="en-US"/>
           </a:p>
@@ -2762,7 +2762,7 @@
           <a:p>
             <a:fld id="{18BD31E7-3932-3147-9CF4-E922359E8F71}" type="datetimeFigureOut">
               <a:rPr lang="en-US" smtClean="0"/>
-              <a:t>2/19/16</a:t>
+              <a:t>2/23/16</a:t>
             </a:fld>
             <a:endParaRPr lang="en-US"/>
           </a:p>
@@ -28982,6 +28982,42 @@
           <a:chExt cx="0" cy="0"/>
         </a:xfrm>
       </p:grpSpPr>
+      <p:cxnSp>
+        <p:nvCxnSpPr>
+          <p:cNvPr id="84" name="Straight Connector 83"/>
+          <p:cNvCxnSpPr/>
+          <p:nvPr/>
+        </p:nvCxnSpPr>
+        <p:spPr>
+          <a:xfrm flipV="1">
+            <a:off x="3517615" y="4076435"/>
+            <a:ext cx="878354" cy="509592"/>
+          </a:xfrm>
+          <a:prstGeom prst="line">
+            <a:avLst/>
+          </a:prstGeom>
+          <a:ln w="38100" cmpd="sng">
+            <a:solidFill>
+              <a:srgbClr val="660066"/>
+            </a:solidFill>
+          </a:ln>
+          <a:effectLst/>
+        </p:spPr>
+        <p:style>
+          <a:lnRef idx="2">
+            <a:schemeClr val="accent1"/>
+          </a:lnRef>
+          <a:fillRef idx="0">
+            <a:schemeClr val="accent1"/>
+          </a:fillRef>
+          <a:effectRef idx="1">
+            <a:schemeClr val="accent1"/>
+          </a:effectRef>
+          <a:fontRef idx="minor">
+            <a:schemeClr val="tx1"/>
+          </a:fontRef>
+        </p:style>
+      </p:cxnSp>
       <p:sp>
         <p:nvSpPr>
           <p:cNvPr id="4" name="Rectangle 3"/>
@@ -29174,9 +29210,9 @@
           <p:nvPr/>
         </p:nvCxnSpPr>
         <p:spPr>
-          <a:xfrm>
-            <a:off x="6158127" y="3960015"/>
-            <a:ext cx="741437" cy="13235"/>
+          <a:xfrm flipV="1">
+            <a:off x="6158793" y="3716784"/>
+            <a:ext cx="663085" cy="88277"/>
           </a:xfrm>
           <a:prstGeom prst="line">
             <a:avLst/>
@@ -29460,28 +29496,7 @@
                 <a:latin typeface="Times New Roman"/>
                 <a:cs typeface="Times New Roman"/>
               </a:rPr>
-              <a:t>px::parallel::for_each </a:t>
-            </a:r>
-            <a:r>
-              <a:rPr lang="en-US" dirty="0" smtClean="0">
-                <a:latin typeface="Times New Roman"/>
-                <a:cs typeface="Times New Roman"/>
-              </a:rPr>
-              <a:t>(</a:t>
-            </a:r>
-            <a:r>
-              <a:rPr lang="en-US" dirty="0" smtClean="0">
-                <a:latin typeface="Times New Roman"/>
-                <a:cs typeface="Times New Roman"/>
-              </a:rPr>
-              <a:t>static</a:t>
-            </a:r>
-            <a:r>
-              <a:rPr lang="en-US" dirty="0" smtClean="0">
-                <a:latin typeface="Times New Roman"/>
-                <a:cs typeface="Times New Roman"/>
-              </a:rPr>
-              <a:t>)</a:t>
+              <a:t>px::parallel::for_each (static)</a:t>
             </a:r>
             <a:endParaRPr lang="en-US" dirty="0">
               <a:latin typeface="Times New Roman"/>
@@ -29593,50 +29608,14 @@
       </p:sp>
       <p:cxnSp>
         <p:nvCxnSpPr>
-          <p:cNvPr id="78" name="Straight Connector 77"/>
-          <p:cNvCxnSpPr/>
-          <p:nvPr/>
-        </p:nvCxnSpPr>
-        <p:spPr>
-          <a:xfrm flipV="1">
-            <a:off x="4400742" y="3886612"/>
-            <a:ext cx="852162" cy="297475"/>
-          </a:xfrm>
-          <a:prstGeom prst="line">
-            <a:avLst/>
-          </a:prstGeom>
-          <a:ln w="38100" cmpd="sng">
-            <a:solidFill>
-              <a:srgbClr val="F79646"/>
-            </a:solidFill>
-          </a:ln>
-          <a:effectLst/>
-        </p:spPr>
-        <p:style>
-          <a:lnRef idx="2">
-            <a:schemeClr val="accent1"/>
-          </a:lnRef>
-          <a:fillRef idx="0">
-            <a:schemeClr val="accent1"/>
-          </a:fillRef>
-          <a:effectRef idx="1">
-            <a:schemeClr val="accent1"/>
-          </a:effectRef>
-          <a:fontRef idx="minor">
-            <a:schemeClr val="tx1"/>
-          </a:fontRef>
-        </p:style>
-      </p:cxnSp>
-      <p:cxnSp>
-        <p:nvCxnSpPr>
           <p:cNvPr id="127" name="Straight Connector 126"/>
           <p:cNvCxnSpPr/>
           <p:nvPr/>
         </p:nvCxnSpPr>
         <p:spPr>
           <a:xfrm flipV="1">
-            <a:off x="6184138" y="3268073"/>
-            <a:ext cx="611150" cy="67135"/>
+            <a:off x="6125040" y="3119958"/>
+            <a:ext cx="637289" cy="129673"/>
           </a:xfrm>
           <a:prstGeom prst="line">
             <a:avLst/>
@@ -29672,8 +29651,8 @@
         </p:nvCxnSpPr>
         <p:spPr>
           <a:xfrm flipV="1">
-            <a:off x="6156514" y="3560611"/>
-            <a:ext cx="654540" cy="83747"/>
+            <a:off x="6142949" y="3282985"/>
+            <a:ext cx="678929" cy="155992"/>
           </a:xfrm>
           <a:prstGeom prst="line">
             <a:avLst/>
@@ -30754,44 +30733,8 @@
         </p:nvCxnSpPr>
         <p:spPr>
           <a:xfrm flipV="1">
-            <a:off x="3524045" y="4256922"/>
-            <a:ext cx="883123" cy="469459"/>
-          </a:xfrm>
-          <a:prstGeom prst="line">
-            <a:avLst/>
-          </a:prstGeom>
-          <a:ln w="38100" cmpd="sng">
-            <a:solidFill>
-              <a:srgbClr val="4F81BD"/>
-            </a:solidFill>
-          </a:ln>
-          <a:effectLst/>
-        </p:spPr>
-        <p:style>
-          <a:lnRef idx="2">
-            <a:schemeClr val="accent1"/>
-          </a:lnRef>
-          <a:fillRef idx="0">
-            <a:schemeClr val="accent1"/>
-          </a:fillRef>
-          <a:effectRef idx="1">
-            <a:schemeClr val="accent1"/>
-          </a:effectRef>
-          <a:fontRef idx="minor">
-            <a:schemeClr val="tx1"/>
-          </a:fontRef>
-        </p:style>
-      </p:cxnSp>
-      <p:cxnSp>
-        <p:nvCxnSpPr>
-          <p:cNvPr id="114" name="Straight Connector 113"/>
-          <p:cNvCxnSpPr/>
-          <p:nvPr/>
-        </p:nvCxnSpPr>
-        <p:spPr>
-          <a:xfrm flipV="1">
-            <a:off x="4393063" y="4065256"/>
-            <a:ext cx="857624" cy="201239"/>
+            <a:off x="3524045" y="4463082"/>
+            <a:ext cx="858840" cy="263300"/>
           </a:xfrm>
           <a:prstGeom prst="line">
             <a:avLst/>
@@ -30826,8 +30769,8 @@
         </p:nvCxnSpPr>
         <p:spPr>
           <a:xfrm flipV="1">
-            <a:off x="5264202" y="3953197"/>
-            <a:ext cx="869517" cy="100179"/>
+            <a:off x="5243910" y="3797074"/>
+            <a:ext cx="906204" cy="223153"/>
           </a:xfrm>
           <a:prstGeom prst="line">
             <a:avLst/>
@@ -30862,8 +30805,8 @@
         </p:nvCxnSpPr>
         <p:spPr>
           <a:xfrm flipV="1">
-            <a:off x="4381759" y="3526827"/>
-            <a:ext cx="868915" cy="422792"/>
+            <a:off x="5252929" y="3245012"/>
+            <a:ext cx="881341" cy="335001"/>
           </a:xfrm>
           <a:prstGeom prst="line">
             <a:avLst/>
@@ -30893,49 +30836,15 @@
       <p:cxnSp>
         <p:nvCxnSpPr>
           <p:cNvPr id="124" name="Straight Connector 123"/>
-          <p:cNvCxnSpPr/>
+          <p:cNvCxnSpPr>
+            <a:endCxn id="165" idx="5"/>
+          </p:cNvCxnSpPr>
           <p:nvPr/>
         </p:nvCxnSpPr>
         <p:spPr>
           <a:xfrm flipV="1">
-            <a:off x="2608866" y="3953198"/>
-            <a:ext cx="1775777" cy="1298078"/>
-          </a:xfrm>
-          <a:prstGeom prst="line">
-            <a:avLst/>
-          </a:prstGeom>
-          <a:ln w="38100" cmpd="sng">
-            <a:solidFill>
-              <a:srgbClr val="660066"/>
-            </a:solidFill>
-          </a:ln>
-          <a:effectLst/>
-        </p:spPr>
-        <p:style>
-          <a:lnRef idx="2">
-            <a:schemeClr val="accent1"/>
-          </a:lnRef>
-          <a:fillRef idx="0">
-            <a:schemeClr val="accent1"/>
-          </a:fillRef>
-          <a:effectRef idx="1">
-            <a:schemeClr val="accent1"/>
-          </a:effectRef>
-          <a:fontRef idx="minor">
-            <a:schemeClr val="tx1"/>
-          </a:fontRef>
-        </p:style>
-      </p:cxnSp>
-      <p:cxnSp>
-        <p:nvCxnSpPr>
-          <p:cNvPr id="131" name="Straight Connector 130"/>
-          <p:cNvCxnSpPr/>
-          <p:nvPr/>
-        </p:nvCxnSpPr>
-        <p:spPr>
-          <a:xfrm flipV="1">
-            <a:off x="5228897" y="3328364"/>
-            <a:ext cx="950630" cy="202564"/>
+            <a:off x="2608866" y="4573590"/>
+            <a:ext cx="919324" cy="677686"/>
           </a:xfrm>
           <a:prstGeom prst="line">
             <a:avLst/>
@@ -31078,8 +30987,8 @@
         </p:nvCxnSpPr>
         <p:spPr>
           <a:xfrm flipV="1">
-            <a:off x="5252904" y="3659732"/>
-            <a:ext cx="888996" cy="226880"/>
+            <a:off x="5264662" y="3427101"/>
+            <a:ext cx="882034" cy="425703"/>
           </a:xfrm>
           <a:prstGeom prst="line">
             <a:avLst/>
@@ -31114,7 +31023,7 @@
         </p:nvSpPr>
         <p:spPr>
           <a:xfrm>
-            <a:off x="6089311" y="3596308"/>
+            <a:off x="6113725" y="3367890"/>
             <a:ext cx="75816" cy="86937"/>
           </a:xfrm>
           <a:prstGeom prst="triangle">
@@ -31158,53 +31067,6 @@
       </p:sp>
       <p:sp>
         <p:nvSpPr>
-          <p:cNvPr id="153" name="Isosceles Triangle 55"/>
-          <p:cNvSpPr/>
-          <p:nvPr/>
-        </p:nvSpPr>
-        <p:spPr>
-          <a:xfrm>
-            <a:off x="6095811" y="3919172"/>
-            <a:ext cx="75816" cy="86937"/>
-          </a:xfrm>
-          <a:prstGeom prst="triangle">
-            <a:avLst/>
-          </a:prstGeom>
-          <a:solidFill>
-            <a:srgbClr val="4F81BD"/>
-          </a:solidFill>
-          <a:ln>
-            <a:solidFill>
-              <a:schemeClr val="tx1"/>
-            </a:solidFill>
-          </a:ln>
-          <a:effectLst/>
-        </p:spPr>
-        <p:style>
-          <a:lnRef idx="1">
-            <a:schemeClr val="accent1"/>
-          </a:lnRef>
-          <a:fillRef idx="3">
-            <a:schemeClr val="accent1"/>
-          </a:fillRef>
-          <a:effectRef idx="2">
-            <a:schemeClr val="accent1"/>
-          </a:effectRef>
-          <a:fontRef idx="minor">
-            <a:schemeClr val="lt1"/>
-          </a:fontRef>
-        </p:style>
-        <p:txBody>
-          <a:bodyPr rtlCol="0" anchor="ctr"/>
-          <a:lstStyle/>
-          <a:p>
-            <a:pPr algn="ctr"/>
-            <a:endParaRPr lang="en-US"/>
-          </a:p>
-        </p:txBody>
-      </p:sp>
-      <p:sp>
-        <p:nvSpPr>
           <p:cNvPr id="154" name="Isosceles Triangle 55"/>
           <p:cNvSpPr/>
           <p:nvPr/>
@@ -31305,54 +31167,7 @@
         </p:nvSpPr>
         <p:spPr>
           <a:xfrm>
-            <a:off x="4347508" y="4219383"/>
-            <a:ext cx="75816" cy="86937"/>
-          </a:xfrm>
-          <a:prstGeom prst="triangle">
-            <a:avLst/>
-          </a:prstGeom>
-          <a:solidFill>
-            <a:srgbClr val="4F81BD"/>
-          </a:solidFill>
-          <a:ln>
-            <a:solidFill>
-              <a:schemeClr val="tx1"/>
-            </a:solidFill>
-          </a:ln>
-          <a:effectLst/>
-        </p:spPr>
-        <p:style>
-          <a:lnRef idx="1">
-            <a:schemeClr val="accent1"/>
-          </a:lnRef>
-          <a:fillRef idx="3">
-            <a:schemeClr val="accent1"/>
-          </a:fillRef>
-          <a:effectRef idx="2">
-            <a:schemeClr val="accent1"/>
-          </a:effectRef>
-          <a:fontRef idx="minor">
-            <a:schemeClr val="lt1"/>
-          </a:fontRef>
-        </p:style>
-        <p:txBody>
-          <a:bodyPr rtlCol="0" anchor="ctr"/>
-          <a:lstStyle/>
-          <a:p>
-            <a:pPr algn="ctr"/>
-            <a:endParaRPr lang="en-US"/>
-          </a:p>
-        </p:txBody>
-      </p:sp>
-      <p:sp>
-        <p:nvSpPr>
-          <p:cNvPr id="157" name="Isosceles Triangle 55"/>
-          <p:cNvSpPr/>
-          <p:nvPr/>
-        </p:nvSpPr>
-        <p:spPr>
-          <a:xfrm>
-            <a:off x="5200336" y="4015491"/>
+            <a:off x="4347508" y="4421264"/>
             <a:ext cx="75816" cy="86937"/>
           </a:xfrm>
           <a:prstGeom prst="triangle">
@@ -31449,7 +31264,7 @@
         </p:nvSpPr>
         <p:spPr>
           <a:xfrm>
-            <a:off x="4351560" y="3900680"/>
+            <a:off x="4351560" y="4031305"/>
             <a:ext cx="75816" cy="86937"/>
           </a:xfrm>
           <a:prstGeom prst="triangle">
@@ -31493,63 +31308,13 @@
       </p:sp>
       <p:sp>
         <p:nvSpPr>
-          <p:cNvPr id="163" name="Isosceles Triangle 55"/>
-          <p:cNvSpPr/>
-          <p:nvPr/>
-        </p:nvSpPr>
-        <p:spPr>
-          <a:xfrm>
-            <a:off x="5204069" y="3471892"/>
-            <a:ext cx="75816" cy="86937"/>
-          </a:xfrm>
-          <a:prstGeom prst="triangle">
-            <a:avLst/>
-          </a:prstGeom>
-          <a:solidFill>
-            <a:schemeClr val="accent4">
-              <a:lumMod val="60000"/>
-              <a:lumOff val="40000"/>
-            </a:schemeClr>
-          </a:solidFill>
-          <a:ln>
-            <a:solidFill>
-              <a:schemeClr val="tx1"/>
-            </a:solidFill>
-          </a:ln>
-          <a:effectLst/>
-        </p:spPr>
-        <p:style>
-          <a:lnRef idx="1">
-            <a:schemeClr val="accent1"/>
-          </a:lnRef>
-          <a:fillRef idx="3">
-            <a:schemeClr val="accent1"/>
-          </a:fillRef>
-          <a:effectRef idx="2">
-            <a:schemeClr val="accent1"/>
-          </a:effectRef>
-          <a:fontRef idx="minor">
-            <a:schemeClr val="lt1"/>
-          </a:fontRef>
-        </p:style>
-        <p:txBody>
-          <a:bodyPr rtlCol="0" anchor="ctr"/>
-          <a:lstStyle/>
-          <a:p>
-            <a:pPr algn="ctr"/>
-            <a:endParaRPr lang="en-US"/>
-          </a:p>
-        </p:txBody>
-      </p:sp>
-      <p:sp>
-        <p:nvSpPr>
           <p:cNvPr id="164" name="Isosceles Triangle 55"/>
           <p:cNvSpPr/>
           <p:nvPr/>
         </p:nvSpPr>
         <p:spPr>
           <a:xfrm>
-            <a:off x="6115348" y="3292739"/>
+            <a:off x="5226067" y="3509031"/>
             <a:ext cx="75816" cy="86937"/>
           </a:xfrm>
           <a:prstGeom prst="triangle">
@@ -31861,28 +31626,7 @@
                 <a:latin typeface="Times New Roman"/>
                 <a:cs typeface="Times New Roman"/>
               </a:rPr>
-              <a:t>px::parallel::for_each </a:t>
-            </a:r>
-            <a:r>
-              <a:rPr lang="en-US" dirty="0" smtClean="0">
-                <a:latin typeface="Times New Roman"/>
-                <a:cs typeface="Times New Roman"/>
-              </a:rPr>
-              <a:t>(</a:t>
-            </a:r>
-            <a:r>
-              <a:rPr lang="en-US" dirty="0" smtClean="0">
-                <a:latin typeface="Times New Roman"/>
-                <a:cs typeface="Times New Roman"/>
-              </a:rPr>
-              <a:t>dynamic</a:t>
-            </a:r>
-            <a:r>
-              <a:rPr lang="en-US" dirty="0" smtClean="0">
-                <a:latin typeface="Times New Roman"/>
-                <a:cs typeface="Times New Roman"/>
-              </a:rPr>
-              <a:t>)</a:t>
+              <a:t>px::parallel::for_each (dynamic)</a:t>
             </a:r>
             <a:endParaRPr lang="en-US" dirty="0">
               <a:latin typeface="Times New Roman"/>
@@ -31899,7 +31643,7 @@
         </p:nvCxnSpPr>
         <p:spPr>
           <a:xfrm flipH="1">
-            <a:off x="5251825" y="2178410"/>
+            <a:off x="5263701" y="2178410"/>
             <a:ext cx="288" cy="3753880"/>
           </a:xfrm>
           <a:prstGeom prst="line">
@@ -31910,6 +31654,151 @@
               <a:srgbClr val="595959"/>
             </a:solidFill>
             <a:prstDash val="dash"/>
+          </a:ln>
+          <a:effectLst/>
+        </p:spPr>
+        <p:style>
+          <a:lnRef idx="2">
+            <a:schemeClr val="accent1"/>
+          </a:lnRef>
+          <a:fillRef idx="0">
+            <a:schemeClr val="accent1"/>
+          </a:fillRef>
+          <a:effectRef idx="1">
+            <a:schemeClr val="accent1"/>
+          </a:effectRef>
+          <a:fontRef idx="minor">
+            <a:schemeClr val="tx1"/>
+          </a:fontRef>
+        </p:style>
+      </p:cxnSp>
+      <p:cxnSp>
+        <p:nvCxnSpPr>
+          <p:cNvPr id="83" name="Straight Connector 82"/>
+          <p:cNvCxnSpPr/>
+          <p:nvPr/>
+        </p:nvCxnSpPr>
+        <p:spPr>
+          <a:xfrm flipH="1">
+            <a:off x="1766835" y="1467834"/>
+            <a:ext cx="5308715" cy="4339930"/>
+          </a:xfrm>
+          <a:prstGeom prst="line">
+            <a:avLst/>
+          </a:prstGeom>
+          <a:ln w="15875" cmpd="sng">
+            <a:solidFill>
+              <a:schemeClr val="tx1"/>
+            </a:solidFill>
+            <a:prstDash val="dash"/>
+          </a:ln>
+          <a:effectLst/>
+        </p:spPr>
+        <p:style>
+          <a:lnRef idx="2">
+            <a:schemeClr val="accent1"/>
+          </a:lnRef>
+          <a:fillRef idx="0">
+            <a:schemeClr val="accent1"/>
+          </a:fillRef>
+          <a:effectRef idx="1">
+            <a:schemeClr val="accent1"/>
+          </a:effectRef>
+          <a:fontRef idx="minor">
+            <a:schemeClr val="tx1"/>
+          </a:fontRef>
+        </p:style>
+      </p:cxnSp>
+      <p:cxnSp>
+        <p:nvCxnSpPr>
+          <p:cNvPr id="85" name="Straight Connector 84"/>
+          <p:cNvCxnSpPr/>
+          <p:nvPr/>
+        </p:nvCxnSpPr>
+        <p:spPr>
+          <a:xfrm flipV="1">
+            <a:off x="4397481" y="3583615"/>
+            <a:ext cx="863840" cy="492567"/>
+          </a:xfrm>
+          <a:prstGeom prst="line">
+            <a:avLst/>
+          </a:prstGeom>
+          <a:ln w="38100" cmpd="sng">
+            <a:solidFill>
+              <a:srgbClr val="660066"/>
+            </a:solidFill>
+          </a:ln>
+          <a:effectLst/>
+        </p:spPr>
+        <p:style>
+          <a:lnRef idx="2">
+            <a:schemeClr val="accent1"/>
+          </a:lnRef>
+          <a:fillRef idx="0">
+            <a:schemeClr val="accent1"/>
+          </a:fillRef>
+          <a:effectRef idx="1">
+            <a:schemeClr val="accent1"/>
+          </a:effectRef>
+          <a:fontRef idx="minor">
+            <a:schemeClr val="tx1"/>
+          </a:fontRef>
+        </p:style>
+      </p:cxnSp>
+      <p:cxnSp>
+        <p:nvCxnSpPr>
+          <p:cNvPr id="86" name="Straight Connector 85"/>
+          <p:cNvCxnSpPr/>
+          <p:nvPr/>
+        </p:nvCxnSpPr>
+        <p:spPr>
+          <a:xfrm flipV="1">
+            <a:off x="4418689" y="3860952"/>
+            <a:ext cx="842632" cy="320982"/>
+          </a:xfrm>
+          <a:prstGeom prst="line">
+            <a:avLst/>
+          </a:prstGeom>
+          <a:ln w="38100" cmpd="sng">
+            <a:solidFill>
+              <a:srgbClr val="F79646"/>
+            </a:solidFill>
+          </a:ln>
+          <a:effectLst/>
+        </p:spPr>
+        <p:style>
+          <a:lnRef idx="2">
+            <a:schemeClr val="accent1"/>
+          </a:lnRef>
+          <a:fillRef idx="0">
+            <a:schemeClr val="accent1"/>
+          </a:fillRef>
+          <a:effectRef idx="1">
+            <a:schemeClr val="accent1"/>
+          </a:effectRef>
+          <a:fontRef idx="minor">
+            <a:schemeClr val="tx1"/>
+          </a:fontRef>
+        </p:style>
+      </p:cxnSp>
+      <p:cxnSp>
+        <p:nvCxnSpPr>
+          <p:cNvPr id="87" name="Straight Connector 86"/>
+          <p:cNvCxnSpPr/>
+          <p:nvPr/>
+        </p:nvCxnSpPr>
+        <p:spPr>
+          <a:xfrm flipV="1">
+            <a:off x="4407280" y="4017105"/>
+            <a:ext cx="867942" cy="439832"/>
+          </a:xfrm>
+          <a:prstGeom prst="line">
+            <a:avLst/>
+          </a:prstGeom>
+          <a:ln w="38100" cmpd="sng">
+            <a:solidFill>
+              <a:srgbClr val="4F81BD"/>
+            </a:solidFill>
           </a:ln>
           <a:effectLst/>
         </p:spPr>
@@ -31930,13 +31819,107 @@
       </p:cxnSp>
       <p:sp>
         <p:nvSpPr>
-          <p:cNvPr id="82" name="Isosceles Triangle 55"/>
+          <p:cNvPr id="94" name="Isosceles Triangle 55"/>
           <p:cNvSpPr/>
           <p:nvPr/>
         </p:nvSpPr>
         <p:spPr>
           <a:xfrm>
-            <a:off x="5214996" y="3839112"/>
+            <a:off x="6102611" y="3750798"/>
+            <a:ext cx="75816" cy="86937"/>
+          </a:xfrm>
+          <a:prstGeom prst="triangle">
+            <a:avLst/>
+          </a:prstGeom>
+          <a:solidFill>
+            <a:srgbClr val="4F81BD"/>
+          </a:solidFill>
+          <a:ln>
+            <a:solidFill>
+              <a:schemeClr val="tx1"/>
+            </a:solidFill>
+          </a:ln>
+          <a:effectLst/>
+        </p:spPr>
+        <p:style>
+          <a:lnRef idx="1">
+            <a:schemeClr val="accent1"/>
+          </a:lnRef>
+          <a:fillRef idx="3">
+            <a:schemeClr val="accent1"/>
+          </a:fillRef>
+          <a:effectRef idx="2">
+            <a:schemeClr val="accent1"/>
+          </a:effectRef>
+          <a:fontRef idx="minor">
+            <a:schemeClr val="lt1"/>
+          </a:fontRef>
+        </p:style>
+        <p:txBody>
+          <a:bodyPr rtlCol="0" anchor="ctr"/>
+          <a:lstStyle/>
+          <a:p>
+            <a:pPr algn="ctr"/>
+            <a:endParaRPr lang="en-US"/>
+          </a:p>
+        </p:txBody>
+      </p:sp>
+      <p:sp>
+        <p:nvSpPr>
+          <p:cNvPr id="95" name="Isosceles Triangle 55"/>
+          <p:cNvSpPr/>
+          <p:nvPr/>
+        </p:nvSpPr>
+        <p:spPr>
+          <a:xfrm>
+            <a:off x="5244961" y="3955212"/>
+            <a:ext cx="75816" cy="86937"/>
+          </a:xfrm>
+          <a:prstGeom prst="triangle">
+            <a:avLst/>
+          </a:prstGeom>
+          <a:solidFill>
+            <a:srgbClr val="4F81BD"/>
+          </a:solidFill>
+          <a:ln>
+            <a:solidFill>
+              <a:schemeClr val="tx1"/>
+            </a:solidFill>
+          </a:ln>
+          <a:effectLst/>
+        </p:spPr>
+        <p:style>
+          <a:lnRef idx="1">
+            <a:schemeClr val="accent1"/>
+          </a:lnRef>
+          <a:fillRef idx="3">
+            <a:schemeClr val="accent1"/>
+          </a:fillRef>
+          <a:effectRef idx="2">
+            <a:schemeClr val="accent1"/>
+          </a:effectRef>
+          <a:fontRef idx="minor">
+            <a:schemeClr val="lt1"/>
+          </a:fontRef>
+        </p:style>
+        <p:txBody>
+          <a:bodyPr rtlCol="0" anchor="ctr"/>
+          <a:lstStyle/>
+          <a:p>
+            <a:pPr algn="ctr"/>
+            <a:endParaRPr lang="en-US"/>
+          </a:p>
+        </p:txBody>
+      </p:sp>
+      <p:sp>
+        <p:nvSpPr>
+          <p:cNvPr id="97" name="Isosceles Triangle 55"/>
+          <p:cNvSpPr/>
+          <p:nvPr/>
+        </p:nvSpPr>
+        <p:spPr>
+          <a:xfrm>
+            <a:off x="5208283" y="3806943"/>
             <a:ext cx="75816" cy="86937"/>
           </a:xfrm>
           <a:prstGeom prst="triangle">
@@ -31978,43 +31961,56 @@
           </a:p>
         </p:txBody>
       </p:sp>
-      <p:cxnSp>
-        <p:nvCxnSpPr>
-          <p:cNvPr id="83" name="Straight Connector 82"/>
-          <p:cNvCxnSpPr/>
-          <p:nvPr/>
-        </p:nvCxnSpPr>
-        <p:spPr>
-          <a:xfrm flipH="1">
-            <a:off x="1766835" y="1467834"/>
-            <a:ext cx="5308715" cy="4339930"/>
-          </a:xfrm>
-          <a:prstGeom prst="line">
-            <a:avLst/>
-          </a:prstGeom>
-          <a:ln w="15875" cmpd="sng">
+      <p:sp>
+        <p:nvSpPr>
+          <p:cNvPr id="101" name="Isosceles Triangle 55"/>
+          <p:cNvSpPr/>
+          <p:nvPr/>
+        </p:nvSpPr>
+        <p:spPr>
+          <a:xfrm>
+            <a:off x="6101734" y="3184814"/>
+            <a:ext cx="75816" cy="86937"/>
+          </a:xfrm>
+          <a:prstGeom prst="triangle">
+            <a:avLst/>
+          </a:prstGeom>
+          <a:solidFill>
+            <a:schemeClr val="accent4">
+              <a:lumMod val="60000"/>
+              <a:lumOff val="40000"/>
+            </a:schemeClr>
+          </a:solidFill>
+          <a:ln>
             <a:solidFill>
               <a:schemeClr val="tx1"/>
             </a:solidFill>
-            <a:prstDash val="dash"/>
-          </a:ln>
-          <a:effectLst/>
-        </p:spPr>
-        <p:style>
-          <a:lnRef idx="2">
-            <a:schemeClr val="accent1"/>
-          </a:lnRef>
-          <a:fillRef idx="0">
-            <a:schemeClr val="accent1"/>
-          </a:fillRef>
-          <a:effectRef idx="1">
-            <a:schemeClr val="accent1"/>
-          </a:effectRef>
-          <a:fontRef idx="minor">
-            <a:schemeClr val="tx1"/>
-          </a:fontRef>
-        </p:style>
-      </p:cxnSp>
+          </a:ln>
+          <a:effectLst/>
+        </p:spPr>
+        <p:style>
+          <a:lnRef idx="1">
+            <a:schemeClr val="accent1"/>
+          </a:lnRef>
+          <a:fillRef idx="3">
+            <a:schemeClr val="accent1"/>
+          </a:fillRef>
+          <a:effectRef idx="2">
+            <a:schemeClr val="accent1"/>
+          </a:effectRef>
+          <a:fontRef idx="minor">
+            <a:schemeClr val="lt1"/>
+          </a:fontRef>
+        </p:style>
+        <p:txBody>
+          <a:bodyPr rtlCol="0" anchor="ctr"/>
+          <a:lstStyle/>
+          <a:p>
+            <a:pPr algn="ctr"/>
+            <a:endParaRPr lang="en-US"/>
+          </a:p>
+        </p:txBody>
+      </p:sp>
     </p:spTree>
     <p:extLst>
       <p:ext uri="{BB962C8B-B14F-4D97-AF65-F5344CB8AC3E}">
@@ -38459,7 +38455,6 @@
               <a:rPr lang="en-US" sz="1600" dirty="0" smtClean="0"/>
               <a:t>150</a:t>
             </a:r>
-            <a:endParaRPr lang="en-US" sz="1600" dirty="0" smtClean="0"/>
           </a:p>
           <a:p>
             <a:endParaRPr lang="en-US" sz="1600" dirty="0" smtClean="0"/>
@@ -38472,7 +38467,6 @@
               <a:rPr lang="en-US" sz="1600" dirty="0" smtClean="0"/>
               <a:t>125</a:t>
             </a:r>
-            <a:endParaRPr lang="en-US" sz="1600" dirty="0" smtClean="0"/>
           </a:p>
           <a:p>
             <a:endParaRPr lang="en-US" sz="1600" dirty="0" smtClean="0"/>
@@ -38485,7 +38479,6 @@
               <a:rPr lang="en-US" sz="1600" dirty="0" smtClean="0"/>
               <a:t>100</a:t>
             </a:r>
-            <a:endParaRPr lang="en-US" sz="1600" dirty="0" smtClean="0"/>
           </a:p>
           <a:p>
             <a:endParaRPr lang="en-US" sz="1600" dirty="0" smtClean="0"/>
@@ -38498,7 +38491,6 @@
               <a:rPr lang="en-US" sz="1600" dirty="0" smtClean="0"/>
               <a:t>75</a:t>
             </a:r>
-            <a:endParaRPr lang="en-US" sz="1600" dirty="0" smtClean="0"/>
           </a:p>
           <a:p>
             <a:endParaRPr lang="en-US" sz="1600" dirty="0" smtClean="0"/>
@@ -38511,7 +38503,6 @@
               <a:rPr lang="en-US" sz="1600" dirty="0" smtClean="0"/>
               <a:t>50</a:t>
             </a:r>
-            <a:endParaRPr lang="en-US" sz="1600" dirty="0" smtClean="0"/>
           </a:p>
           <a:p>
             <a:endParaRPr lang="en-US" sz="1600" dirty="0" smtClean="0"/>
@@ -38524,7 +38515,6 @@
               <a:rPr lang="en-US" sz="1600" dirty="0" smtClean="0"/>
               <a:t>25</a:t>
             </a:r>
-            <a:endParaRPr lang="en-US" sz="1600" dirty="0" smtClean="0"/>
           </a:p>
           <a:p>
             <a:endParaRPr lang="en-US" sz="1600" dirty="0" smtClean="0"/>
@@ -38545,7 +38535,7 @@
         </p:nvCxnSpPr>
         <p:spPr>
           <a:xfrm>
-            <a:off x="6144451" y="5186572"/>
+            <a:off x="6144451" y="5103440"/>
             <a:ext cx="741437" cy="13235"/>
           </a:xfrm>
           <a:prstGeom prst="line">
@@ -38758,28 +38748,7 @@
                 <a:latin typeface="Times New Roman"/>
                 <a:cs typeface="Times New Roman"/>
               </a:rPr>
-              <a:t>px::parallel::for_each </a:t>
-            </a:r>
-            <a:r>
-              <a:rPr lang="en-US" dirty="0" smtClean="0">
-                <a:latin typeface="Times New Roman"/>
-                <a:cs typeface="Times New Roman"/>
-              </a:rPr>
-              <a:t>(</a:t>
-            </a:r>
-            <a:r>
-              <a:rPr lang="en-US" dirty="0" smtClean="0">
-                <a:latin typeface="Times New Roman"/>
-                <a:cs typeface="Times New Roman"/>
-              </a:rPr>
-              <a:t>static</a:t>
-            </a:r>
-            <a:r>
-              <a:rPr lang="en-US" dirty="0" smtClean="0">
-                <a:latin typeface="Times New Roman"/>
-                <a:cs typeface="Times New Roman"/>
-              </a:rPr>
-              <a:t>)</a:t>
+              <a:t>px::parallel::for_each (static)</a:t>
             </a:r>
             <a:endParaRPr lang="en-US" dirty="0">
               <a:latin typeface="Times New Roman"/>
@@ -38904,7 +38873,7 @@
         </p:nvCxnSpPr>
         <p:spPr>
           <a:xfrm>
-            <a:off x="6166359" y="5529263"/>
+            <a:off x="6166359" y="5398636"/>
             <a:ext cx="766414" cy="59466"/>
           </a:xfrm>
           <a:prstGeom prst="line">
@@ -38941,8 +38910,8 @@
         </p:nvCxnSpPr>
         <p:spPr>
           <a:xfrm>
-            <a:off x="6164341" y="5367630"/>
-            <a:ext cx="826599" cy="85977"/>
+            <a:off x="6164341" y="5284502"/>
+            <a:ext cx="946982" cy="54035"/>
           </a:xfrm>
           <a:prstGeom prst="line">
             <a:avLst/>
@@ -40056,21 +40025,7 @@
                 <a:latin typeface="Times New Roman"/>
                 <a:cs typeface="Times New Roman"/>
               </a:rPr>
-              <a:t>(</a:t>
-            </a:r>
-            <a:r>
-              <a:rPr lang="en-US" smtClean="0">
-                <a:latin typeface="Times New Roman"/>
-                <a:cs typeface="Times New Roman"/>
-              </a:rPr>
-              <a:t>dynamic</a:t>
-            </a:r>
-            <a:r>
-              <a:rPr lang="en-US" smtClean="0">
-                <a:latin typeface="Times New Roman"/>
-                <a:cs typeface="Times New Roman"/>
-              </a:rPr>
-              <a:t>)</a:t>
+              <a:t>(dynamic)</a:t>
             </a:r>
             <a:endParaRPr lang="en-US" dirty="0">
               <a:latin typeface="Times New Roman"/>
@@ -40161,7 +40116,7 @@
         <p:spPr>
           <a:xfrm>
             <a:off x="2625233" y="3492790"/>
-            <a:ext cx="869474" cy="1048335"/>
+            <a:ext cx="878100" cy="886876"/>
           </a:xfrm>
           <a:prstGeom prst="line">
             <a:avLst/>
@@ -40191,13 +40146,15 @@
       <p:cxnSp>
         <p:nvCxnSpPr>
           <p:cNvPr id="86" name="Straight Connector 85"/>
-          <p:cNvCxnSpPr/>
+          <p:cNvCxnSpPr>
+            <a:stCxn id="132" idx="3"/>
+          </p:cNvCxnSpPr>
           <p:nvPr/>
         </p:nvCxnSpPr>
         <p:spPr>
           <a:xfrm>
-            <a:off x="3477816" y="4537655"/>
-            <a:ext cx="909228" cy="405213"/>
+            <a:off x="3514279" y="4424440"/>
+            <a:ext cx="890904" cy="310007"/>
           </a:xfrm>
           <a:prstGeom prst="line">
             <a:avLst/>
@@ -40227,13 +40184,15 @@
       <p:cxnSp>
         <p:nvCxnSpPr>
           <p:cNvPr id="90" name="Straight Connector 89"/>
-          <p:cNvCxnSpPr/>
+          <p:cNvCxnSpPr>
+            <a:stCxn id="145" idx="2"/>
+          </p:cNvCxnSpPr>
           <p:nvPr/>
         </p:nvCxnSpPr>
         <p:spPr>
           <a:xfrm>
-            <a:off x="4384147" y="4950217"/>
-            <a:ext cx="879377" cy="106885"/>
+            <a:off x="4363478" y="4755514"/>
+            <a:ext cx="908229" cy="213944"/>
           </a:xfrm>
           <a:prstGeom prst="line">
             <a:avLst/>
@@ -40263,13 +40222,15 @@
       <p:cxnSp>
         <p:nvCxnSpPr>
           <p:cNvPr id="92" name="Straight Connector 91"/>
-          <p:cNvCxnSpPr/>
+          <p:cNvCxnSpPr>
+            <a:stCxn id="144" idx="5"/>
+          </p:cNvCxnSpPr>
           <p:nvPr/>
         </p:nvCxnSpPr>
         <p:spPr>
           <a:xfrm>
-            <a:off x="5250687" y="5064274"/>
-            <a:ext cx="898358" cy="123019"/>
+            <a:off x="5264625" y="4949743"/>
+            <a:ext cx="853411" cy="130319"/>
           </a:xfrm>
           <a:prstGeom prst="line">
             <a:avLst/>
@@ -40335,13 +40296,16 @@
       <p:cxnSp>
         <p:nvCxnSpPr>
           <p:cNvPr id="97" name="Straight Connector 96"/>
-          <p:cNvCxnSpPr/>
+          <p:cNvCxnSpPr>
+            <a:stCxn id="141" idx="4"/>
+            <a:endCxn id="140" idx="1"/>
+          </p:cNvCxnSpPr>
           <p:nvPr/>
         </p:nvCxnSpPr>
         <p:spPr>
           <a:xfrm>
-            <a:off x="3517266" y="4657662"/>
-            <a:ext cx="862254" cy="354637"/>
+            <a:off x="3546032" y="4511647"/>
+            <a:ext cx="824164" cy="362507"/>
           </a:xfrm>
           <a:prstGeom prst="line">
             <a:avLst/>
@@ -40371,13 +40335,15 @@
       <p:cxnSp>
         <p:nvCxnSpPr>
           <p:cNvPr id="101" name="Straight Connector 100"/>
-          <p:cNvCxnSpPr/>
+          <p:cNvCxnSpPr>
+            <a:endCxn id="141" idx="1"/>
+          </p:cNvCxnSpPr>
           <p:nvPr/>
         </p:nvCxnSpPr>
         <p:spPr>
           <a:xfrm>
             <a:off x="2661372" y="3609699"/>
-            <a:ext cx="855813" cy="1055527"/>
+            <a:ext cx="827798" cy="858480"/>
           </a:xfrm>
           <a:prstGeom prst="line">
             <a:avLst/>
@@ -40412,8 +40378,8 @@
         </p:nvCxnSpPr>
         <p:spPr>
           <a:xfrm>
-            <a:off x="4409675" y="5012299"/>
-            <a:ext cx="837845" cy="219622"/>
+            <a:off x="4427058" y="4917622"/>
+            <a:ext cx="832774" cy="189486"/>
           </a:xfrm>
           <a:prstGeom prst="line">
             <a:avLst/>
@@ -40443,15 +40409,13 @@
       <p:cxnSp>
         <p:nvCxnSpPr>
           <p:cNvPr id="103" name="Straight Connector 102"/>
-          <p:cNvCxnSpPr>
-            <a:endCxn id="143" idx="1"/>
-          </p:cNvCxnSpPr>
+          <p:cNvCxnSpPr/>
           <p:nvPr/>
         </p:nvCxnSpPr>
         <p:spPr>
           <a:xfrm>
-            <a:off x="5247520" y="5235461"/>
-            <a:ext cx="870516" cy="123336"/>
+            <a:off x="5259832" y="5108595"/>
+            <a:ext cx="858204" cy="158695"/>
           </a:xfrm>
           <a:prstGeom prst="line">
             <a:avLst/>
@@ -40517,13 +40481,16 @@
       <p:cxnSp>
         <p:nvCxnSpPr>
           <p:cNvPr id="111" name="Straight Connector 110"/>
-          <p:cNvCxnSpPr/>
+          <p:cNvCxnSpPr>
+            <a:stCxn id="125" idx="3"/>
+            <a:endCxn id="126" idx="5"/>
+          </p:cNvCxnSpPr>
           <p:nvPr/>
         </p:nvCxnSpPr>
         <p:spPr>
           <a:xfrm>
-            <a:off x="3505065" y="4769457"/>
-            <a:ext cx="879082" cy="462464"/>
+            <a:off x="3499692" y="4643259"/>
+            <a:ext cx="894755" cy="337256"/>
           </a:xfrm>
           <a:prstGeom prst="line">
             <a:avLst/>
@@ -40553,13 +40520,15 @@
       <p:cxnSp>
         <p:nvCxnSpPr>
           <p:cNvPr id="113" name="Straight Connector 112"/>
-          <p:cNvCxnSpPr/>
+          <p:cNvCxnSpPr>
+            <a:endCxn id="125" idx="3"/>
+          </p:cNvCxnSpPr>
           <p:nvPr/>
         </p:nvCxnSpPr>
         <p:spPr>
           <a:xfrm>
             <a:off x="2635591" y="3674814"/>
-            <a:ext cx="881594" cy="1107133"/>
+            <a:ext cx="864101" cy="968445"/>
           </a:xfrm>
           <a:prstGeom prst="line">
             <a:avLst/>
@@ -40594,8 +40563,8 @@
         </p:nvCxnSpPr>
         <p:spPr>
           <a:xfrm>
-            <a:off x="5250156" y="5423108"/>
-            <a:ext cx="889701" cy="98020"/>
+            <a:off x="5283579" y="5287547"/>
+            <a:ext cx="834457" cy="118560"/>
           </a:xfrm>
           <a:prstGeom prst="line">
             <a:avLst/>
@@ -40625,13 +40594,15 @@
       <p:cxnSp>
         <p:nvCxnSpPr>
           <p:cNvPr id="117" name="Straight Connector 116"/>
-          <p:cNvCxnSpPr/>
+          <p:cNvCxnSpPr>
+            <a:stCxn id="126" idx="3"/>
+          </p:cNvCxnSpPr>
           <p:nvPr/>
         </p:nvCxnSpPr>
         <p:spPr>
           <a:xfrm>
-            <a:off x="4395600" y="5235423"/>
-            <a:ext cx="864232" cy="191582"/>
+            <a:off x="4375493" y="5023983"/>
+            <a:ext cx="872027" cy="263564"/>
           </a:xfrm>
           <a:prstGeom prst="line">
             <a:avLst/>
@@ -40666,7 +40637,7 @@
         </p:nvSpPr>
         <p:spPr>
           <a:xfrm>
-            <a:off x="3461784" y="4734447"/>
+            <a:off x="3461784" y="4556322"/>
             <a:ext cx="75816" cy="86937"/>
           </a:xfrm>
           <a:prstGeom prst="triangle">
@@ -40716,7 +40687,7 @@
         </p:nvSpPr>
         <p:spPr>
           <a:xfrm>
-            <a:off x="4337585" y="5162673"/>
+            <a:off x="4337585" y="4937046"/>
             <a:ext cx="75816" cy="86937"/>
           </a:xfrm>
           <a:prstGeom prst="triangle">
@@ -40816,7 +40787,7 @@
         </p:nvSpPr>
         <p:spPr>
           <a:xfrm>
-            <a:off x="5191733" y="5374165"/>
+            <a:off x="5215483" y="5219790"/>
             <a:ext cx="75816" cy="86937"/>
           </a:xfrm>
           <a:prstGeom prst="triangle">
@@ -40866,7 +40837,7 @@
         </p:nvSpPr>
         <p:spPr>
           <a:xfrm>
-            <a:off x="6103401" y="5453907"/>
+            <a:off x="6103401" y="5358907"/>
             <a:ext cx="75816" cy="86937"/>
           </a:xfrm>
           <a:prstGeom prst="triangle">
@@ -40916,7 +40887,7 @@
         </p:nvSpPr>
         <p:spPr>
           <a:xfrm>
-            <a:off x="3476371" y="4491878"/>
+            <a:off x="3476371" y="4337503"/>
             <a:ext cx="75816" cy="86937"/>
           </a:xfrm>
           <a:prstGeom prst="triangle">
@@ -41010,7 +40981,7 @@
         </p:nvSpPr>
         <p:spPr>
           <a:xfrm>
-            <a:off x="6119126" y="5122357"/>
+            <a:off x="6107251" y="5039233"/>
             <a:ext cx="75816" cy="86937"/>
           </a:xfrm>
           <a:prstGeom prst="triangle">
@@ -41057,7 +41028,7 @@
         </p:nvSpPr>
         <p:spPr>
           <a:xfrm>
-            <a:off x="5184016" y="5199787"/>
+            <a:off x="5195891" y="5045409"/>
             <a:ext cx="75816" cy="86937"/>
           </a:xfrm>
           <a:prstGeom prst="triangle">
@@ -41157,7 +41128,7 @@
         </p:nvSpPr>
         <p:spPr>
           <a:xfrm>
-            <a:off x="4351242" y="4961312"/>
+            <a:off x="4351242" y="4830685"/>
             <a:ext cx="75816" cy="86937"/>
           </a:xfrm>
           <a:prstGeom prst="triangle">
@@ -41207,7 +41178,7 @@
         </p:nvSpPr>
         <p:spPr>
           <a:xfrm>
-            <a:off x="3470216" y="4602835"/>
+            <a:off x="3470216" y="4424710"/>
             <a:ext cx="75816" cy="86937"/>
           </a:xfrm>
           <a:prstGeom prst="triangle">
@@ -41257,7 +41228,7 @@
         </p:nvSpPr>
         <p:spPr>
           <a:xfrm>
-            <a:off x="6099082" y="5315328"/>
+            <a:off x="6099082" y="5232203"/>
             <a:ext cx="75816" cy="86937"/>
           </a:xfrm>
           <a:prstGeom prst="triangle">
@@ -41307,7 +41278,7 @@
         </p:nvSpPr>
         <p:spPr>
           <a:xfrm>
-            <a:off x="5207763" y="5013148"/>
+            <a:off x="5207763" y="4906274"/>
             <a:ext cx="75816" cy="86937"/>
           </a:xfrm>
           <a:prstGeom prst="triangle">
@@ -41354,7 +41325,7 @@
         </p:nvSpPr>
         <p:spPr>
           <a:xfrm>
-            <a:off x="4363478" y="4894208"/>
+            <a:off x="4363478" y="4668577"/>
             <a:ext cx="75816" cy="86937"/>
           </a:xfrm>
           <a:prstGeom prst="triangle">
@@ -41950,50 +41921,13 @@
       </p:sp>
       <p:cxnSp>
         <p:nvCxnSpPr>
-          <p:cNvPr id="127" name="Straight Connector 126"/>
-          <p:cNvCxnSpPr/>
-          <p:nvPr/>
-        </p:nvCxnSpPr>
-        <p:spPr>
-          <a:xfrm flipV="1">
-            <a:off x="6184138" y="3268073"/>
-            <a:ext cx="611150" cy="67135"/>
-          </a:xfrm>
-          <a:prstGeom prst="line">
-            <a:avLst/>
-          </a:prstGeom>
-          <a:ln>
-            <a:solidFill>
-              <a:srgbClr val="660066"/>
-            </a:solidFill>
-            <a:prstDash val="dashDot"/>
-          </a:ln>
-          <a:effectLst/>
-        </p:spPr>
-        <p:style>
-          <a:lnRef idx="2">
-            <a:schemeClr val="accent1"/>
-          </a:lnRef>
-          <a:fillRef idx="0">
-            <a:schemeClr val="accent1"/>
-          </a:fillRef>
-          <a:effectRef idx="1">
-            <a:schemeClr val="accent1"/>
-          </a:effectRef>
-          <a:fontRef idx="minor">
-            <a:schemeClr val="tx1"/>
-          </a:fontRef>
-        </p:style>
-      </p:cxnSp>
-      <p:cxnSp>
-        <p:nvCxnSpPr>
           <p:cNvPr id="136" name="Straight Connector 135"/>
           <p:cNvCxnSpPr/>
           <p:nvPr/>
         </p:nvCxnSpPr>
         <p:spPr>
           <a:xfrm flipV="1">
-            <a:off x="6182470" y="2918938"/>
+            <a:off x="6182470" y="2752682"/>
             <a:ext cx="612818" cy="139130"/>
           </a:xfrm>
           <a:prstGeom prst="line">
@@ -42965,7 +42899,7 @@
         </p:nvCxnSpPr>
         <p:spPr>
           <a:xfrm flipH="1">
-            <a:off x="6169345" y="790415"/>
+            <a:off x="6133720" y="790415"/>
             <a:ext cx="1102" cy="5159559"/>
           </a:xfrm>
           <a:prstGeom prst="line">
@@ -42976,114 +42910,6 @@
               <a:srgbClr val="595959"/>
             </a:solidFill>
             <a:prstDash val="dash"/>
-          </a:ln>
-          <a:effectLst/>
-        </p:spPr>
-        <p:style>
-          <a:lnRef idx="2">
-            <a:schemeClr val="accent1"/>
-          </a:lnRef>
-          <a:fillRef idx="0">
-            <a:schemeClr val="accent1"/>
-          </a:fillRef>
-          <a:effectRef idx="1">
-            <a:schemeClr val="accent1"/>
-          </a:effectRef>
-          <a:fontRef idx="minor">
-            <a:schemeClr val="tx1"/>
-          </a:fontRef>
-        </p:style>
-      </p:cxnSp>
-      <p:cxnSp>
-        <p:nvCxnSpPr>
-          <p:cNvPr id="123" name="Straight Connector 122"/>
-          <p:cNvCxnSpPr/>
-          <p:nvPr/>
-        </p:nvCxnSpPr>
-        <p:spPr>
-          <a:xfrm flipV="1">
-            <a:off x="4381759" y="3526827"/>
-            <a:ext cx="868915" cy="422792"/>
-          </a:xfrm>
-          <a:prstGeom prst="line">
-            <a:avLst/>
-          </a:prstGeom>
-          <a:ln w="38100" cmpd="sng">
-            <a:solidFill>
-              <a:srgbClr val="660066"/>
-            </a:solidFill>
-          </a:ln>
-          <a:effectLst/>
-        </p:spPr>
-        <p:style>
-          <a:lnRef idx="2">
-            <a:schemeClr val="accent1"/>
-          </a:lnRef>
-          <a:fillRef idx="0">
-            <a:schemeClr val="accent1"/>
-          </a:fillRef>
-          <a:effectRef idx="1">
-            <a:schemeClr val="accent1"/>
-          </a:effectRef>
-          <a:fontRef idx="minor">
-            <a:schemeClr val="tx1"/>
-          </a:fontRef>
-        </p:style>
-      </p:cxnSp>
-      <p:cxnSp>
-        <p:nvCxnSpPr>
-          <p:cNvPr id="124" name="Straight Connector 123"/>
-          <p:cNvCxnSpPr/>
-          <p:nvPr/>
-        </p:nvCxnSpPr>
-        <p:spPr>
-          <a:xfrm flipV="1">
-            <a:off x="2608866" y="3953198"/>
-            <a:ext cx="1775777" cy="1298078"/>
-          </a:xfrm>
-          <a:prstGeom prst="line">
-            <a:avLst/>
-          </a:prstGeom>
-          <a:ln w="38100" cmpd="sng">
-            <a:solidFill>
-              <a:srgbClr val="660066"/>
-            </a:solidFill>
-          </a:ln>
-          <a:effectLst/>
-        </p:spPr>
-        <p:style>
-          <a:lnRef idx="2">
-            <a:schemeClr val="accent1"/>
-          </a:lnRef>
-          <a:fillRef idx="0">
-            <a:schemeClr val="accent1"/>
-          </a:fillRef>
-          <a:effectRef idx="1">
-            <a:schemeClr val="accent1"/>
-          </a:effectRef>
-          <a:fontRef idx="minor">
-            <a:schemeClr val="tx1"/>
-          </a:fontRef>
-        </p:style>
-      </p:cxnSp>
-      <p:cxnSp>
-        <p:nvCxnSpPr>
-          <p:cNvPr id="131" name="Straight Connector 130"/>
-          <p:cNvCxnSpPr/>
-          <p:nvPr/>
-        </p:nvCxnSpPr>
-        <p:spPr>
-          <a:xfrm flipV="1">
-            <a:off x="5228897" y="3328364"/>
-            <a:ext cx="950630" cy="202564"/>
-          </a:xfrm>
-          <a:prstGeom prst="line">
-            <a:avLst/>
-          </a:prstGeom>
-          <a:ln w="38100" cmpd="sng">
-            <a:solidFill>
-              <a:srgbClr val="660066"/>
-            </a:solidFill>
           </a:ln>
           <a:effectLst/>
         </p:spPr>
@@ -43154,13 +42980,13 @@
       </p:sp>
       <p:sp>
         <p:nvSpPr>
-          <p:cNvPr id="159" name="Isosceles Triangle 55"/>
+          <p:cNvPr id="165" name="Isosceles Triangle 55"/>
           <p:cNvSpPr/>
           <p:nvPr/>
         </p:nvSpPr>
         <p:spPr>
           <a:xfrm>
-            <a:off x="4351560" y="3900680"/>
+            <a:off x="3471328" y="4530121"/>
             <a:ext cx="75816" cy="86937"/>
           </a:xfrm>
           <a:prstGeom prst="triangle">
@@ -43202,15 +43028,628 @@
           </a:p>
         </p:txBody>
       </p:sp>
+      <p:cxnSp>
+        <p:nvCxnSpPr>
+          <p:cNvPr id="83" name="Straight Connector 82"/>
+          <p:cNvCxnSpPr/>
+          <p:nvPr/>
+        </p:nvCxnSpPr>
+        <p:spPr>
+          <a:xfrm>
+            <a:off x="4405039" y="1844395"/>
+            <a:ext cx="2827" cy="4097797"/>
+          </a:xfrm>
+          <a:prstGeom prst="line">
+            <a:avLst/>
+          </a:prstGeom>
+          <a:ln w="9525" cmpd="sng">
+            <a:solidFill>
+              <a:srgbClr val="595959"/>
+            </a:solidFill>
+            <a:prstDash val="dash"/>
+          </a:ln>
+          <a:effectLst/>
+        </p:spPr>
+        <p:style>
+          <a:lnRef idx="2">
+            <a:schemeClr val="accent1"/>
+          </a:lnRef>
+          <a:fillRef idx="0">
+            <a:schemeClr val="accent1"/>
+          </a:fillRef>
+          <a:effectRef idx="1">
+            <a:schemeClr val="accent1"/>
+          </a:effectRef>
+          <a:fontRef idx="minor">
+            <a:schemeClr val="tx1"/>
+          </a:fontRef>
+        </p:style>
+      </p:cxnSp>
+      <p:cxnSp>
+        <p:nvCxnSpPr>
+          <p:cNvPr id="84" name="Straight Connector 83"/>
+          <p:cNvCxnSpPr/>
+          <p:nvPr/>
+        </p:nvCxnSpPr>
+        <p:spPr>
+          <a:xfrm>
+            <a:off x="5246362" y="1844395"/>
+            <a:ext cx="2827" cy="4097797"/>
+          </a:xfrm>
+          <a:prstGeom prst="line">
+            <a:avLst/>
+          </a:prstGeom>
+          <a:ln w="9525" cmpd="sng">
+            <a:solidFill>
+              <a:srgbClr val="595959"/>
+            </a:solidFill>
+            <a:prstDash val="dash"/>
+          </a:ln>
+          <a:effectLst/>
+        </p:spPr>
+        <p:style>
+          <a:lnRef idx="2">
+            <a:schemeClr val="accent1"/>
+          </a:lnRef>
+          <a:fillRef idx="0">
+            <a:schemeClr val="accent1"/>
+          </a:fillRef>
+          <a:effectRef idx="1">
+            <a:schemeClr val="accent1"/>
+          </a:effectRef>
+          <a:fontRef idx="minor">
+            <a:schemeClr val="tx1"/>
+          </a:fontRef>
+        </p:style>
+      </p:cxnSp>
+      <p:cxnSp>
+        <p:nvCxnSpPr>
+          <p:cNvPr id="85" name="Straight Connector 84"/>
+          <p:cNvCxnSpPr/>
+          <p:nvPr/>
+        </p:nvCxnSpPr>
+        <p:spPr>
+          <a:xfrm flipV="1">
+            <a:off x="1766834" y="5142496"/>
+            <a:ext cx="868836" cy="665268"/>
+          </a:xfrm>
+          <a:prstGeom prst="line">
+            <a:avLst/>
+          </a:prstGeom>
+          <a:ln w="38100" cmpd="sng">
+            <a:solidFill>
+              <a:srgbClr val="F79646"/>
+            </a:solidFill>
+          </a:ln>
+          <a:effectLst/>
+        </p:spPr>
+        <p:style>
+          <a:lnRef idx="2">
+            <a:schemeClr val="accent1"/>
+          </a:lnRef>
+          <a:fillRef idx="0">
+            <a:schemeClr val="accent1"/>
+          </a:fillRef>
+          <a:effectRef idx="1">
+            <a:schemeClr val="accent1"/>
+          </a:effectRef>
+          <a:fontRef idx="minor">
+            <a:schemeClr val="tx1"/>
+          </a:fontRef>
+        </p:style>
+      </p:cxnSp>
+      <p:cxnSp>
+        <p:nvCxnSpPr>
+          <p:cNvPr id="86" name="Straight Connector 85"/>
+          <p:cNvCxnSpPr/>
+          <p:nvPr/>
+        </p:nvCxnSpPr>
+        <p:spPr>
+          <a:xfrm flipV="1">
+            <a:off x="2606405" y="4696505"/>
+            <a:ext cx="895723" cy="449619"/>
+          </a:xfrm>
+          <a:prstGeom prst="line">
+            <a:avLst/>
+          </a:prstGeom>
+          <a:ln w="38100" cmpd="sng">
+            <a:solidFill>
+              <a:srgbClr val="F79646"/>
+            </a:solidFill>
+          </a:ln>
+          <a:effectLst/>
+        </p:spPr>
+        <p:style>
+          <a:lnRef idx="2">
+            <a:schemeClr val="accent1"/>
+          </a:lnRef>
+          <a:fillRef idx="0">
+            <a:schemeClr val="accent1"/>
+          </a:fillRef>
+          <a:effectRef idx="1">
+            <a:schemeClr val="accent1"/>
+          </a:effectRef>
+          <a:fontRef idx="minor">
+            <a:schemeClr val="tx1"/>
+          </a:fontRef>
+        </p:style>
+      </p:cxnSp>
+      <p:cxnSp>
+        <p:nvCxnSpPr>
+          <p:cNvPr id="87" name="Straight Connector 86"/>
+          <p:cNvCxnSpPr/>
+          <p:nvPr/>
+        </p:nvCxnSpPr>
+        <p:spPr>
+          <a:xfrm flipV="1">
+            <a:off x="3513987" y="3728575"/>
+            <a:ext cx="890057" cy="963448"/>
+          </a:xfrm>
+          <a:prstGeom prst="line">
+            <a:avLst/>
+          </a:prstGeom>
+          <a:ln w="38100" cmpd="sng">
+            <a:solidFill>
+              <a:srgbClr val="F79646"/>
+            </a:solidFill>
+          </a:ln>
+          <a:effectLst/>
+        </p:spPr>
+        <p:style>
+          <a:lnRef idx="2">
+            <a:schemeClr val="accent1"/>
+          </a:lnRef>
+          <a:fillRef idx="0">
+            <a:schemeClr val="accent1"/>
+          </a:fillRef>
+          <a:effectRef idx="1">
+            <a:schemeClr val="accent1"/>
+          </a:effectRef>
+          <a:fontRef idx="minor">
+            <a:schemeClr val="tx1"/>
+          </a:fontRef>
+        </p:style>
+      </p:cxnSp>
+      <p:cxnSp>
+        <p:nvCxnSpPr>
+          <p:cNvPr id="90" name="Straight Connector 89"/>
+          <p:cNvCxnSpPr/>
+          <p:nvPr/>
+        </p:nvCxnSpPr>
+        <p:spPr>
+          <a:xfrm flipV="1">
+            <a:off x="4401130" y="2879937"/>
+            <a:ext cx="1787168" cy="838248"/>
+          </a:xfrm>
+          <a:prstGeom prst="line">
+            <a:avLst/>
+          </a:prstGeom>
+          <a:ln w="38100" cmpd="sng">
+            <a:solidFill>
+              <a:srgbClr val="F79646"/>
+            </a:solidFill>
+          </a:ln>
+          <a:effectLst/>
+        </p:spPr>
+        <p:style>
+          <a:lnRef idx="2">
+            <a:schemeClr val="accent1"/>
+          </a:lnRef>
+          <a:fillRef idx="0">
+            <a:schemeClr val="accent1"/>
+          </a:fillRef>
+          <a:effectRef idx="1">
+            <a:schemeClr val="accent1"/>
+          </a:effectRef>
+          <a:fontRef idx="minor">
+            <a:schemeClr val="tx1"/>
+          </a:fontRef>
+        </p:style>
+      </p:cxnSp>
       <p:sp>
         <p:nvSpPr>
-          <p:cNvPr id="163" name="Isosceles Triangle 55"/>
+          <p:cNvPr id="93" name="Isosceles Triangle 55"/>
           <p:cNvSpPr/>
           <p:nvPr/>
         </p:nvSpPr>
         <p:spPr>
           <a:xfrm>
-            <a:off x="5204069" y="3471892"/>
+            <a:off x="6124357" y="2839837"/>
+            <a:ext cx="75816" cy="86937"/>
+          </a:xfrm>
+          <a:prstGeom prst="triangle">
+            <a:avLst/>
+          </a:prstGeom>
+          <a:solidFill>
+            <a:schemeClr val="accent6">
+              <a:lumMod val="60000"/>
+              <a:lumOff val="40000"/>
+            </a:schemeClr>
+          </a:solidFill>
+          <a:ln>
+            <a:solidFill>
+              <a:schemeClr val="tx1"/>
+            </a:solidFill>
+          </a:ln>
+          <a:effectLst/>
+        </p:spPr>
+        <p:style>
+          <a:lnRef idx="1">
+            <a:schemeClr val="accent1"/>
+          </a:lnRef>
+          <a:fillRef idx="3">
+            <a:schemeClr val="accent1"/>
+          </a:fillRef>
+          <a:effectRef idx="2">
+            <a:schemeClr val="accent1"/>
+          </a:effectRef>
+          <a:fontRef idx="minor">
+            <a:schemeClr val="lt1"/>
+          </a:fontRef>
+        </p:style>
+        <p:txBody>
+          <a:bodyPr rtlCol="0" anchor="ctr"/>
+          <a:lstStyle/>
+          <a:p>
+            <a:pPr algn="ctr"/>
+            <a:endParaRPr lang="en-US"/>
+          </a:p>
+        </p:txBody>
+      </p:sp>
+      <p:sp>
+        <p:nvSpPr>
+          <p:cNvPr id="94" name="Isosceles Triangle 55"/>
+          <p:cNvSpPr/>
+          <p:nvPr/>
+        </p:nvSpPr>
+        <p:spPr>
+          <a:xfrm>
+            <a:off x="5185850" y="3288330"/>
+            <a:ext cx="75816" cy="86937"/>
+          </a:xfrm>
+          <a:prstGeom prst="triangle">
+            <a:avLst/>
+          </a:prstGeom>
+          <a:solidFill>
+            <a:schemeClr val="accent6">
+              <a:lumMod val="60000"/>
+              <a:lumOff val="40000"/>
+            </a:schemeClr>
+          </a:solidFill>
+          <a:ln>
+            <a:solidFill>
+              <a:schemeClr val="tx1"/>
+            </a:solidFill>
+          </a:ln>
+          <a:effectLst/>
+        </p:spPr>
+        <p:style>
+          <a:lnRef idx="1">
+            <a:schemeClr val="accent1"/>
+          </a:lnRef>
+          <a:fillRef idx="3">
+            <a:schemeClr val="accent1"/>
+          </a:fillRef>
+          <a:effectRef idx="2">
+            <a:schemeClr val="accent1"/>
+          </a:effectRef>
+          <a:fontRef idx="minor">
+            <a:schemeClr val="lt1"/>
+          </a:fontRef>
+        </p:style>
+        <p:txBody>
+          <a:bodyPr rtlCol="0" anchor="ctr"/>
+          <a:lstStyle/>
+          <a:p>
+            <a:pPr algn="ctr"/>
+            <a:endParaRPr lang="en-US"/>
+          </a:p>
+        </p:txBody>
+      </p:sp>
+      <p:sp>
+        <p:nvSpPr>
+          <p:cNvPr id="95" name="Isosceles Triangle 55"/>
+          <p:cNvSpPr/>
+          <p:nvPr/>
+        </p:nvSpPr>
+        <p:spPr>
+          <a:xfrm>
+            <a:off x="4372218" y="3678514"/>
+            <a:ext cx="75816" cy="86937"/>
+          </a:xfrm>
+          <a:prstGeom prst="triangle">
+            <a:avLst/>
+          </a:prstGeom>
+          <a:solidFill>
+            <a:schemeClr val="accent6">
+              <a:lumMod val="60000"/>
+              <a:lumOff val="40000"/>
+            </a:schemeClr>
+          </a:solidFill>
+          <a:ln>
+            <a:solidFill>
+              <a:schemeClr val="tx1"/>
+            </a:solidFill>
+          </a:ln>
+          <a:effectLst/>
+        </p:spPr>
+        <p:style>
+          <a:lnRef idx="1">
+            <a:schemeClr val="accent1"/>
+          </a:lnRef>
+          <a:fillRef idx="3">
+            <a:schemeClr val="accent1"/>
+          </a:fillRef>
+          <a:effectRef idx="2">
+            <a:schemeClr val="accent1"/>
+          </a:effectRef>
+          <a:fontRef idx="minor">
+            <a:schemeClr val="lt1"/>
+          </a:fontRef>
+        </p:style>
+        <p:txBody>
+          <a:bodyPr rtlCol="0" anchor="ctr"/>
+          <a:lstStyle/>
+          <a:p>
+            <a:pPr algn="ctr"/>
+            <a:endParaRPr lang="en-US"/>
+          </a:p>
+        </p:txBody>
+      </p:sp>
+      <p:sp>
+        <p:nvSpPr>
+          <p:cNvPr id="97" name="Isosceles Triangle 55"/>
+          <p:cNvSpPr/>
+          <p:nvPr/>
+        </p:nvSpPr>
+        <p:spPr>
+          <a:xfrm>
+            <a:off x="3469956" y="4626704"/>
+            <a:ext cx="75816" cy="86937"/>
+          </a:xfrm>
+          <a:prstGeom prst="triangle">
+            <a:avLst/>
+          </a:prstGeom>
+          <a:solidFill>
+            <a:schemeClr val="accent6">
+              <a:lumMod val="60000"/>
+              <a:lumOff val="40000"/>
+            </a:schemeClr>
+          </a:solidFill>
+          <a:ln>
+            <a:solidFill>
+              <a:schemeClr val="tx1"/>
+            </a:solidFill>
+          </a:ln>
+          <a:effectLst/>
+        </p:spPr>
+        <p:style>
+          <a:lnRef idx="1">
+            <a:schemeClr val="accent1"/>
+          </a:lnRef>
+          <a:fillRef idx="3">
+            <a:schemeClr val="accent1"/>
+          </a:fillRef>
+          <a:effectRef idx="2">
+            <a:schemeClr val="accent1"/>
+          </a:effectRef>
+          <a:fontRef idx="minor">
+            <a:schemeClr val="lt1"/>
+          </a:fontRef>
+        </p:style>
+        <p:txBody>
+          <a:bodyPr rtlCol="0" anchor="ctr"/>
+          <a:lstStyle/>
+          <a:p>
+            <a:pPr algn="ctr"/>
+            <a:endParaRPr lang="en-US"/>
+          </a:p>
+        </p:txBody>
+      </p:sp>
+      <p:sp>
+        <p:nvSpPr>
+          <p:cNvPr id="101" name="Isosceles Triangle 55"/>
+          <p:cNvSpPr/>
+          <p:nvPr/>
+        </p:nvSpPr>
+        <p:spPr>
+          <a:xfrm>
+            <a:off x="2601182" y="5074611"/>
+            <a:ext cx="75816" cy="86937"/>
+          </a:xfrm>
+          <a:prstGeom prst="triangle">
+            <a:avLst/>
+          </a:prstGeom>
+          <a:solidFill>
+            <a:schemeClr val="accent6">
+              <a:lumMod val="60000"/>
+              <a:lumOff val="40000"/>
+            </a:schemeClr>
+          </a:solidFill>
+          <a:ln>
+            <a:solidFill>
+              <a:schemeClr val="tx1"/>
+            </a:solidFill>
+          </a:ln>
+          <a:effectLst/>
+        </p:spPr>
+        <p:style>
+          <a:lnRef idx="1">
+            <a:schemeClr val="accent1"/>
+          </a:lnRef>
+          <a:fillRef idx="3">
+            <a:schemeClr val="accent1"/>
+          </a:fillRef>
+          <a:effectRef idx="2">
+            <a:schemeClr val="accent1"/>
+          </a:effectRef>
+          <a:fontRef idx="minor">
+            <a:schemeClr val="lt1"/>
+          </a:fontRef>
+        </p:style>
+        <p:txBody>
+          <a:bodyPr rtlCol="0" anchor="ctr"/>
+          <a:lstStyle/>
+          <a:p>
+            <a:pPr algn="ctr"/>
+            <a:endParaRPr lang="en-US"/>
+          </a:p>
+        </p:txBody>
+      </p:sp>
+      <p:cxnSp>
+        <p:nvCxnSpPr>
+          <p:cNvPr id="62" name="Straight Connector 61"/>
+          <p:cNvCxnSpPr/>
+          <p:nvPr/>
+        </p:nvCxnSpPr>
+        <p:spPr>
+          <a:xfrm flipH="1">
+            <a:off x="1766835" y="1467834"/>
+            <a:ext cx="5308715" cy="4339930"/>
+          </a:xfrm>
+          <a:prstGeom prst="line">
+            <a:avLst/>
+          </a:prstGeom>
+          <a:ln w="15875" cmpd="sng">
+            <a:solidFill>
+              <a:schemeClr val="tx1"/>
+            </a:solidFill>
+            <a:prstDash val="dash"/>
+          </a:ln>
+          <a:effectLst/>
+        </p:spPr>
+        <p:style>
+          <a:lnRef idx="2">
+            <a:schemeClr val="accent1"/>
+          </a:lnRef>
+          <a:fillRef idx="0">
+            <a:schemeClr val="accent1"/>
+          </a:fillRef>
+          <a:effectRef idx="1">
+            <a:schemeClr val="accent1"/>
+          </a:effectRef>
+          <a:fontRef idx="minor">
+            <a:schemeClr val="tx1"/>
+          </a:fontRef>
+        </p:style>
+      </p:cxnSp>
+      <p:cxnSp>
+        <p:nvCxnSpPr>
+          <p:cNvPr id="65" name="Straight Connector 64"/>
+          <p:cNvCxnSpPr/>
+          <p:nvPr/>
+        </p:nvCxnSpPr>
+        <p:spPr>
+          <a:xfrm flipV="1">
+            <a:off x="2608866" y="4573590"/>
+            <a:ext cx="919324" cy="677686"/>
+          </a:xfrm>
+          <a:prstGeom prst="line">
+            <a:avLst/>
+          </a:prstGeom>
+          <a:ln w="38100" cmpd="sng">
+            <a:solidFill>
+              <a:srgbClr val="660066"/>
+            </a:solidFill>
+          </a:ln>
+          <a:effectLst/>
+        </p:spPr>
+        <p:style>
+          <a:lnRef idx="2">
+            <a:schemeClr val="accent1"/>
+          </a:lnRef>
+          <a:fillRef idx="0">
+            <a:schemeClr val="accent1"/>
+          </a:fillRef>
+          <a:effectRef idx="1">
+            <a:schemeClr val="accent1"/>
+          </a:effectRef>
+          <a:fontRef idx="minor">
+            <a:schemeClr val="tx1"/>
+          </a:fontRef>
+        </p:style>
+      </p:cxnSp>
+      <p:cxnSp>
+        <p:nvCxnSpPr>
+          <p:cNvPr id="68" name="Straight Connector 67"/>
+          <p:cNvCxnSpPr/>
+          <p:nvPr/>
+        </p:nvCxnSpPr>
+        <p:spPr>
+          <a:xfrm flipV="1">
+            <a:off x="4397481" y="3583615"/>
+            <a:ext cx="863840" cy="492567"/>
+          </a:xfrm>
+          <a:prstGeom prst="line">
+            <a:avLst/>
+          </a:prstGeom>
+          <a:ln w="38100" cmpd="sng">
+            <a:solidFill>
+              <a:srgbClr val="660066"/>
+            </a:solidFill>
+          </a:ln>
+          <a:effectLst/>
+        </p:spPr>
+        <p:style>
+          <a:lnRef idx="2">
+            <a:schemeClr val="accent1"/>
+          </a:lnRef>
+          <a:fillRef idx="0">
+            <a:schemeClr val="accent1"/>
+          </a:fillRef>
+          <a:effectRef idx="1">
+            <a:schemeClr val="accent1"/>
+          </a:effectRef>
+          <a:fontRef idx="minor">
+            <a:schemeClr val="tx1"/>
+          </a:fontRef>
+        </p:style>
+      </p:cxnSp>
+      <p:cxnSp>
+        <p:nvCxnSpPr>
+          <p:cNvPr id="69" name="Straight Connector 68"/>
+          <p:cNvCxnSpPr/>
+          <p:nvPr/>
+        </p:nvCxnSpPr>
+        <p:spPr>
+          <a:xfrm flipV="1">
+            <a:off x="5252929" y="3245012"/>
+            <a:ext cx="881341" cy="335001"/>
+          </a:xfrm>
+          <a:prstGeom prst="line">
+            <a:avLst/>
+          </a:prstGeom>
+          <a:ln w="38100" cmpd="sng">
+            <a:solidFill>
+              <a:srgbClr val="660066"/>
+            </a:solidFill>
+          </a:ln>
+          <a:effectLst/>
+        </p:spPr>
+        <p:style>
+          <a:lnRef idx="2">
+            <a:schemeClr val="accent1"/>
+          </a:lnRef>
+          <a:fillRef idx="0">
+            <a:schemeClr val="accent1"/>
+          </a:fillRef>
+          <a:effectRef idx="1">
+            <a:schemeClr val="accent1"/>
+          </a:effectRef>
+          <a:fontRef idx="minor">
+            <a:schemeClr val="tx1"/>
+          </a:fontRef>
+        </p:style>
+      </p:cxnSp>
+      <p:sp>
+        <p:nvSpPr>
+          <p:cNvPr id="72" name="Isosceles Triangle 55"/>
+          <p:cNvSpPr/>
+          <p:nvPr/>
+        </p:nvSpPr>
+        <p:spPr>
+          <a:xfrm>
+            <a:off x="6101734" y="3184814"/>
             <a:ext cx="75816" cy="86937"/>
           </a:xfrm>
           <a:prstGeom prst="triangle">
@@ -43254,13 +43693,13 @@
       </p:sp>
       <p:sp>
         <p:nvSpPr>
-          <p:cNvPr id="164" name="Isosceles Triangle 55"/>
+          <p:cNvPr id="73" name="Isosceles Triangle 55"/>
           <p:cNvSpPr/>
           <p:nvPr/>
         </p:nvSpPr>
         <p:spPr>
           <a:xfrm>
-            <a:off x="6115348" y="3292739"/>
+            <a:off x="5197454" y="3539843"/>
             <a:ext cx="75816" cy="86937"/>
           </a:xfrm>
           <a:prstGeom prst="triangle">
@@ -43304,13 +43743,13 @@
       </p:sp>
       <p:sp>
         <p:nvSpPr>
-          <p:cNvPr id="165" name="Isosceles Triangle 55"/>
+          <p:cNvPr id="75" name="Isosceles Triangle 55"/>
           <p:cNvSpPr/>
           <p:nvPr/>
         </p:nvSpPr>
         <p:spPr>
           <a:xfrm>
-            <a:off x="3471328" y="4530121"/>
+            <a:off x="4379419" y="4025033"/>
             <a:ext cx="75816" cy="86937"/>
           </a:xfrm>
           <a:prstGeom prst="triangle">
@@ -43354,23 +43793,22 @@
       </p:sp>
       <p:cxnSp>
         <p:nvCxnSpPr>
-          <p:cNvPr id="83" name="Straight Connector 82"/>
+          <p:cNvPr id="78" name="Straight Connector 77"/>
           <p:cNvCxnSpPr/>
           <p:nvPr/>
         </p:nvCxnSpPr>
         <p:spPr>
-          <a:xfrm>
-            <a:off x="4393164" y="1844395"/>
-            <a:ext cx="2827" cy="4097797"/>
+          <a:xfrm flipV="1">
+            <a:off x="3517615" y="4076435"/>
+            <a:ext cx="878354" cy="509592"/>
           </a:xfrm>
           <a:prstGeom prst="line">
             <a:avLst/>
           </a:prstGeom>
-          <a:ln w="9525" cmpd="sng">
-            <a:solidFill>
-              <a:srgbClr val="595959"/>
-            </a:solidFill>
-            <a:prstDash val="dash"/>
+          <a:ln w="38100" cmpd="sng">
+            <a:solidFill>
+              <a:srgbClr val="660066"/>
+            </a:solidFill>
           </a:ln>
           <a:effectLst/>
         </p:spPr>
@@ -43391,454 +43829,23 @@
       </p:cxnSp>
       <p:cxnSp>
         <p:nvCxnSpPr>
-          <p:cNvPr id="84" name="Straight Connector 83"/>
+          <p:cNvPr id="79" name="Straight Connector 78"/>
           <p:cNvCxnSpPr/>
           <p:nvPr/>
         </p:nvCxnSpPr>
         <p:spPr>
-          <a:xfrm>
-            <a:off x="5234487" y="1844395"/>
-            <a:ext cx="2827" cy="4097797"/>
+          <a:xfrm flipV="1">
+            <a:off x="6125040" y="3119958"/>
+            <a:ext cx="637289" cy="129673"/>
           </a:xfrm>
           <a:prstGeom prst="line">
             <a:avLst/>
           </a:prstGeom>
-          <a:ln w="9525" cmpd="sng">
-            <a:solidFill>
-              <a:srgbClr val="595959"/>
-            </a:solidFill>
-            <a:prstDash val="dash"/>
-          </a:ln>
-          <a:effectLst/>
-        </p:spPr>
-        <p:style>
-          <a:lnRef idx="2">
-            <a:schemeClr val="accent1"/>
-          </a:lnRef>
-          <a:fillRef idx="0">
-            <a:schemeClr val="accent1"/>
-          </a:fillRef>
-          <a:effectRef idx="1">
-            <a:schemeClr val="accent1"/>
-          </a:effectRef>
-          <a:fontRef idx="minor">
-            <a:schemeClr val="tx1"/>
-          </a:fontRef>
-        </p:style>
-      </p:cxnSp>
-      <p:cxnSp>
-        <p:nvCxnSpPr>
-          <p:cNvPr id="85" name="Straight Connector 84"/>
-          <p:cNvCxnSpPr/>
-          <p:nvPr/>
-        </p:nvCxnSpPr>
-        <p:spPr>
-          <a:xfrm flipV="1">
-            <a:off x="1766834" y="5142496"/>
-            <a:ext cx="868836" cy="665268"/>
-          </a:xfrm>
-          <a:prstGeom prst="line">
-            <a:avLst/>
-          </a:prstGeom>
-          <a:ln w="38100" cmpd="sng">
-            <a:solidFill>
-              <a:srgbClr val="F79646"/>
-            </a:solidFill>
-          </a:ln>
-          <a:effectLst/>
-        </p:spPr>
-        <p:style>
-          <a:lnRef idx="2">
-            <a:schemeClr val="accent1"/>
-          </a:lnRef>
-          <a:fillRef idx="0">
-            <a:schemeClr val="accent1"/>
-          </a:fillRef>
-          <a:effectRef idx="1">
-            <a:schemeClr val="accent1"/>
-          </a:effectRef>
-          <a:fontRef idx="minor">
-            <a:schemeClr val="tx1"/>
-          </a:fontRef>
-        </p:style>
-      </p:cxnSp>
-      <p:cxnSp>
-        <p:nvCxnSpPr>
-          <p:cNvPr id="86" name="Straight Connector 85"/>
-          <p:cNvCxnSpPr/>
-          <p:nvPr/>
-        </p:nvCxnSpPr>
-        <p:spPr>
-          <a:xfrm flipV="1">
-            <a:off x="2619525" y="4729296"/>
-            <a:ext cx="883705" cy="413357"/>
-          </a:xfrm>
-          <a:prstGeom prst="line">
-            <a:avLst/>
-          </a:prstGeom>
-          <a:ln w="38100" cmpd="sng">
-            <a:solidFill>
-              <a:srgbClr val="F79646"/>
-            </a:solidFill>
-          </a:ln>
-          <a:effectLst/>
-        </p:spPr>
-        <p:style>
-          <a:lnRef idx="2">
-            <a:schemeClr val="accent1"/>
-          </a:lnRef>
-          <a:fillRef idx="0">
-            <a:schemeClr val="accent1"/>
-          </a:fillRef>
-          <a:effectRef idx="1">
-            <a:schemeClr val="accent1"/>
-          </a:effectRef>
-          <a:fontRef idx="minor">
-            <a:schemeClr val="tx1"/>
-          </a:fontRef>
-        </p:style>
-      </p:cxnSp>
-      <p:cxnSp>
-        <p:nvCxnSpPr>
-          <p:cNvPr id="87" name="Straight Connector 86"/>
-          <p:cNvCxnSpPr/>
-          <p:nvPr/>
-        </p:nvCxnSpPr>
-        <p:spPr>
-          <a:xfrm flipV="1">
-            <a:off x="3500469" y="3728574"/>
-            <a:ext cx="903575" cy="999213"/>
-          </a:xfrm>
-          <a:prstGeom prst="line">
-            <a:avLst/>
-          </a:prstGeom>
-          <a:ln w="38100" cmpd="sng">
-            <a:solidFill>
-              <a:srgbClr val="F79646"/>
-            </a:solidFill>
-          </a:ln>
-          <a:effectLst/>
-        </p:spPr>
-        <p:style>
-          <a:lnRef idx="2">
-            <a:schemeClr val="accent1"/>
-          </a:lnRef>
-          <a:fillRef idx="0">
-            <a:schemeClr val="accent1"/>
-          </a:fillRef>
-          <a:effectRef idx="1">
-            <a:schemeClr val="accent1"/>
-          </a:effectRef>
-          <a:fontRef idx="minor">
-            <a:schemeClr val="tx1"/>
-          </a:fontRef>
-        </p:style>
-      </p:cxnSp>
-      <p:cxnSp>
-        <p:nvCxnSpPr>
-          <p:cNvPr id="90" name="Straight Connector 89"/>
-          <p:cNvCxnSpPr/>
-          <p:nvPr/>
-        </p:nvCxnSpPr>
-        <p:spPr>
-          <a:xfrm flipV="1">
-            <a:off x="4401130" y="3065799"/>
-            <a:ext cx="1759022" cy="664259"/>
-          </a:xfrm>
-          <a:prstGeom prst="line">
-            <a:avLst/>
-          </a:prstGeom>
-          <a:ln w="38100" cmpd="sng">
-            <a:solidFill>
-              <a:srgbClr val="F79646"/>
-            </a:solidFill>
-          </a:ln>
-          <a:effectLst/>
-        </p:spPr>
-        <p:style>
-          <a:lnRef idx="2">
-            <a:schemeClr val="accent1"/>
-          </a:lnRef>
-          <a:fillRef idx="0">
-            <a:schemeClr val="accent1"/>
-          </a:fillRef>
-          <a:effectRef idx="1">
-            <a:schemeClr val="accent1"/>
-          </a:effectRef>
-          <a:fontRef idx="minor">
-            <a:schemeClr val="tx1"/>
-          </a:fontRef>
-        </p:style>
-      </p:cxnSp>
-      <p:sp>
-        <p:nvSpPr>
-          <p:cNvPr id="93" name="Isosceles Triangle 55"/>
-          <p:cNvSpPr/>
-          <p:nvPr/>
-        </p:nvSpPr>
-        <p:spPr>
-          <a:xfrm>
-            <a:off x="6112482" y="2994216"/>
-            <a:ext cx="75816" cy="86937"/>
-          </a:xfrm>
-          <a:prstGeom prst="triangle">
-            <a:avLst/>
-          </a:prstGeom>
-          <a:solidFill>
-            <a:schemeClr val="accent6">
-              <a:lumMod val="60000"/>
-              <a:lumOff val="40000"/>
-            </a:schemeClr>
-          </a:solidFill>
           <a:ln>
             <a:solidFill>
-              <a:schemeClr val="tx1"/>
-            </a:solidFill>
-          </a:ln>
-          <a:effectLst/>
-        </p:spPr>
-        <p:style>
-          <a:lnRef idx="1">
-            <a:schemeClr val="accent1"/>
-          </a:lnRef>
-          <a:fillRef idx="3">
-            <a:schemeClr val="accent1"/>
-          </a:fillRef>
-          <a:effectRef idx="2">
-            <a:schemeClr val="accent1"/>
-          </a:effectRef>
-          <a:fontRef idx="minor">
-            <a:schemeClr val="lt1"/>
-          </a:fontRef>
-        </p:style>
-        <p:txBody>
-          <a:bodyPr rtlCol="0" anchor="ctr"/>
-          <a:lstStyle/>
-          <a:p>
-            <a:pPr algn="ctr"/>
-            <a:endParaRPr lang="en-US"/>
-          </a:p>
-        </p:txBody>
-      </p:sp>
-      <p:sp>
-        <p:nvSpPr>
-          <p:cNvPr id="94" name="Isosceles Triangle 55"/>
-          <p:cNvSpPr/>
-          <p:nvPr/>
-        </p:nvSpPr>
-        <p:spPr>
-          <a:xfrm>
-            <a:off x="5185850" y="3371456"/>
-            <a:ext cx="75816" cy="86937"/>
-          </a:xfrm>
-          <a:prstGeom prst="triangle">
-            <a:avLst/>
-          </a:prstGeom>
-          <a:solidFill>
-            <a:schemeClr val="accent6">
-              <a:lumMod val="60000"/>
-              <a:lumOff val="40000"/>
-            </a:schemeClr>
-          </a:solidFill>
-          <a:ln>
-            <a:solidFill>
-              <a:schemeClr val="tx1"/>
-            </a:solidFill>
-          </a:ln>
-          <a:effectLst/>
-        </p:spPr>
-        <p:style>
-          <a:lnRef idx="1">
-            <a:schemeClr val="accent1"/>
-          </a:lnRef>
-          <a:fillRef idx="3">
-            <a:schemeClr val="accent1"/>
-          </a:fillRef>
-          <a:effectRef idx="2">
-            <a:schemeClr val="accent1"/>
-          </a:effectRef>
-          <a:fontRef idx="minor">
-            <a:schemeClr val="lt1"/>
-          </a:fontRef>
-        </p:style>
-        <p:txBody>
-          <a:bodyPr rtlCol="0" anchor="ctr"/>
-          <a:lstStyle/>
-          <a:p>
-            <a:pPr algn="ctr"/>
-            <a:endParaRPr lang="en-US"/>
-          </a:p>
-        </p:txBody>
-      </p:sp>
-      <p:sp>
-        <p:nvSpPr>
-          <p:cNvPr id="95" name="Isosceles Triangle 55"/>
-          <p:cNvSpPr/>
-          <p:nvPr/>
-        </p:nvSpPr>
-        <p:spPr>
-          <a:xfrm>
-            <a:off x="4372218" y="3678514"/>
-            <a:ext cx="75816" cy="86937"/>
-          </a:xfrm>
-          <a:prstGeom prst="triangle">
-            <a:avLst/>
-          </a:prstGeom>
-          <a:solidFill>
-            <a:schemeClr val="accent6">
-              <a:lumMod val="60000"/>
-              <a:lumOff val="40000"/>
-            </a:schemeClr>
-          </a:solidFill>
-          <a:ln>
-            <a:solidFill>
-              <a:schemeClr val="tx1"/>
-            </a:solidFill>
-          </a:ln>
-          <a:effectLst/>
-        </p:spPr>
-        <p:style>
-          <a:lnRef idx="1">
-            <a:schemeClr val="accent1"/>
-          </a:lnRef>
-          <a:fillRef idx="3">
-            <a:schemeClr val="accent1"/>
-          </a:fillRef>
-          <a:effectRef idx="2">
-            <a:schemeClr val="accent1"/>
-          </a:effectRef>
-          <a:fontRef idx="minor">
-            <a:schemeClr val="lt1"/>
-          </a:fontRef>
-        </p:style>
-        <p:txBody>
-          <a:bodyPr rtlCol="0" anchor="ctr"/>
-          <a:lstStyle/>
-          <a:p>
-            <a:pPr algn="ctr"/>
-            <a:endParaRPr lang="en-US"/>
-          </a:p>
-        </p:txBody>
-      </p:sp>
-      <p:sp>
-        <p:nvSpPr>
-          <p:cNvPr id="97" name="Isosceles Triangle 55"/>
-          <p:cNvSpPr/>
-          <p:nvPr/>
-        </p:nvSpPr>
-        <p:spPr>
-          <a:xfrm>
-            <a:off x="3481403" y="4683916"/>
-            <a:ext cx="75816" cy="86937"/>
-          </a:xfrm>
-          <a:prstGeom prst="triangle">
-            <a:avLst/>
-          </a:prstGeom>
-          <a:solidFill>
-            <a:schemeClr val="accent6">
-              <a:lumMod val="60000"/>
-              <a:lumOff val="40000"/>
-            </a:schemeClr>
-          </a:solidFill>
-          <a:ln>
-            <a:solidFill>
-              <a:schemeClr val="tx1"/>
-            </a:solidFill>
-          </a:ln>
-          <a:effectLst/>
-        </p:spPr>
-        <p:style>
-          <a:lnRef idx="1">
-            <a:schemeClr val="accent1"/>
-          </a:lnRef>
-          <a:fillRef idx="3">
-            <a:schemeClr val="accent1"/>
-          </a:fillRef>
-          <a:effectRef idx="2">
-            <a:schemeClr val="accent1"/>
-          </a:effectRef>
-          <a:fontRef idx="minor">
-            <a:schemeClr val="lt1"/>
-          </a:fontRef>
-        </p:style>
-        <p:txBody>
-          <a:bodyPr rtlCol="0" anchor="ctr"/>
-          <a:lstStyle/>
-          <a:p>
-            <a:pPr algn="ctr"/>
-            <a:endParaRPr lang="en-US"/>
-          </a:p>
-        </p:txBody>
-      </p:sp>
-      <p:sp>
-        <p:nvSpPr>
-          <p:cNvPr id="101" name="Isosceles Triangle 55"/>
-          <p:cNvSpPr/>
-          <p:nvPr/>
-        </p:nvSpPr>
-        <p:spPr>
-          <a:xfrm>
-            <a:off x="2601182" y="5074611"/>
-            <a:ext cx="75816" cy="86937"/>
-          </a:xfrm>
-          <a:prstGeom prst="triangle">
-            <a:avLst/>
-          </a:prstGeom>
-          <a:solidFill>
-            <a:schemeClr val="accent6">
-              <a:lumMod val="60000"/>
-              <a:lumOff val="40000"/>
-            </a:schemeClr>
-          </a:solidFill>
-          <a:ln>
-            <a:solidFill>
-              <a:schemeClr val="tx1"/>
-            </a:solidFill>
-          </a:ln>
-          <a:effectLst/>
-        </p:spPr>
-        <p:style>
-          <a:lnRef idx="1">
-            <a:schemeClr val="accent1"/>
-          </a:lnRef>
-          <a:fillRef idx="3">
-            <a:schemeClr val="accent1"/>
-          </a:fillRef>
-          <a:effectRef idx="2">
-            <a:schemeClr val="accent1"/>
-          </a:effectRef>
-          <a:fontRef idx="minor">
-            <a:schemeClr val="lt1"/>
-          </a:fontRef>
-        </p:style>
-        <p:txBody>
-          <a:bodyPr rtlCol="0" anchor="ctr"/>
-          <a:lstStyle/>
-          <a:p>
-            <a:pPr algn="ctr"/>
-            <a:endParaRPr lang="en-US"/>
-          </a:p>
-        </p:txBody>
-      </p:sp>
-      <p:cxnSp>
-        <p:nvCxnSpPr>
-          <p:cNvPr id="62" name="Straight Connector 61"/>
-          <p:cNvCxnSpPr/>
-          <p:nvPr/>
-        </p:nvCxnSpPr>
-        <p:spPr>
-          <a:xfrm flipH="1">
-            <a:off x="1766835" y="1467834"/>
-            <a:ext cx="5308715" cy="4339930"/>
-          </a:xfrm>
-          <a:prstGeom prst="line">
-            <a:avLst/>
-          </a:prstGeom>
-          <a:ln w="15875" cmpd="sng">
-            <a:solidFill>
-              <a:schemeClr val="tx1"/>
-            </a:solidFill>
-            <a:prstDash val="dash"/>
+              <a:srgbClr val="660066"/>
+            </a:solidFill>
+            <a:prstDash val="dashDot"/>
           </a:ln>
           <a:effectLst/>
         </p:spPr>
@@ -44274,7 +44281,7 @@
         </p:nvCxnSpPr>
         <p:spPr>
           <a:xfrm>
-            <a:off x="6145643" y="5765170"/>
+            <a:off x="6145643" y="5682045"/>
             <a:ext cx="743459" cy="14986"/>
           </a:xfrm>
           <a:prstGeom prst="line">
@@ -45242,7 +45249,6 @@
               <a:rPr lang="en-US" sz="1600" dirty="0" smtClean="0"/>
               <a:t>150</a:t>
             </a:r>
-            <a:endParaRPr lang="en-US" sz="1600" dirty="0" smtClean="0"/>
           </a:p>
           <a:p>
             <a:endParaRPr lang="en-US" sz="1600" dirty="0" smtClean="0"/>
@@ -45255,7 +45261,6 @@
               <a:rPr lang="en-US" sz="1600" dirty="0" smtClean="0"/>
               <a:t>125</a:t>
             </a:r>
-            <a:endParaRPr lang="en-US" sz="1600" dirty="0" smtClean="0"/>
           </a:p>
           <a:p>
             <a:endParaRPr lang="en-US" sz="1600" dirty="0" smtClean="0"/>
@@ -45268,7 +45273,6 @@
               <a:rPr lang="en-US" sz="1600" dirty="0" smtClean="0"/>
               <a:t>100</a:t>
             </a:r>
-            <a:endParaRPr lang="en-US" sz="1600" dirty="0" smtClean="0"/>
           </a:p>
           <a:p>
             <a:endParaRPr lang="en-US" sz="1600" dirty="0" smtClean="0"/>
@@ -45281,7 +45285,6 @@
               <a:rPr lang="en-US" sz="1600" dirty="0" smtClean="0"/>
               <a:t>75</a:t>
             </a:r>
-            <a:endParaRPr lang="en-US" sz="1600" dirty="0" smtClean="0"/>
           </a:p>
           <a:p>
             <a:endParaRPr lang="en-US" sz="1600" dirty="0" smtClean="0"/>
@@ -45294,7 +45297,6 @@
               <a:rPr lang="en-US" sz="1600" dirty="0" smtClean="0"/>
               <a:t>50</a:t>
             </a:r>
-            <a:endParaRPr lang="en-US" sz="1600" dirty="0" smtClean="0"/>
           </a:p>
           <a:p>
             <a:endParaRPr lang="en-US" sz="1600" dirty="0" smtClean="0"/>
@@ -45307,7 +45309,6 @@
               <a:rPr lang="en-US" sz="1600" dirty="0" smtClean="0"/>
               <a:t>25</a:t>
             </a:r>
-            <a:endParaRPr lang="en-US" sz="1600" dirty="0" smtClean="0"/>
           </a:p>
           <a:p>
             <a:endParaRPr lang="en-US" sz="1600" dirty="0" smtClean="0"/>
@@ -45505,87 +45506,15 @@
           </a:fontRef>
         </p:style>
       </p:cxnSp>
-      <p:cxnSp>
-        <p:nvCxnSpPr>
-          <p:cNvPr id="79" name="Straight Connector 78"/>
-          <p:cNvCxnSpPr/>
-          <p:nvPr/>
-        </p:nvCxnSpPr>
-        <p:spPr>
-          <a:xfrm>
-            <a:off x="2635591" y="3674814"/>
-            <a:ext cx="881594" cy="1107133"/>
-          </a:xfrm>
-          <a:prstGeom prst="line">
-            <a:avLst/>
-          </a:prstGeom>
-          <a:ln w="38100" cmpd="sng">
-            <a:solidFill>
-              <a:srgbClr val="660066"/>
-            </a:solidFill>
-          </a:ln>
-          <a:effectLst/>
-        </p:spPr>
-        <p:style>
-          <a:lnRef idx="2">
-            <a:schemeClr val="accent1"/>
-          </a:lnRef>
-          <a:fillRef idx="0">
-            <a:schemeClr val="accent1"/>
-          </a:fillRef>
-          <a:effectRef idx="1">
-            <a:schemeClr val="accent1"/>
-          </a:effectRef>
-          <a:fontRef idx="minor">
-            <a:schemeClr val="tx1"/>
-          </a:fontRef>
-        </p:style>
-      </p:cxnSp>
-      <p:cxnSp>
-        <p:nvCxnSpPr>
-          <p:cNvPr id="80" name="Straight Connector 79"/>
-          <p:cNvCxnSpPr/>
-          <p:nvPr/>
-        </p:nvCxnSpPr>
-        <p:spPr>
-          <a:xfrm>
-            <a:off x="3505065" y="4769457"/>
-            <a:ext cx="879082" cy="462464"/>
-          </a:xfrm>
-          <a:prstGeom prst="line">
-            <a:avLst/>
-          </a:prstGeom>
-          <a:ln w="38100" cmpd="sng">
-            <a:solidFill>
-              <a:srgbClr val="660066"/>
-            </a:solidFill>
-          </a:ln>
-          <a:effectLst/>
-        </p:spPr>
-        <p:style>
-          <a:lnRef idx="2">
-            <a:schemeClr val="accent1"/>
-          </a:lnRef>
-          <a:fillRef idx="0">
-            <a:schemeClr val="accent1"/>
-          </a:fillRef>
-          <a:effectRef idx="1">
-            <a:schemeClr val="accent1"/>
-          </a:effectRef>
-          <a:fontRef idx="minor">
-            <a:schemeClr val="tx1"/>
-          </a:fontRef>
-        </p:style>
-      </p:cxnSp>
       <p:sp>
         <p:nvSpPr>
-          <p:cNvPr id="103" name="Isosceles Triangle 55"/>
+          <p:cNvPr id="106" name="Isosceles Triangle 55"/>
           <p:cNvSpPr/>
           <p:nvPr/>
         </p:nvSpPr>
         <p:spPr>
           <a:xfrm>
-            <a:off x="4337585" y="5162673"/>
+            <a:off x="2605661" y="3615057"/>
             <a:ext cx="75816" cy="86937"/>
           </a:xfrm>
           <a:prstGeom prst="triangle">
@@ -45627,15 +45556,521 @@
           </a:p>
         </p:txBody>
       </p:sp>
+      <p:cxnSp>
+        <p:nvCxnSpPr>
+          <p:cNvPr id="107" name="Straight Connector 106"/>
+          <p:cNvCxnSpPr/>
+          <p:nvPr/>
+        </p:nvCxnSpPr>
+        <p:spPr>
+          <a:xfrm>
+            <a:off x="1798472" y="1669355"/>
+            <a:ext cx="824235" cy="2130373"/>
+          </a:xfrm>
+          <a:prstGeom prst="line">
+            <a:avLst/>
+          </a:prstGeom>
+          <a:ln w="38100" cmpd="sng">
+            <a:solidFill>
+              <a:srgbClr val="F79646"/>
+            </a:solidFill>
+          </a:ln>
+          <a:effectLst/>
+        </p:spPr>
+        <p:style>
+          <a:lnRef idx="2">
+            <a:schemeClr val="accent1"/>
+          </a:lnRef>
+          <a:fillRef idx="0">
+            <a:schemeClr val="accent1"/>
+          </a:fillRef>
+          <a:effectRef idx="1">
+            <a:schemeClr val="accent1"/>
+          </a:effectRef>
+          <a:fontRef idx="minor">
+            <a:schemeClr val="tx1"/>
+          </a:fontRef>
+        </p:style>
+      </p:cxnSp>
+      <p:cxnSp>
+        <p:nvCxnSpPr>
+          <p:cNvPr id="108" name="Straight Connector 107"/>
+          <p:cNvCxnSpPr/>
+          <p:nvPr/>
+        </p:nvCxnSpPr>
+        <p:spPr>
+          <a:xfrm>
+            <a:off x="2631263" y="3794662"/>
+            <a:ext cx="873802" cy="852747"/>
+          </a:xfrm>
+          <a:prstGeom prst="line">
+            <a:avLst/>
+          </a:prstGeom>
+          <a:ln w="38100" cmpd="sng">
+            <a:solidFill>
+              <a:srgbClr val="F79646"/>
+            </a:solidFill>
+          </a:ln>
+          <a:effectLst/>
+        </p:spPr>
+        <p:style>
+          <a:lnRef idx="2">
+            <a:schemeClr val="accent1"/>
+          </a:lnRef>
+          <a:fillRef idx="0">
+            <a:schemeClr val="accent1"/>
+          </a:fillRef>
+          <a:effectRef idx="1">
+            <a:schemeClr val="accent1"/>
+          </a:effectRef>
+          <a:fontRef idx="minor">
+            <a:schemeClr val="tx1"/>
+          </a:fontRef>
+        </p:style>
+      </p:cxnSp>
+      <p:cxnSp>
+        <p:nvCxnSpPr>
+          <p:cNvPr id="109" name="Straight Connector 108"/>
+          <p:cNvCxnSpPr>
+            <a:endCxn id="117" idx="1"/>
+          </p:cNvCxnSpPr>
+          <p:nvPr/>
+        </p:nvCxnSpPr>
+        <p:spPr>
+          <a:xfrm>
+            <a:off x="3498312" y="4649234"/>
+            <a:ext cx="881279" cy="654597"/>
+          </a:xfrm>
+          <a:prstGeom prst="line">
+            <a:avLst/>
+          </a:prstGeom>
+          <a:ln w="38100" cmpd="sng">
+            <a:solidFill>
+              <a:srgbClr val="F79646"/>
+            </a:solidFill>
+          </a:ln>
+          <a:effectLst/>
+        </p:spPr>
+        <p:style>
+          <a:lnRef idx="2">
+            <a:schemeClr val="accent1"/>
+          </a:lnRef>
+          <a:fillRef idx="0">
+            <a:schemeClr val="accent1"/>
+          </a:fillRef>
+          <a:effectRef idx="1">
+            <a:schemeClr val="accent1"/>
+          </a:effectRef>
+          <a:fontRef idx="minor">
+            <a:schemeClr val="tx1"/>
+          </a:fontRef>
+        </p:style>
+      </p:cxnSp>
+      <p:cxnSp>
+        <p:nvCxnSpPr>
+          <p:cNvPr id="110" name="Straight Connector 109"/>
+          <p:cNvCxnSpPr/>
+          <p:nvPr/>
+        </p:nvCxnSpPr>
+        <p:spPr>
+          <a:xfrm>
+            <a:off x="4405183" y="5306727"/>
+            <a:ext cx="862366" cy="234117"/>
+          </a:xfrm>
+          <a:prstGeom prst="line">
+            <a:avLst/>
+          </a:prstGeom>
+          <a:ln w="38100" cmpd="sng">
+            <a:solidFill>
+              <a:srgbClr val="F79646"/>
+            </a:solidFill>
+          </a:ln>
+          <a:effectLst/>
+        </p:spPr>
+        <p:style>
+          <a:lnRef idx="2">
+            <a:schemeClr val="accent1"/>
+          </a:lnRef>
+          <a:fillRef idx="0">
+            <a:schemeClr val="accent1"/>
+          </a:fillRef>
+          <a:effectRef idx="1">
+            <a:schemeClr val="accent1"/>
+          </a:effectRef>
+          <a:fontRef idx="minor">
+            <a:schemeClr val="tx1"/>
+          </a:fontRef>
+        </p:style>
+      </p:cxnSp>
+      <p:cxnSp>
+        <p:nvCxnSpPr>
+          <p:cNvPr id="111" name="Straight Connector 110"/>
+          <p:cNvCxnSpPr>
+            <a:endCxn id="120" idx="3"/>
+          </p:cNvCxnSpPr>
+          <p:nvPr/>
+        </p:nvCxnSpPr>
+        <p:spPr>
+          <a:xfrm>
+            <a:off x="5246506" y="5529263"/>
+            <a:ext cx="905634" cy="172500"/>
+          </a:xfrm>
+          <a:prstGeom prst="line">
+            <a:avLst/>
+          </a:prstGeom>
+          <a:ln w="38100" cmpd="sng">
+            <a:solidFill>
+              <a:srgbClr val="F79646"/>
+            </a:solidFill>
+          </a:ln>
+          <a:effectLst/>
+        </p:spPr>
+        <p:style>
+          <a:lnRef idx="2">
+            <a:schemeClr val="accent1"/>
+          </a:lnRef>
+          <a:fillRef idx="0">
+            <a:schemeClr val="accent1"/>
+          </a:fillRef>
+          <a:effectRef idx="1">
+            <a:schemeClr val="accent1"/>
+          </a:effectRef>
+          <a:fontRef idx="minor">
+            <a:schemeClr val="tx1"/>
+          </a:fontRef>
+        </p:style>
+      </p:cxnSp>
       <p:sp>
         <p:nvSpPr>
-          <p:cNvPr id="104" name="Isosceles Triangle 55"/>
+          <p:cNvPr id="117" name="Isosceles Triangle 55"/>
           <p:cNvSpPr/>
           <p:nvPr/>
         </p:nvSpPr>
         <p:spPr>
           <a:xfrm>
-            <a:off x="3461784" y="4734447"/>
+            <a:off x="4360637" y="5260362"/>
+            <a:ext cx="75816" cy="86937"/>
+          </a:xfrm>
+          <a:prstGeom prst="triangle">
+            <a:avLst/>
+          </a:prstGeom>
+          <a:solidFill>
+            <a:schemeClr val="accent6">
+              <a:lumMod val="60000"/>
+              <a:lumOff val="40000"/>
+            </a:schemeClr>
+          </a:solidFill>
+          <a:ln>
+            <a:solidFill>
+              <a:schemeClr val="tx1"/>
+            </a:solidFill>
+          </a:ln>
+          <a:effectLst/>
+        </p:spPr>
+        <p:style>
+          <a:lnRef idx="1">
+            <a:schemeClr val="accent1"/>
+          </a:lnRef>
+          <a:fillRef idx="3">
+            <a:schemeClr val="accent1"/>
+          </a:fillRef>
+          <a:effectRef idx="2">
+            <a:schemeClr val="accent1"/>
+          </a:effectRef>
+          <a:fontRef idx="minor">
+            <a:schemeClr val="lt1"/>
+          </a:fontRef>
+        </p:style>
+        <p:txBody>
+          <a:bodyPr rtlCol="0" anchor="ctr"/>
+          <a:lstStyle/>
+          <a:p>
+            <a:pPr algn="ctr"/>
+            <a:endParaRPr lang="en-US"/>
+          </a:p>
+        </p:txBody>
+      </p:sp>
+      <p:sp>
+        <p:nvSpPr>
+          <p:cNvPr id="118" name="Isosceles Triangle 55"/>
+          <p:cNvSpPr/>
+          <p:nvPr/>
+        </p:nvSpPr>
+        <p:spPr>
+          <a:xfrm>
+            <a:off x="3453624" y="4591791"/>
+            <a:ext cx="75816" cy="86937"/>
+          </a:xfrm>
+          <a:prstGeom prst="triangle">
+            <a:avLst/>
+          </a:prstGeom>
+          <a:solidFill>
+            <a:schemeClr val="accent6">
+              <a:lumMod val="60000"/>
+              <a:lumOff val="40000"/>
+            </a:schemeClr>
+          </a:solidFill>
+          <a:ln>
+            <a:solidFill>
+              <a:schemeClr val="tx1"/>
+            </a:solidFill>
+          </a:ln>
+          <a:effectLst/>
+        </p:spPr>
+        <p:style>
+          <a:lnRef idx="1">
+            <a:schemeClr val="accent1"/>
+          </a:lnRef>
+          <a:fillRef idx="3">
+            <a:schemeClr val="accent1"/>
+          </a:fillRef>
+          <a:effectRef idx="2">
+            <a:schemeClr val="accent1"/>
+          </a:effectRef>
+          <a:fontRef idx="minor">
+            <a:schemeClr val="lt1"/>
+          </a:fontRef>
+        </p:style>
+        <p:txBody>
+          <a:bodyPr rtlCol="0" anchor="ctr"/>
+          <a:lstStyle/>
+          <a:p>
+            <a:pPr algn="ctr"/>
+            <a:endParaRPr lang="en-US"/>
+          </a:p>
+        </p:txBody>
+      </p:sp>
+      <p:sp>
+        <p:nvSpPr>
+          <p:cNvPr id="119" name="Isosceles Triangle 55"/>
+          <p:cNvSpPr/>
+          <p:nvPr/>
+        </p:nvSpPr>
+        <p:spPr>
+          <a:xfrm>
+            <a:off x="2586230" y="3734905"/>
+            <a:ext cx="75816" cy="86937"/>
+          </a:xfrm>
+          <a:prstGeom prst="triangle">
+            <a:avLst/>
+          </a:prstGeom>
+          <a:solidFill>
+            <a:schemeClr val="accent6">
+              <a:lumMod val="60000"/>
+              <a:lumOff val="40000"/>
+            </a:schemeClr>
+          </a:solidFill>
+          <a:ln>
+            <a:solidFill>
+              <a:schemeClr val="tx1"/>
+            </a:solidFill>
+          </a:ln>
+          <a:effectLst/>
+        </p:spPr>
+        <p:style>
+          <a:lnRef idx="1">
+            <a:schemeClr val="accent1"/>
+          </a:lnRef>
+          <a:fillRef idx="3">
+            <a:schemeClr val="accent1"/>
+          </a:fillRef>
+          <a:effectRef idx="2">
+            <a:schemeClr val="accent1"/>
+          </a:effectRef>
+          <a:fontRef idx="minor">
+            <a:schemeClr val="lt1"/>
+          </a:fontRef>
+        </p:style>
+        <p:txBody>
+          <a:bodyPr rtlCol="0" anchor="ctr"/>
+          <a:lstStyle/>
+          <a:p>
+            <a:pPr algn="ctr"/>
+            <a:endParaRPr lang="en-US"/>
+          </a:p>
+        </p:txBody>
+      </p:sp>
+      <p:sp>
+        <p:nvSpPr>
+          <p:cNvPr id="120" name="Isosceles Triangle 55"/>
+          <p:cNvSpPr/>
+          <p:nvPr/>
+        </p:nvSpPr>
+        <p:spPr>
+          <a:xfrm>
+            <a:off x="6114232" y="5614826"/>
+            <a:ext cx="75816" cy="86937"/>
+          </a:xfrm>
+          <a:prstGeom prst="triangle">
+            <a:avLst/>
+          </a:prstGeom>
+          <a:solidFill>
+            <a:schemeClr val="accent6">
+              <a:lumMod val="60000"/>
+              <a:lumOff val="40000"/>
+            </a:schemeClr>
+          </a:solidFill>
+          <a:ln>
+            <a:solidFill>
+              <a:schemeClr val="tx1"/>
+            </a:solidFill>
+          </a:ln>
+          <a:effectLst/>
+        </p:spPr>
+        <p:style>
+          <a:lnRef idx="1">
+            <a:schemeClr val="accent1"/>
+          </a:lnRef>
+          <a:fillRef idx="3">
+            <a:schemeClr val="accent1"/>
+          </a:fillRef>
+          <a:effectRef idx="2">
+            <a:schemeClr val="accent1"/>
+          </a:effectRef>
+          <a:fontRef idx="minor">
+            <a:schemeClr val="lt1"/>
+          </a:fontRef>
+        </p:style>
+        <p:txBody>
+          <a:bodyPr rtlCol="0" anchor="ctr"/>
+          <a:lstStyle/>
+          <a:p>
+            <a:pPr algn="ctr"/>
+            <a:endParaRPr lang="en-US"/>
+          </a:p>
+        </p:txBody>
+      </p:sp>
+      <p:sp>
+        <p:nvSpPr>
+          <p:cNvPr id="121" name="Isosceles Triangle 55"/>
+          <p:cNvSpPr/>
+          <p:nvPr/>
+        </p:nvSpPr>
+        <p:spPr>
+          <a:xfrm>
+            <a:off x="5186579" y="5480811"/>
+            <a:ext cx="75816" cy="86937"/>
+          </a:xfrm>
+          <a:prstGeom prst="triangle">
+            <a:avLst/>
+          </a:prstGeom>
+          <a:solidFill>
+            <a:schemeClr val="accent6">
+              <a:lumMod val="60000"/>
+              <a:lumOff val="40000"/>
+            </a:schemeClr>
+          </a:solidFill>
+          <a:ln>
+            <a:solidFill>
+              <a:schemeClr val="tx1"/>
+            </a:solidFill>
+          </a:ln>
+          <a:effectLst/>
+        </p:spPr>
+        <p:style>
+          <a:lnRef idx="1">
+            <a:schemeClr val="accent1"/>
+          </a:lnRef>
+          <a:fillRef idx="3">
+            <a:schemeClr val="accent1"/>
+          </a:fillRef>
+          <a:effectRef idx="2">
+            <a:schemeClr val="accent1"/>
+          </a:effectRef>
+          <a:fontRef idx="minor">
+            <a:schemeClr val="lt1"/>
+          </a:fontRef>
+        </p:style>
+        <p:txBody>
+          <a:bodyPr rtlCol="0" anchor="ctr"/>
+          <a:lstStyle/>
+          <a:p>
+            <a:pPr algn="ctr"/>
+            <a:endParaRPr lang="en-US"/>
+          </a:p>
+        </p:txBody>
+      </p:sp>
+      <p:cxnSp>
+        <p:nvCxnSpPr>
+          <p:cNvPr id="69" name="Straight Connector 68"/>
+          <p:cNvCxnSpPr/>
+          <p:nvPr/>
+        </p:nvCxnSpPr>
+        <p:spPr>
+          <a:xfrm>
+            <a:off x="2635591" y="3674814"/>
+            <a:ext cx="864101" cy="968445"/>
+          </a:xfrm>
+          <a:prstGeom prst="line">
+            <a:avLst/>
+          </a:prstGeom>
+          <a:ln w="38100" cmpd="sng">
+            <a:solidFill>
+              <a:srgbClr val="660066"/>
+            </a:solidFill>
+          </a:ln>
+          <a:effectLst/>
+        </p:spPr>
+        <p:style>
+          <a:lnRef idx="2">
+            <a:schemeClr val="accent1"/>
+          </a:lnRef>
+          <a:fillRef idx="0">
+            <a:schemeClr val="accent1"/>
+          </a:fillRef>
+          <a:effectRef idx="1">
+            <a:schemeClr val="accent1"/>
+          </a:effectRef>
+          <a:fontRef idx="minor">
+            <a:schemeClr val="tx1"/>
+          </a:fontRef>
+        </p:style>
+      </p:cxnSp>
+      <p:cxnSp>
+        <p:nvCxnSpPr>
+          <p:cNvPr id="77" name="Straight Connector 76"/>
+          <p:cNvCxnSpPr/>
+          <p:nvPr/>
+        </p:nvCxnSpPr>
+        <p:spPr>
+          <a:xfrm>
+            <a:off x="3499692" y="4643259"/>
+            <a:ext cx="894755" cy="337256"/>
+          </a:xfrm>
+          <a:prstGeom prst="line">
+            <a:avLst/>
+          </a:prstGeom>
+          <a:ln w="38100" cmpd="sng">
+            <a:solidFill>
+              <a:srgbClr val="660066"/>
+            </a:solidFill>
+          </a:ln>
+          <a:effectLst/>
+        </p:spPr>
+        <p:style>
+          <a:lnRef idx="2">
+            <a:schemeClr val="accent1"/>
+          </a:lnRef>
+          <a:fillRef idx="0">
+            <a:schemeClr val="accent1"/>
+          </a:fillRef>
+          <a:effectRef idx="1">
+            <a:schemeClr val="accent1"/>
+          </a:effectRef>
+          <a:fontRef idx="minor">
+            <a:schemeClr val="tx1"/>
+          </a:fontRef>
+        </p:style>
+      </p:cxnSp>
+      <p:sp>
+        <p:nvSpPr>
+          <p:cNvPr id="78" name="Isosceles Triangle 55"/>
+          <p:cNvSpPr/>
+          <p:nvPr/>
+        </p:nvSpPr>
+        <p:spPr>
+          <a:xfrm>
+            <a:off x="3461784" y="4556322"/>
             <a:ext cx="75816" cy="86937"/>
           </a:xfrm>
           <a:prstGeom prst="triangle">
@@ -45677,15 +46112,51 @@
           </a:p>
         </p:txBody>
       </p:sp>
+      <p:cxnSp>
+        <p:nvCxnSpPr>
+          <p:cNvPr id="81" name="Straight Connector 80"/>
+          <p:cNvCxnSpPr/>
+          <p:nvPr/>
+        </p:nvCxnSpPr>
+        <p:spPr>
+          <a:xfrm>
+            <a:off x="4413401" y="5023983"/>
+            <a:ext cx="834119" cy="263564"/>
+          </a:xfrm>
+          <a:prstGeom prst="line">
+            <a:avLst/>
+          </a:prstGeom>
+          <a:ln w="38100" cmpd="sng">
+            <a:solidFill>
+              <a:srgbClr val="660066"/>
+            </a:solidFill>
+          </a:ln>
+          <a:effectLst/>
+        </p:spPr>
+        <p:style>
+          <a:lnRef idx="2">
+            <a:schemeClr val="accent1"/>
+          </a:lnRef>
+          <a:fillRef idx="0">
+            <a:schemeClr val="accent1"/>
+          </a:fillRef>
+          <a:effectRef idx="1">
+            <a:schemeClr val="accent1"/>
+          </a:effectRef>
+          <a:fontRef idx="minor">
+            <a:schemeClr val="tx1"/>
+          </a:fontRef>
+        </p:style>
+      </p:cxnSp>
       <p:sp>
         <p:nvSpPr>
-          <p:cNvPr id="106" name="Isosceles Triangle 55"/>
+          <p:cNvPr id="82" name="Isosceles Triangle 55"/>
           <p:cNvSpPr/>
           <p:nvPr/>
         </p:nvSpPr>
         <p:spPr>
           <a:xfrm>
-            <a:off x="2605661" y="3615057"/>
+            <a:off x="4337585" y="4937046"/>
             <a:ext cx="75816" cy="86937"/>
           </a:xfrm>
           <a:prstGeom prst="triangle">
@@ -45729,275 +46200,22 @@
       </p:sp>
       <p:cxnSp>
         <p:nvCxnSpPr>
-          <p:cNvPr id="107" name="Straight Connector 106"/>
+          <p:cNvPr id="86" name="Straight Connector 85"/>
           <p:cNvCxnSpPr/>
           <p:nvPr/>
         </p:nvCxnSpPr>
         <p:spPr>
           <a:xfrm>
-            <a:off x="1798472" y="1669355"/>
-            <a:ext cx="824235" cy="2130373"/>
+            <a:off x="5283579" y="5287547"/>
+            <a:ext cx="834457" cy="118560"/>
           </a:xfrm>
           <a:prstGeom prst="line">
             <a:avLst/>
           </a:prstGeom>
           <a:ln w="38100" cmpd="sng">
             <a:solidFill>
-              <a:srgbClr val="F79646"/>
-            </a:solidFill>
-          </a:ln>
-          <a:effectLst/>
-        </p:spPr>
-        <p:style>
-          <a:lnRef idx="2">
-            <a:schemeClr val="accent1"/>
-          </a:lnRef>
-          <a:fillRef idx="0">
-            <a:schemeClr val="accent1"/>
-          </a:fillRef>
-          <a:effectRef idx="1">
-            <a:schemeClr val="accent1"/>
-          </a:effectRef>
-          <a:fontRef idx="minor">
-            <a:schemeClr val="tx1"/>
-          </a:fontRef>
-        </p:style>
-      </p:cxnSp>
-      <p:cxnSp>
-        <p:nvCxnSpPr>
-          <p:cNvPr id="108" name="Straight Connector 107"/>
-          <p:cNvCxnSpPr/>
-          <p:nvPr/>
-        </p:nvCxnSpPr>
-        <p:spPr>
-          <a:xfrm>
-            <a:off x="2631263" y="3794662"/>
-            <a:ext cx="873802" cy="852747"/>
-          </a:xfrm>
-          <a:prstGeom prst="line">
-            <a:avLst/>
-          </a:prstGeom>
-          <a:ln w="38100" cmpd="sng">
-            <a:solidFill>
-              <a:srgbClr val="F79646"/>
-            </a:solidFill>
-          </a:ln>
-          <a:effectLst/>
-        </p:spPr>
-        <p:style>
-          <a:lnRef idx="2">
-            <a:schemeClr val="accent1"/>
-          </a:lnRef>
-          <a:fillRef idx="0">
-            <a:schemeClr val="accent1"/>
-          </a:fillRef>
-          <a:effectRef idx="1">
-            <a:schemeClr val="accent1"/>
-          </a:effectRef>
-          <a:fontRef idx="minor">
-            <a:schemeClr val="tx1"/>
-          </a:fontRef>
-        </p:style>
-      </p:cxnSp>
-      <p:cxnSp>
-        <p:nvCxnSpPr>
-          <p:cNvPr id="109" name="Straight Connector 108"/>
-          <p:cNvCxnSpPr/>
-          <p:nvPr/>
-        </p:nvCxnSpPr>
-        <p:spPr>
-          <a:xfrm>
-            <a:off x="3498312" y="4649234"/>
-            <a:ext cx="885835" cy="724931"/>
-          </a:xfrm>
-          <a:prstGeom prst="line">
-            <a:avLst/>
-          </a:prstGeom>
-          <a:ln w="38100" cmpd="sng">
-            <a:solidFill>
-              <a:srgbClr val="F79646"/>
-            </a:solidFill>
-          </a:ln>
-          <a:effectLst/>
-        </p:spPr>
-        <p:style>
-          <a:lnRef idx="2">
-            <a:schemeClr val="accent1"/>
-          </a:lnRef>
-          <a:fillRef idx="0">
-            <a:schemeClr val="accent1"/>
-          </a:fillRef>
-          <a:effectRef idx="1">
-            <a:schemeClr val="accent1"/>
-          </a:effectRef>
-          <a:fontRef idx="minor">
-            <a:schemeClr val="tx1"/>
-          </a:fontRef>
-        </p:style>
-      </p:cxnSp>
-      <p:cxnSp>
-        <p:nvCxnSpPr>
-          <p:cNvPr id="110" name="Straight Connector 109"/>
-          <p:cNvCxnSpPr/>
-          <p:nvPr/>
-        </p:nvCxnSpPr>
-        <p:spPr>
-          <a:xfrm>
-            <a:off x="4399530" y="5384631"/>
-            <a:ext cx="868019" cy="156213"/>
-          </a:xfrm>
-          <a:prstGeom prst="line">
-            <a:avLst/>
-          </a:prstGeom>
-          <a:ln w="38100" cmpd="sng">
-            <a:solidFill>
-              <a:srgbClr val="F79646"/>
-            </a:solidFill>
-          </a:ln>
-          <a:effectLst/>
-        </p:spPr>
-        <p:style>
-          <a:lnRef idx="2">
-            <a:schemeClr val="accent1"/>
-          </a:lnRef>
-          <a:fillRef idx="0">
-            <a:schemeClr val="accent1"/>
-          </a:fillRef>
-          <a:effectRef idx="1">
-            <a:schemeClr val="accent1"/>
-          </a:effectRef>
-          <a:fontRef idx="minor">
-            <a:schemeClr val="tx1"/>
-          </a:fontRef>
-        </p:style>
-      </p:cxnSp>
-      <p:cxnSp>
-        <p:nvCxnSpPr>
-          <p:cNvPr id="111" name="Straight Connector 110"/>
-          <p:cNvCxnSpPr/>
-          <p:nvPr/>
-        </p:nvCxnSpPr>
-        <p:spPr>
-          <a:xfrm>
-            <a:off x="5246506" y="5529263"/>
-            <a:ext cx="899137" cy="224032"/>
-          </a:xfrm>
-          <a:prstGeom prst="line">
-            <a:avLst/>
-          </a:prstGeom>
-          <a:ln w="38100" cmpd="sng">
-            <a:solidFill>
-              <a:srgbClr val="F79646"/>
-            </a:solidFill>
-          </a:ln>
-          <a:effectLst/>
-        </p:spPr>
-        <p:style>
-          <a:lnRef idx="2">
-            <a:schemeClr val="accent1"/>
-          </a:lnRef>
-          <a:fillRef idx="0">
-            <a:schemeClr val="accent1"/>
-          </a:fillRef>
-          <a:effectRef idx="1">
-            <a:schemeClr val="accent1"/>
-          </a:effectRef>
-          <a:fontRef idx="minor">
-            <a:schemeClr val="tx1"/>
-          </a:fontRef>
-        </p:style>
-      </p:cxnSp>
-      <p:cxnSp>
-        <p:nvCxnSpPr>
-          <p:cNvPr id="112" name="Straight Connector 111"/>
-          <p:cNvCxnSpPr/>
-          <p:nvPr/>
-        </p:nvCxnSpPr>
-        <p:spPr>
-          <a:xfrm>
-            <a:off x="5250156" y="5423108"/>
-            <a:ext cx="889701" cy="98020"/>
-          </a:xfrm>
-          <a:prstGeom prst="line">
-            <a:avLst/>
-          </a:prstGeom>
-          <a:ln w="38100" cmpd="sng">
-            <a:solidFill>
               <a:srgbClr val="660066"/>
             </a:solidFill>
-          </a:ln>
-          <a:effectLst/>
-        </p:spPr>
-        <p:style>
-          <a:lnRef idx="2">
-            <a:schemeClr val="accent1"/>
-          </a:lnRef>
-          <a:fillRef idx="0">
-            <a:schemeClr val="accent1"/>
-          </a:fillRef>
-          <a:effectRef idx="1">
-            <a:schemeClr val="accent1"/>
-          </a:effectRef>
-          <a:fontRef idx="minor">
-            <a:schemeClr val="tx1"/>
-          </a:fontRef>
-        </p:style>
-      </p:cxnSp>
-      <p:cxnSp>
-        <p:nvCxnSpPr>
-          <p:cNvPr id="113" name="Straight Connector 112"/>
-          <p:cNvCxnSpPr/>
-          <p:nvPr/>
-        </p:nvCxnSpPr>
-        <p:spPr>
-          <a:xfrm>
-            <a:off x="4395600" y="5235423"/>
-            <a:ext cx="864232" cy="191582"/>
-          </a:xfrm>
-          <a:prstGeom prst="line">
-            <a:avLst/>
-          </a:prstGeom>
-          <a:ln w="38100" cmpd="sng">
-            <a:solidFill>
-              <a:srgbClr val="660066"/>
-            </a:solidFill>
-          </a:ln>
-          <a:effectLst/>
-        </p:spPr>
-        <p:style>
-          <a:lnRef idx="2">
-            <a:schemeClr val="accent1"/>
-          </a:lnRef>
-          <a:fillRef idx="0">
-            <a:schemeClr val="accent1"/>
-          </a:fillRef>
-          <a:effectRef idx="1">
-            <a:schemeClr val="accent1"/>
-          </a:effectRef>
-          <a:fontRef idx="minor">
-            <a:schemeClr val="tx1"/>
-          </a:fontRef>
-        </p:style>
-      </p:cxnSp>
-      <p:cxnSp>
-        <p:nvCxnSpPr>
-          <p:cNvPr id="114" name="Straight Connector 113"/>
-          <p:cNvCxnSpPr/>
-          <p:nvPr/>
-        </p:nvCxnSpPr>
-        <p:spPr>
-          <a:xfrm>
-            <a:off x="6166359" y="5529263"/>
-            <a:ext cx="766414" cy="59466"/>
-          </a:xfrm>
-          <a:prstGeom prst="line">
-            <a:avLst/>
-          </a:prstGeom>
-          <a:ln>
-            <a:solidFill>
-              <a:srgbClr val="660066"/>
-            </a:solidFill>
-            <a:prstDash val="dashDot"/>
           </a:ln>
           <a:effectLst/>
         </p:spPr>
@@ -46018,13 +46236,13 @@
       </p:cxnSp>
       <p:sp>
         <p:nvSpPr>
-          <p:cNvPr id="115" name="Isosceles Triangle 55"/>
+          <p:cNvPr id="87" name="Isosceles Triangle 55"/>
           <p:cNvSpPr/>
           <p:nvPr/>
         </p:nvSpPr>
         <p:spPr>
           <a:xfrm>
-            <a:off x="5191733" y="5374165"/>
+            <a:off x="5215483" y="5219790"/>
             <a:ext cx="75816" cy="86937"/>
           </a:xfrm>
           <a:prstGeom prst="triangle">
@@ -46068,13 +46286,13 @@
       </p:sp>
       <p:sp>
         <p:nvSpPr>
-          <p:cNvPr id="116" name="Isosceles Triangle 55"/>
+          <p:cNvPr id="90" name="Isosceles Triangle 55"/>
           <p:cNvSpPr/>
           <p:nvPr/>
         </p:nvSpPr>
         <p:spPr>
           <a:xfrm>
-            <a:off x="6103401" y="5453907"/>
+            <a:off x="6103401" y="5358907"/>
             <a:ext cx="75816" cy="86937"/>
           </a:xfrm>
           <a:prstGeom prst="triangle">
@@ -46116,256 +46334,43 @@
           </a:p>
         </p:txBody>
       </p:sp>
-      <p:sp>
-        <p:nvSpPr>
-          <p:cNvPr id="117" name="Isosceles Triangle 55"/>
-          <p:cNvSpPr/>
-          <p:nvPr/>
-        </p:nvSpPr>
+      <p:cxnSp>
+        <p:nvCxnSpPr>
+          <p:cNvPr id="91" name="Straight Connector 90"/>
+          <p:cNvCxnSpPr/>
+          <p:nvPr/>
+        </p:nvCxnSpPr>
         <p:spPr>
           <a:xfrm>
-            <a:off x="4360637" y="5355362"/>
-            <a:ext cx="75816" cy="86937"/>
-          </a:xfrm>
-          <a:prstGeom prst="triangle">
-            <a:avLst/>
-          </a:prstGeom>
-          <a:solidFill>
-            <a:schemeClr val="accent6">
-              <a:lumMod val="60000"/>
-              <a:lumOff val="40000"/>
-            </a:schemeClr>
-          </a:solidFill>
+            <a:off x="6166359" y="5398636"/>
+            <a:ext cx="766414" cy="59466"/>
+          </a:xfrm>
+          <a:prstGeom prst="line">
+            <a:avLst/>
+          </a:prstGeom>
           <a:ln>
             <a:solidFill>
-              <a:schemeClr val="tx1"/>
-            </a:solidFill>
-          </a:ln>
-          <a:effectLst/>
-        </p:spPr>
-        <p:style>
-          <a:lnRef idx="1">
-            <a:schemeClr val="accent1"/>
-          </a:lnRef>
-          <a:fillRef idx="3">
-            <a:schemeClr val="accent1"/>
-          </a:fillRef>
-          <a:effectRef idx="2">
-            <a:schemeClr val="accent1"/>
-          </a:effectRef>
-          <a:fontRef idx="minor">
-            <a:schemeClr val="lt1"/>
-          </a:fontRef>
-        </p:style>
-        <p:txBody>
-          <a:bodyPr rtlCol="0" anchor="ctr"/>
-          <a:lstStyle/>
-          <a:p>
-            <a:pPr algn="ctr"/>
-            <a:endParaRPr lang="en-US"/>
-          </a:p>
-        </p:txBody>
-      </p:sp>
-      <p:sp>
-        <p:nvSpPr>
-          <p:cNvPr id="118" name="Isosceles Triangle 55"/>
-          <p:cNvSpPr/>
-          <p:nvPr/>
-        </p:nvSpPr>
-        <p:spPr>
-          <a:xfrm>
-            <a:off x="3453624" y="4591791"/>
-            <a:ext cx="75816" cy="86937"/>
-          </a:xfrm>
-          <a:prstGeom prst="triangle">
-            <a:avLst/>
-          </a:prstGeom>
-          <a:solidFill>
-            <a:schemeClr val="accent6">
-              <a:lumMod val="60000"/>
-              <a:lumOff val="40000"/>
-            </a:schemeClr>
-          </a:solidFill>
-          <a:ln>
-            <a:solidFill>
-              <a:schemeClr val="tx1"/>
-            </a:solidFill>
-          </a:ln>
-          <a:effectLst/>
-        </p:spPr>
-        <p:style>
-          <a:lnRef idx="1">
-            <a:schemeClr val="accent1"/>
-          </a:lnRef>
-          <a:fillRef idx="3">
-            <a:schemeClr val="accent1"/>
-          </a:fillRef>
-          <a:effectRef idx="2">
-            <a:schemeClr val="accent1"/>
-          </a:effectRef>
-          <a:fontRef idx="minor">
-            <a:schemeClr val="lt1"/>
-          </a:fontRef>
-        </p:style>
-        <p:txBody>
-          <a:bodyPr rtlCol="0" anchor="ctr"/>
-          <a:lstStyle/>
-          <a:p>
-            <a:pPr algn="ctr"/>
-            <a:endParaRPr lang="en-US"/>
-          </a:p>
-        </p:txBody>
-      </p:sp>
-      <p:sp>
-        <p:nvSpPr>
-          <p:cNvPr id="119" name="Isosceles Triangle 55"/>
-          <p:cNvSpPr/>
-          <p:nvPr/>
-        </p:nvSpPr>
-        <p:spPr>
-          <a:xfrm>
-            <a:off x="2586230" y="3734905"/>
-            <a:ext cx="75816" cy="86937"/>
-          </a:xfrm>
-          <a:prstGeom prst="triangle">
-            <a:avLst/>
-          </a:prstGeom>
-          <a:solidFill>
-            <a:schemeClr val="accent6">
-              <a:lumMod val="60000"/>
-              <a:lumOff val="40000"/>
-            </a:schemeClr>
-          </a:solidFill>
-          <a:ln>
-            <a:solidFill>
-              <a:schemeClr val="tx1"/>
-            </a:solidFill>
-          </a:ln>
-          <a:effectLst/>
-        </p:spPr>
-        <p:style>
-          <a:lnRef idx="1">
-            <a:schemeClr val="accent1"/>
-          </a:lnRef>
-          <a:fillRef idx="3">
-            <a:schemeClr val="accent1"/>
-          </a:fillRef>
-          <a:effectRef idx="2">
-            <a:schemeClr val="accent1"/>
-          </a:effectRef>
-          <a:fontRef idx="minor">
-            <a:schemeClr val="lt1"/>
-          </a:fontRef>
-        </p:style>
-        <p:txBody>
-          <a:bodyPr rtlCol="0" anchor="ctr"/>
-          <a:lstStyle/>
-          <a:p>
-            <a:pPr algn="ctr"/>
-            <a:endParaRPr lang="en-US"/>
-          </a:p>
-        </p:txBody>
-      </p:sp>
-      <p:sp>
-        <p:nvSpPr>
-          <p:cNvPr id="120" name="Isosceles Triangle 55"/>
-          <p:cNvSpPr/>
-          <p:nvPr/>
-        </p:nvSpPr>
-        <p:spPr>
-          <a:xfrm>
-            <a:off x="6114232" y="5721701"/>
-            <a:ext cx="75816" cy="86937"/>
-          </a:xfrm>
-          <a:prstGeom prst="triangle">
-            <a:avLst/>
-          </a:prstGeom>
-          <a:solidFill>
-            <a:schemeClr val="accent6">
-              <a:lumMod val="60000"/>
-              <a:lumOff val="40000"/>
-            </a:schemeClr>
-          </a:solidFill>
-          <a:ln>
-            <a:solidFill>
-              <a:schemeClr val="tx1"/>
-            </a:solidFill>
-          </a:ln>
-          <a:effectLst/>
-        </p:spPr>
-        <p:style>
-          <a:lnRef idx="1">
-            <a:schemeClr val="accent1"/>
-          </a:lnRef>
-          <a:fillRef idx="3">
-            <a:schemeClr val="accent1"/>
-          </a:fillRef>
-          <a:effectRef idx="2">
-            <a:schemeClr val="accent1"/>
-          </a:effectRef>
-          <a:fontRef idx="minor">
-            <a:schemeClr val="lt1"/>
-          </a:fontRef>
-        </p:style>
-        <p:txBody>
-          <a:bodyPr rtlCol="0" anchor="ctr"/>
-          <a:lstStyle/>
-          <a:p>
-            <a:pPr algn="ctr"/>
-            <a:endParaRPr lang="en-US"/>
-          </a:p>
-        </p:txBody>
-      </p:sp>
-      <p:sp>
-        <p:nvSpPr>
-          <p:cNvPr id="121" name="Isosceles Triangle 55"/>
-          <p:cNvSpPr/>
-          <p:nvPr/>
-        </p:nvSpPr>
-        <p:spPr>
-          <a:xfrm>
-            <a:off x="5186579" y="5480811"/>
-            <a:ext cx="75816" cy="86937"/>
-          </a:xfrm>
-          <a:prstGeom prst="triangle">
-            <a:avLst/>
-          </a:prstGeom>
-          <a:solidFill>
-            <a:schemeClr val="accent6">
-              <a:lumMod val="60000"/>
-              <a:lumOff val="40000"/>
-            </a:schemeClr>
-          </a:solidFill>
-          <a:ln>
-            <a:solidFill>
-              <a:schemeClr val="tx1"/>
-            </a:solidFill>
-          </a:ln>
-          <a:effectLst/>
-        </p:spPr>
-        <p:style>
-          <a:lnRef idx="1">
-            <a:schemeClr val="accent1"/>
-          </a:lnRef>
-          <a:fillRef idx="3">
-            <a:schemeClr val="accent1"/>
-          </a:fillRef>
-          <a:effectRef idx="2">
-            <a:schemeClr val="accent1"/>
-          </a:effectRef>
-          <a:fontRef idx="minor">
-            <a:schemeClr val="lt1"/>
-          </a:fontRef>
-        </p:style>
-        <p:txBody>
-          <a:bodyPr rtlCol="0" anchor="ctr"/>
-          <a:lstStyle/>
-          <a:p>
-            <a:pPr algn="ctr"/>
-            <a:endParaRPr lang="en-US"/>
-          </a:p>
-        </p:txBody>
-      </p:sp>
+              <a:srgbClr val="660066"/>
+            </a:solidFill>
+            <a:prstDash val="dashDot"/>
+          </a:ln>
+          <a:effectLst/>
+        </p:spPr>
+        <p:style>
+          <a:lnRef idx="2">
+            <a:schemeClr val="accent1"/>
+          </a:lnRef>
+          <a:fillRef idx="0">
+            <a:schemeClr val="accent1"/>
+          </a:fillRef>
+          <a:effectRef idx="1">
+            <a:schemeClr val="accent1"/>
+          </a:effectRef>
+          <a:fontRef idx="minor">
+            <a:schemeClr val="tx1"/>
+          </a:fontRef>
+        </p:style>
+      </p:cxnSp>
     </p:spTree>
     <p:extLst>
       <p:ext uri="{BB962C8B-B14F-4D97-AF65-F5344CB8AC3E}">

--- a/Reports/R5/P1.pptx
+++ b/Reports/R5/P1.pptx
@@ -34,6 +34,7 @@
     <p:sldId id="269" r:id="rId28"/>
     <p:sldId id="272" r:id="rId29"/>
     <p:sldId id="280" r:id="rId30"/>
+    <p:sldId id="287" r:id="rId31"/>
   </p:sldIdLst>
   <p:sldSz cx="9144000" cy="6858000" type="screen4x3"/>
   <p:notesSz cx="6858000" cy="9144000"/>
@@ -332,7 +333,7 @@
           <a:p>
             <a:fld id="{18BD31E7-3932-3147-9CF4-E922359E8F71}" type="datetimeFigureOut">
               <a:rPr lang="en-US" smtClean="0"/>
-              <a:t>3/3/16</a:t>
+              <a:t>3/4/16</a:t>
             </a:fld>
             <a:endParaRPr lang="en-US"/>
           </a:p>
@@ -502,7 +503,7 @@
           <a:p>
             <a:fld id="{18BD31E7-3932-3147-9CF4-E922359E8F71}" type="datetimeFigureOut">
               <a:rPr lang="en-US" smtClean="0"/>
-              <a:t>3/3/16</a:t>
+              <a:t>3/4/16</a:t>
             </a:fld>
             <a:endParaRPr lang="en-US"/>
           </a:p>
@@ -682,7 +683,7 @@
           <a:p>
             <a:fld id="{18BD31E7-3932-3147-9CF4-E922359E8F71}" type="datetimeFigureOut">
               <a:rPr lang="en-US" smtClean="0"/>
-              <a:t>3/3/16</a:t>
+              <a:t>3/4/16</a:t>
             </a:fld>
             <a:endParaRPr lang="en-US"/>
           </a:p>
@@ -852,7 +853,7 @@
           <a:p>
             <a:fld id="{18BD31E7-3932-3147-9CF4-E922359E8F71}" type="datetimeFigureOut">
               <a:rPr lang="en-US" smtClean="0"/>
-              <a:t>3/3/16</a:t>
+              <a:t>3/4/16</a:t>
             </a:fld>
             <a:endParaRPr lang="en-US"/>
           </a:p>
@@ -1098,7 +1099,7 @@
           <a:p>
             <a:fld id="{18BD31E7-3932-3147-9CF4-E922359E8F71}" type="datetimeFigureOut">
               <a:rPr lang="en-US" smtClean="0"/>
-              <a:t>3/3/16</a:t>
+              <a:t>3/4/16</a:t>
             </a:fld>
             <a:endParaRPr lang="en-US"/>
           </a:p>
@@ -1386,7 +1387,7 @@
           <a:p>
             <a:fld id="{18BD31E7-3932-3147-9CF4-E922359E8F71}" type="datetimeFigureOut">
               <a:rPr lang="en-US" smtClean="0"/>
-              <a:t>3/3/16</a:t>
+              <a:t>3/4/16</a:t>
             </a:fld>
             <a:endParaRPr lang="en-US"/>
           </a:p>
@@ -1808,7 +1809,7 @@
           <a:p>
             <a:fld id="{18BD31E7-3932-3147-9CF4-E922359E8F71}" type="datetimeFigureOut">
               <a:rPr lang="en-US" smtClean="0"/>
-              <a:t>3/3/16</a:t>
+              <a:t>3/4/16</a:t>
             </a:fld>
             <a:endParaRPr lang="en-US"/>
           </a:p>
@@ -1926,7 +1927,7 @@
           <a:p>
             <a:fld id="{18BD31E7-3932-3147-9CF4-E922359E8F71}" type="datetimeFigureOut">
               <a:rPr lang="en-US" smtClean="0"/>
-              <a:t>3/3/16</a:t>
+              <a:t>3/4/16</a:t>
             </a:fld>
             <a:endParaRPr lang="en-US"/>
           </a:p>
@@ -2021,7 +2022,7 @@
           <a:p>
             <a:fld id="{18BD31E7-3932-3147-9CF4-E922359E8F71}" type="datetimeFigureOut">
               <a:rPr lang="en-US" smtClean="0"/>
-              <a:t>3/3/16</a:t>
+              <a:t>3/4/16</a:t>
             </a:fld>
             <a:endParaRPr lang="en-US"/>
           </a:p>
@@ -2298,7 +2299,7 @@
           <a:p>
             <a:fld id="{18BD31E7-3932-3147-9CF4-E922359E8F71}" type="datetimeFigureOut">
               <a:rPr lang="en-US" smtClean="0"/>
-              <a:t>3/3/16</a:t>
+              <a:t>3/4/16</a:t>
             </a:fld>
             <a:endParaRPr lang="en-US"/>
           </a:p>
@@ -2551,7 +2552,7 @@
           <a:p>
             <a:fld id="{18BD31E7-3932-3147-9CF4-E922359E8F71}" type="datetimeFigureOut">
               <a:rPr lang="en-US" smtClean="0"/>
-              <a:t>3/3/16</a:t>
+              <a:t>3/4/16</a:t>
             </a:fld>
             <a:endParaRPr lang="en-US"/>
           </a:p>
@@ -2764,7 +2765,7 @@
           <a:p>
             <a:fld id="{18BD31E7-3932-3147-9CF4-E922359E8F71}" type="datetimeFigureOut">
               <a:rPr lang="en-US" smtClean="0"/>
-              <a:t>3/3/16</a:t>
+              <a:t>3/4/16</a:t>
             </a:fld>
             <a:endParaRPr lang="en-US"/>
           </a:p>
@@ -27585,7 +27586,7 @@
         <p:spPr>
           <a:xfrm>
             <a:off x="1726273" y="948199"/>
-            <a:ext cx="4002245" cy="1170260"/>
+            <a:ext cx="4432520" cy="1170260"/>
           </a:xfrm>
           <a:prstGeom prst="rect">
             <a:avLst/>
@@ -27738,7 +27739,7 @@
         <p:spPr>
           <a:xfrm>
             <a:off x="2514973" y="1300023"/>
-            <a:ext cx="2986715" cy="369332"/>
+            <a:ext cx="3493264" cy="369332"/>
           </a:xfrm>
           <a:prstGeom prst="rect">
             <a:avLst/>
@@ -27763,7 +27764,21 @@
                 <a:latin typeface="Times New Roman"/>
                 <a:cs typeface="Times New Roman"/>
               </a:rPr>
-              <a:t>px::parallel::for_each (static)</a:t>
+              <a:t>px::parallel::</a:t>
+            </a:r>
+            <a:r>
+              <a:rPr lang="en-US" dirty="0" smtClean="0">
+                <a:latin typeface="Times New Roman"/>
+                <a:cs typeface="Times New Roman"/>
+              </a:rPr>
+              <a:t>for_each(par) </a:t>
+            </a:r>
+            <a:r>
+              <a:rPr lang="en-US" dirty="0" smtClean="0">
+                <a:latin typeface="Times New Roman"/>
+                <a:cs typeface="Times New Roman"/>
+              </a:rPr>
+              <a:t>(static)</a:t>
             </a:r>
             <a:endParaRPr lang="en-US" dirty="0">
               <a:latin typeface="Times New Roman"/>
@@ -28668,8 +28683,8 @@
         </p:nvCxnSpPr>
         <p:spPr>
           <a:xfrm flipV="1">
-            <a:off x="5777835" y="1442506"/>
-            <a:ext cx="1869493" cy="5134"/>
+            <a:off x="6256326" y="1442506"/>
+            <a:ext cx="1391002" cy="25328"/>
           </a:xfrm>
           <a:prstGeom prst="line">
             <a:avLst/>
@@ -28892,43 +28907,6 @@
           <a:xfrm flipH="1">
             <a:off x="1794139" y="2188312"/>
             <a:ext cx="288" cy="3753880"/>
-          </a:xfrm>
-          <a:prstGeom prst="line">
-            <a:avLst/>
-          </a:prstGeom>
-          <a:ln w="9525" cmpd="sng">
-            <a:solidFill>
-              <a:srgbClr val="595959"/>
-            </a:solidFill>
-            <a:prstDash val="dash"/>
-          </a:ln>
-          <a:effectLst/>
-        </p:spPr>
-        <p:style>
-          <a:lnRef idx="2">
-            <a:schemeClr val="accent1"/>
-          </a:lnRef>
-          <a:fillRef idx="0">
-            <a:schemeClr val="accent1"/>
-          </a:fillRef>
-          <a:effectRef idx="1">
-            <a:schemeClr val="accent1"/>
-          </a:effectRef>
-          <a:fontRef idx="minor">
-            <a:schemeClr val="tx1"/>
-          </a:fontRef>
-        </p:style>
-      </p:cxnSp>
-      <p:cxnSp>
-        <p:nvCxnSpPr>
-          <p:cNvPr id="105" name="Straight Connector 104"/>
-          <p:cNvCxnSpPr/>
-          <p:nvPr/>
-        </p:nvCxnSpPr>
-        <p:spPr>
-          <a:xfrm flipH="1">
-            <a:off x="6133719" y="790415"/>
-            <a:ext cx="1102" cy="5159559"/>
           </a:xfrm>
           <a:prstGeom prst="line">
             <a:avLst/>
@@ -29868,7 +29846,7 @@
         <p:spPr>
           <a:xfrm>
             <a:off x="2512994" y="1654304"/>
-            <a:ext cx="3294492" cy="369332"/>
+            <a:ext cx="3743332" cy="369332"/>
           </a:xfrm>
           <a:prstGeom prst="rect">
             <a:avLst/>
@@ -29893,7 +29871,21 @@
                 <a:latin typeface="Times New Roman"/>
                 <a:cs typeface="Times New Roman"/>
               </a:rPr>
-              <a:t>px::parallel::for_each (dynamic)</a:t>
+              <a:t>px::parallel::</a:t>
+            </a:r>
+            <a:r>
+              <a:rPr lang="en-US" dirty="0" smtClean="0">
+                <a:latin typeface="Times New Roman"/>
+                <a:cs typeface="Times New Roman"/>
+              </a:rPr>
+              <a:t>for_each(par) </a:t>
+            </a:r>
+            <a:r>
+              <a:rPr lang="en-US" dirty="0" smtClean="0">
+                <a:latin typeface="Times New Roman"/>
+                <a:cs typeface="Times New Roman"/>
+              </a:rPr>
+              <a:t>(dynamic)</a:t>
             </a:r>
             <a:endParaRPr lang="en-US" dirty="0">
               <a:latin typeface="Times New Roman"/>
@@ -42188,7 +42180,7 @@
         <p:spPr>
           <a:xfrm>
             <a:off x="1726273" y="948199"/>
-            <a:ext cx="4002245" cy="1692506"/>
+            <a:ext cx="5577052" cy="1692506"/>
           </a:xfrm>
           <a:prstGeom prst="rect">
             <a:avLst/>
@@ -42341,7 +42333,7 @@
         <p:spPr>
           <a:xfrm>
             <a:off x="2514973" y="1300023"/>
-            <a:ext cx="2345514" cy="369332"/>
+            <a:ext cx="2852063" cy="369332"/>
           </a:xfrm>
           <a:prstGeom prst="rect">
             <a:avLst/>
@@ -42366,7 +42358,14 @@
                 <a:latin typeface="Times New Roman"/>
                 <a:cs typeface="Times New Roman"/>
               </a:rPr>
-              <a:t>px::parallel::for_each </a:t>
+              <a:t>px::parallel::</a:t>
+            </a:r>
+            <a:r>
+              <a:rPr lang="en-US" dirty="0" smtClean="0">
+                <a:latin typeface="Times New Roman"/>
+                <a:cs typeface="Times New Roman"/>
+              </a:rPr>
+              <a:t>for_each (par) </a:t>
             </a:r>
             <a:endParaRPr lang="en-US" dirty="0">
               <a:latin typeface="Times New Roman"/>
@@ -43191,117 +43190,6 @@
       </p:cxnSp>
       <p:cxnSp>
         <p:nvCxnSpPr>
-          <p:cNvPr id="88" name="Straight Connector 87"/>
-          <p:cNvCxnSpPr/>
-          <p:nvPr/>
-        </p:nvCxnSpPr>
-        <p:spPr>
-          <a:xfrm flipV="1">
-            <a:off x="5777835" y="1442506"/>
-            <a:ext cx="1869493" cy="5134"/>
-          </a:xfrm>
-          <a:prstGeom prst="line">
-            <a:avLst/>
-          </a:prstGeom>
-          <a:ln w="9525" cmpd="sng">
-            <a:solidFill>
-              <a:srgbClr val="595959"/>
-            </a:solidFill>
-            <a:prstDash val="dash"/>
-          </a:ln>
-          <a:effectLst/>
-        </p:spPr>
-        <p:style>
-          <a:lnRef idx="2">
-            <a:schemeClr val="accent1"/>
-          </a:lnRef>
-          <a:fillRef idx="0">
-            <a:schemeClr val="accent1"/>
-          </a:fillRef>
-          <a:effectRef idx="1">
-            <a:schemeClr val="accent1"/>
-          </a:effectRef>
-          <a:fontRef idx="minor">
-            <a:schemeClr val="tx1"/>
-          </a:fontRef>
-        </p:style>
-      </p:cxnSp>
-      <p:cxnSp>
-        <p:nvCxnSpPr>
-          <p:cNvPr id="91" name="Straight Connector 90"/>
-          <p:cNvCxnSpPr/>
-          <p:nvPr/>
-        </p:nvCxnSpPr>
-        <p:spPr>
-          <a:xfrm flipH="1">
-            <a:off x="7075550" y="805625"/>
-            <a:ext cx="1102" cy="5159559"/>
-          </a:xfrm>
-          <a:prstGeom prst="line">
-            <a:avLst/>
-          </a:prstGeom>
-          <a:ln w="9525" cmpd="sng">
-            <a:solidFill>
-              <a:srgbClr val="595959"/>
-            </a:solidFill>
-            <a:prstDash val="dash"/>
-          </a:ln>
-          <a:effectLst/>
-        </p:spPr>
-        <p:style>
-          <a:lnRef idx="2">
-            <a:schemeClr val="accent1"/>
-          </a:lnRef>
-          <a:fillRef idx="0">
-            <a:schemeClr val="accent1"/>
-          </a:fillRef>
-          <a:effectRef idx="1">
-            <a:schemeClr val="accent1"/>
-          </a:effectRef>
-          <a:fontRef idx="minor">
-            <a:schemeClr val="tx1"/>
-          </a:fontRef>
-        </p:style>
-      </p:cxnSp>
-      <p:cxnSp>
-        <p:nvCxnSpPr>
-          <p:cNvPr id="105" name="Straight Connector 104"/>
-          <p:cNvCxnSpPr/>
-          <p:nvPr/>
-        </p:nvCxnSpPr>
-        <p:spPr>
-          <a:xfrm flipH="1">
-            <a:off x="6133719" y="790415"/>
-            <a:ext cx="1102" cy="5159559"/>
-          </a:xfrm>
-          <a:prstGeom prst="line">
-            <a:avLst/>
-          </a:prstGeom>
-          <a:ln w="9525" cmpd="sng">
-            <a:solidFill>
-              <a:srgbClr val="595959"/>
-            </a:solidFill>
-            <a:prstDash val="dash"/>
-          </a:ln>
-          <a:effectLst/>
-        </p:spPr>
-        <p:style>
-          <a:lnRef idx="2">
-            <a:schemeClr val="accent1"/>
-          </a:lnRef>
-          <a:fillRef idx="0">
-            <a:schemeClr val="accent1"/>
-          </a:fillRef>
-          <a:effectRef idx="1">
-            <a:schemeClr val="accent1"/>
-          </a:effectRef>
-          <a:fontRef idx="minor">
-            <a:schemeClr val="tx1"/>
-          </a:fontRef>
-        </p:style>
-      </p:cxnSp>
-      <p:cxnSp>
-        <p:nvCxnSpPr>
           <p:cNvPr id="79" name="Straight Connector 78"/>
           <p:cNvCxnSpPr/>
           <p:nvPr/>
@@ -43346,43 +43234,6 @@
           <a:xfrm>
             <a:off x="5250687" y="2701858"/>
             <a:ext cx="1140" cy="3230432"/>
-          </a:xfrm>
-          <a:prstGeom prst="line">
-            <a:avLst/>
-          </a:prstGeom>
-          <a:ln w="9525" cmpd="sng">
-            <a:solidFill>
-              <a:srgbClr val="595959"/>
-            </a:solidFill>
-            <a:prstDash val="dash"/>
-          </a:ln>
-          <a:effectLst/>
-        </p:spPr>
-        <p:style>
-          <a:lnRef idx="2">
-            <a:schemeClr val="accent1"/>
-          </a:lnRef>
-          <a:fillRef idx="0">
-            <a:schemeClr val="accent1"/>
-          </a:fillRef>
-          <a:effectRef idx="1">
-            <a:schemeClr val="accent1"/>
-          </a:effectRef>
-          <a:fontRef idx="minor">
-            <a:schemeClr val="tx1"/>
-          </a:fontRef>
-        </p:style>
-      </p:cxnSp>
-      <p:cxnSp>
-        <p:nvCxnSpPr>
-          <p:cNvPr id="78" name="Straight Connector 77"/>
-          <p:cNvCxnSpPr/>
-          <p:nvPr/>
-        </p:nvCxnSpPr>
-        <p:spPr>
-          <a:xfrm flipV="1">
-            <a:off x="5762872" y="2200612"/>
-            <a:ext cx="1869493" cy="5134"/>
           </a:xfrm>
           <a:prstGeom prst="line">
             <a:avLst/>
@@ -43498,7 +43349,7 @@
         <p:spPr>
           <a:xfrm>
             <a:off x="2514572" y="1679798"/>
-            <a:ext cx="1242648" cy="369332"/>
+            <a:ext cx="4963218" cy="369332"/>
           </a:xfrm>
           <a:prstGeom prst="rect">
             <a:avLst/>
@@ -43525,6 +43376,34 @@
               </a:rPr>
               <a:t>px::async </a:t>
             </a:r>
+            <a:r>
+              <a:rPr lang="en-US" dirty="0" smtClean="0">
+                <a:latin typeface="Times New Roman"/>
+                <a:cs typeface="Times New Roman"/>
+              </a:rPr>
+              <a:t>with </a:t>
+            </a:r>
+            <a:r>
+              <a:rPr lang="en-US" dirty="0" smtClean="0">
+                <a:latin typeface="Times New Roman"/>
+                <a:cs typeface="Times New Roman"/>
+              </a:rPr>
+              <a:t>hpx</a:t>
+            </a:r>
+            <a:r>
+              <a:rPr lang="en-US" dirty="0">
+                <a:latin typeface="Times New Roman"/>
+                <a:cs typeface="Times New Roman"/>
+              </a:rPr>
+              <a:t>::parallel::</a:t>
+            </a:r>
+            <a:r>
+              <a:rPr lang="en-US" dirty="0" smtClean="0">
+                <a:latin typeface="Times New Roman"/>
+                <a:cs typeface="Times New Roman"/>
+              </a:rPr>
+              <a:t>for_each(par(task))</a:t>
+            </a:r>
             <a:endParaRPr lang="en-US" dirty="0">
               <a:latin typeface="Times New Roman"/>
               <a:cs typeface="Times New Roman"/>
@@ -43652,6 +43531,80 @@
         <p:spPr>
           <a:xfrm>
             <a:off x="1793913" y="2713923"/>
+            <a:ext cx="1140" cy="3230432"/>
+          </a:xfrm>
+          <a:prstGeom prst="line">
+            <a:avLst/>
+          </a:prstGeom>
+          <a:ln w="9525" cmpd="sng">
+            <a:solidFill>
+              <a:srgbClr val="595959"/>
+            </a:solidFill>
+            <a:prstDash val="dash"/>
+          </a:ln>
+          <a:effectLst/>
+        </p:spPr>
+        <p:style>
+          <a:lnRef idx="2">
+            <a:schemeClr val="accent1"/>
+          </a:lnRef>
+          <a:fillRef idx="0">
+            <a:schemeClr val="accent1"/>
+          </a:fillRef>
+          <a:effectRef idx="1">
+            <a:schemeClr val="accent1"/>
+          </a:effectRef>
+          <a:fontRef idx="minor">
+            <a:schemeClr val="tx1"/>
+          </a:fontRef>
+        </p:style>
+      </p:cxnSp>
+      <p:cxnSp>
+        <p:nvCxnSpPr>
+          <p:cNvPr id="46" name="Straight Connector 45"/>
+          <p:cNvCxnSpPr/>
+          <p:nvPr/>
+        </p:nvCxnSpPr>
+        <p:spPr>
+          <a:xfrm>
+            <a:off x="6154073" y="2699632"/>
+            <a:ext cx="1140" cy="3230432"/>
+          </a:xfrm>
+          <a:prstGeom prst="line">
+            <a:avLst/>
+          </a:prstGeom>
+          <a:ln w="9525" cmpd="sng">
+            <a:solidFill>
+              <a:srgbClr val="595959"/>
+            </a:solidFill>
+            <a:prstDash val="dash"/>
+          </a:ln>
+          <a:effectLst/>
+        </p:spPr>
+        <p:style>
+          <a:lnRef idx="2">
+            <a:schemeClr val="accent1"/>
+          </a:lnRef>
+          <a:fillRef idx="0">
+            <a:schemeClr val="accent1"/>
+          </a:fillRef>
+          <a:effectRef idx="1">
+            <a:schemeClr val="accent1"/>
+          </a:effectRef>
+          <a:fontRef idx="minor">
+            <a:schemeClr val="tx1"/>
+          </a:fontRef>
+        </p:style>
+      </p:cxnSp>
+      <p:cxnSp>
+        <p:nvCxnSpPr>
+          <p:cNvPr id="47" name="Straight Connector 46"/>
+          <p:cNvCxnSpPr/>
+          <p:nvPr/>
+        </p:nvCxnSpPr>
+        <p:spPr>
+          <a:xfrm>
+            <a:off x="7101881" y="2722547"/>
             <a:ext cx="1140" cy="3230432"/>
           </a:xfrm>
           <a:prstGeom prst="line">
@@ -43697,6 +43650,801 @@
       </p:par>
     </p:tnLst>
   </p:timing>
+</p:sld>
+</file>
+
+<file path=ppt/slides/slide30.xml><?xml version="1.0" encoding="utf-8"?>
+<p:sld xmlns:a="http://schemas.openxmlformats.org/drawingml/2006/main" xmlns:r="http://schemas.openxmlformats.org/officeDocument/2006/relationships" xmlns:p="http://schemas.openxmlformats.org/presentationml/2006/main">
+  <p:cSld>
+    <p:spTree>
+      <p:nvGrpSpPr>
+        <p:cNvPr id="1" name=""/>
+        <p:cNvGrpSpPr/>
+        <p:nvPr/>
+      </p:nvGrpSpPr>
+      <p:grpSpPr>
+        <a:xfrm>
+          <a:off x="0" y="0"/>
+          <a:ext cx="0" cy="0"/>
+          <a:chOff x="0" y="0"/>
+          <a:chExt cx="0" cy="0"/>
+        </a:xfrm>
+      </p:grpSpPr>
+      <p:sp>
+        <p:nvSpPr>
+          <p:cNvPr id="5" name="Rectangle 4"/>
+          <p:cNvSpPr/>
+          <p:nvPr/>
+        </p:nvSpPr>
+        <p:spPr>
+          <a:xfrm>
+            <a:off x="1852551" y="1805049"/>
+            <a:ext cx="688768" cy="403761"/>
+          </a:xfrm>
+          <a:prstGeom prst="rect">
+            <a:avLst/>
+          </a:prstGeom>
+          <a:effectLst/>
+        </p:spPr>
+        <p:style>
+          <a:lnRef idx="2">
+            <a:schemeClr val="accent5"/>
+          </a:lnRef>
+          <a:fillRef idx="1">
+            <a:schemeClr val="lt1"/>
+          </a:fillRef>
+          <a:effectRef idx="0">
+            <a:schemeClr val="accent5"/>
+          </a:effectRef>
+          <a:fontRef idx="minor">
+            <a:schemeClr val="dk1"/>
+          </a:fontRef>
+        </p:style>
+        <p:txBody>
+          <a:bodyPr rtlCol="0" anchor="ctr"/>
+          <a:lstStyle/>
+          <a:p>
+            <a:pPr algn="ctr"/>
+            <a:r>
+              <a:rPr lang="en-US" dirty="0" smtClean="0"/>
+              <a:t>in</a:t>
+            </a:r>
+            <a:endParaRPr lang="en-US" dirty="0"/>
+          </a:p>
+        </p:txBody>
+      </p:sp>
+      <p:sp>
+        <p:nvSpPr>
+          <p:cNvPr id="6" name="TextBox 5"/>
+          <p:cNvSpPr txBox="1"/>
+          <p:nvPr/>
+        </p:nvSpPr>
+        <p:spPr>
+          <a:xfrm>
+            <a:off x="2196935" y="1947200"/>
+            <a:ext cx="256802" cy="261610"/>
+          </a:xfrm>
+          <a:prstGeom prst="rect">
+            <a:avLst/>
+          </a:prstGeom>
+          <a:noFill/>
+        </p:spPr>
+        <p:txBody>
+          <a:bodyPr wrap="none" rtlCol="0">
+            <a:spAutoFit/>
+          </a:bodyPr>
+          <a:lstStyle/>
+          <a:p>
+            <a:r>
+              <a:rPr lang="en-US" sz="1050" dirty="0" smtClean="0"/>
+              <a:t>1</a:t>
+            </a:r>
+            <a:endParaRPr lang="en-US" sz="1050" dirty="0"/>
+          </a:p>
+        </p:txBody>
+      </p:sp>
+      <p:sp>
+        <p:nvSpPr>
+          <p:cNvPr id="7" name="Rectangle 6"/>
+          <p:cNvSpPr/>
+          <p:nvPr/>
+        </p:nvSpPr>
+        <p:spPr>
+          <a:xfrm>
+            <a:off x="1850573" y="2206830"/>
+            <a:ext cx="688768" cy="403761"/>
+          </a:xfrm>
+          <a:prstGeom prst="rect">
+            <a:avLst/>
+          </a:prstGeom>
+          <a:effectLst/>
+        </p:spPr>
+        <p:style>
+          <a:lnRef idx="2">
+            <a:schemeClr val="accent5"/>
+          </a:lnRef>
+          <a:fillRef idx="1">
+            <a:schemeClr val="lt1"/>
+          </a:fillRef>
+          <a:effectRef idx="0">
+            <a:schemeClr val="accent5"/>
+          </a:effectRef>
+          <a:fontRef idx="minor">
+            <a:schemeClr val="dk1"/>
+          </a:fontRef>
+        </p:style>
+        <p:txBody>
+          <a:bodyPr rtlCol="0" anchor="ctr"/>
+          <a:lstStyle/>
+          <a:p>
+            <a:pPr algn="ctr"/>
+            <a:r>
+              <a:rPr lang="en-US" dirty="0" smtClean="0"/>
+              <a:t>in</a:t>
+            </a:r>
+            <a:endParaRPr lang="en-US" dirty="0"/>
+          </a:p>
+        </p:txBody>
+      </p:sp>
+      <p:sp>
+        <p:nvSpPr>
+          <p:cNvPr id="8" name="Rectangle 7"/>
+          <p:cNvSpPr/>
+          <p:nvPr/>
+        </p:nvSpPr>
+        <p:spPr>
+          <a:xfrm>
+            <a:off x="1850575" y="3026225"/>
+            <a:ext cx="688768" cy="403761"/>
+          </a:xfrm>
+          <a:prstGeom prst="rect">
+            <a:avLst/>
+          </a:prstGeom>
+          <a:effectLst/>
+        </p:spPr>
+        <p:style>
+          <a:lnRef idx="2">
+            <a:schemeClr val="accent5"/>
+          </a:lnRef>
+          <a:fillRef idx="1">
+            <a:schemeClr val="lt1"/>
+          </a:fillRef>
+          <a:effectRef idx="0">
+            <a:schemeClr val="accent5"/>
+          </a:effectRef>
+          <a:fontRef idx="minor">
+            <a:schemeClr val="dk1"/>
+          </a:fontRef>
+        </p:style>
+        <p:txBody>
+          <a:bodyPr rtlCol="0" anchor="ctr"/>
+          <a:lstStyle/>
+          <a:p>
+            <a:pPr algn="ctr"/>
+            <a:r>
+              <a:rPr lang="en-US" dirty="0" smtClean="0"/>
+              <a:t>in</a:t>
+            </a:r>
+            <a:endParaRPr lang="en-US" dirty="0"/>
+          </a:p>
+        </p:txBody>
+      </p:sp>
+      <p:sp>
+        <p:nvSpPr>
+          <p:cNvPr id="9" name="TextBox 8"/>
+          <p:cNvSpPr txBox="1"/>
+          <p:nvPr/>
+        </p:nvSpPr>
+        <p:spPr>
+          <a:xfrm>
+            <a:off x="2194959" y="2360857"/>
+            <a:ext cx="253596" cy="253916"/>
+          </a:xfrm>
+          <a:prstGeom prst="rect">
+            <a:avLst/>
+          </a:prstGeom>
+          <a:noFill/>
+        </p:spPr>
+        <p:txBody>
+          <a:bodyPr wrap="none" rtlCol="0">
+            <a:spAutoFit/>
+          </a:bodyPr>
+          <a:lstStyle/>
+          <a:p>
+            <a:r>
+              <a:rPr lang="en-US" sz="1050" dirty="0"/>
+              <a:t>2</a:t>
+            </a:r>
+            <a:endParaRPr lang="en-US" sz="1050" dirty="0"/>
+          </a:p>
+        </p:txBody>
+      </p:sp>
+      <p:sp>
+        <p:nvSpPr>
+          <p:cNvPr id="10" name="TextBox 9"/>
+          <p:cNvSpPr txBox="1"/>
+          <p:nvPr/>
+        </p:nvSpPr>
+        <p:spPr>
+          <a:xfrm>
+            <a:off x="2194956" y="3180255"/>
+            <a:ext cx="255198" cy="253916"/>
+          </a:xfrm>
+          <a:prstGeom prst="rect">
+            <a:avLst/>
+          </a:prstGeom>
+          <a:noFill/>
+        </p:spPr>
+        <p:txBody>
+          <a:bodyPr wrap="none" rtlCol="0">
+            <a:spAutoFit/>
+          </a:bodyPr>
+          <a:lstStyle/>
+          <a:p>
+            <a:r>
+              <a:rPr lang="en-US" sz="1050" dirty="0"/>
+              <a:t>n</a:t>
+            </a:r>
+            <a:endParaRPr lang="en-US" sz="1050" dirty="0"/>
+          </a:p>
+        </p:txBody>
+      </p:sp>
+      <p:cxnSp>
+        <p:nvCxnSpPr>
+          <p:cNvPr id="12" name="Straight Arrow Connector 11"/>
+          <p:cNvCxnSpPr>
+            <a:endCxn id="5" idx="1"/>
+          </p:cNvCxnSpPr>
+          <p:nvPr/>
+        </p:nvCxnSpPr>
+        <p:spPr>
+          <a:xfrm>
+            <a:off x="1163782" y="1710047"/>
+            <a:ext cx="688769" cy="296883"/>
+          </a:xfrm>
+          <a:prstGeom prst="straightConnector1">
+            <a:avLst/>
+          </a:prstGeom>
+          <a:ln>
+            <a:solidFill>
+              <a:schemeClr val="accent5"/>
+            </a:solidFill>
+            <a:tailEnd type="triangle"/>
+          </a:ln>
+          <a:effectLst/>
+        </p:spPr>
+        <p:style>
+          <a:lnRef idx="2">
+            <a:schemeClr val="accent1"/>
+          </a:lnRef>
+          <a:fillRef idx="0">
+            <a:schemeClr val="accent1"/>
+          </a:fillRef>
+          <a:effectRef idx="1">
+            <a:schemeClr val="accent1"/>
+          </a:effectRef>
+          <a:fontRef idx="minor">
+            <a:schemeClr val="tx1"/>
+          </a:fontRef>
+        </p:style>
+      </p:cxnSp>
+      <p:cxnSp>
+        <p:nvCxnSpPr>
+          <p:cNvPr id="13" name="Straight Arrow Connector 12"/>
+          <p:cNvCxnSpPr/>
+          <p:nvPr/>
+        </p:nvCxnSpPr>
+        <p:spPr>
+          <a:xfrm>
+            <a:off x="1170957" y="2931222"/>
+            <a:ext cx="688769" cy="296883"/>
+          </a:xfrm>
+          <a:prstGeom prst="straightConnector1">
+            <a:avLst/>
+          </a:prstGeom>
+          <a:ln>
+            <a:solidFill>
+              <a:schemeClr val="accent5"/>
+            </a:solidFill>
+            <a:tailEnd type="triangle"/>
+          </a:ln>
+          <a:effectLst/>
+        </p:spPr>
+        <p:style>
+          <a:lnRef idx="2">
+            <a:schemeClr val="accent1"/>
+          </a:lnRef>
+          <a:fillRef idx="0">
+            <a:schemeClr val="accent1"/>
+          </a:fillRef>
+          <a:effectRef idx="1">
+            <a:schemeClr val="accent1"/>
+          </a:effectRef>
+          <a:fontRef idx="minor">
+            <a:schemeClr val="tx1"/>
+          </a:fontRef>
+        </p:style>
+      </p:cxnSp>
+      <p:cxnSp>
+        <p:nvCxnSpPr>
+          <p:cNvPr id="15" name="Straight Arrow Connector 14"/>
+          <p:cNvCxnSpPr>
+            <a:stCxn id="5" idx="3"/>
+          </p:cNvCxnSpPr>
+          <p:nvPr/>
+        </p:nvCxnSpPr>
+        <p:spPr>
+          <a:xfrm flipV="1">
+            <a:off x="2541319" y="2006929"/>
+            <a:ext cx="308759" cy="1"/>
+          </a:xfrm>
+          <a:prstGeom prst="straightConnector1">
+            <a:avLst/>
+          </a:prstGeom>
+          <a:ln>
+            <a:solidFill>
+              <a:schemeClr val="accent5"/>
+            </a:solidFill>
+            <a:tailEnd type="triangle"/>
+          </a:ln>
+          <a:effectLst/>
+        </p:spPr>
+        <p:style>
+          <a:lnRef idx="2">
+            <a:schemeClr val="accent1"/>
+          </a:lnRef>
+          <a:fillRef idx="0">
+            <a:schemeClr val="accent1"/>
+          </a:fillRef>
+          <a:effectRef idx="1">
+            <a:schemeClr val="accent1"/>
+          </a:effectRef>
+          <a:fontRef idx="minor">
+            <a:schemeClr val="tx1"/>
+          </a:fontRef>
+        </p:style>
+      </p:cxnSp>
+      <p:cxnSp>
+        <p:nvCxnSpPr>
+          <p:cNvPr id="16" name="Straight Arrow Connector 15"/>
+          <p:cNvCxnSpPr/>
+          <p:nvPr/>
+        </p:nvCxnSpPr>
+        <p:spPr>
+          <a:xfrm flipV="1">
+            <a:off x="2551216" y="2389905"/>
+            <a:ext cx="308759" cy="1"/>
+          </a:xfrm>
+          <a:prstGeom prst="straightConnector1">
+            <a:avLst/>
+          </a:prstGeom>
+          <a:ln>
+            <a:solidFill>
+              <a:schemeClr val="accent5"/>
+            </a:solidFill>
+            <a:tailEnd type="triangle"/>
+          </a:ln>
+          <a:effectLst/>
+        </p:spPr>
+        <p:style>
+          <a:lnRef idx="2">
+            <a:schemeClr val="accent1"/>
+          </a:lnRef>
+          <a:fillRef idx="0">
+            <a:schemeClr val="accent1"/>
+          </a:fillRef>
+          <a:effectRef idx="1">
+            <a:schemeClr val="accent1"/>
+          </a:effectRef>
+          <a:fontRef idx="minor">
+            <a:schemeClr val="tx1"/>
+          </a:fontRef>
+        </p:style>
+      </p:cxnSp>
+      <p:cxnSp>
+        <p:nvCxnSpPr>
+          <p:cNvPr id="17" name="Straight Arrow Connector 16"/>
+          <p:cNvCxnSpPr/>
+          <p:nvPr/>
+        </p:nvCxnSpPr>
+        <p:spPr>
+          <a:xfrm flipV="1">
+            <a:off x="2551215" y="3223299"/>
+            <a:ext cx="308759" cy="1"/>
+          </a:xfrm>
+          <a:prstGeom prst="straightConnector1">
+            <a:avLst/>
+          </a:prstGeom>
+          <a:ln>
+            <a:solidFill>
+              <a:schemeClr val="accent5"/>
+            </a:solidFill>
+            <a:tailEnd type="triangle"/>
+          </a:ln>
+          <a:effectLst/>
+        </p:spPr>
+        <p:style>
+          <a:lnRef idx="2">
+            <a:schemeClr val="accent1"/>
+          </a:lnRef>
+          <a:fillRef idx="0">
+            <a:schemeClr val="accent1"/>
+          </a:fillRef>
+          <a:effectRef idx="1">
+            <a:schemeClr val="accent1"/>
+          </a:effectRef>
+          <a:fontRef idx="minor">
+            <a:schemeClr val="tx1"/>
+          </a:fontRef>
+        </p:style>
+      </p:cxnSp>
+      <p:sp>
+        <p:nvSpPr>
+          <p:cNvPr id="18" name="Rectangle 17"/>
+          <p:cNvSpPr/>
+          <p:nvPr/>
+        </p:nvSpPr>
+        <p:spPr>
+          <a:xfrm rot="16200000">
+            <a:off x="2171207" y="2422564"/>
+            <a:ext cx="1852550" cy="403761"/>
+          </a:xfrm>
+          <a:prstGeom prst="rect">
+            <a:avLst/>
+          </a:prstGeom>
+          <a:effectLst/>
+        </p:spPr>
+        <p:style>
+          <a:lnRef idx="2">
+            <a:schemeClr val="accent5"/>
+          </a:lnRef>
+          <a:fillRef idx="1">
+            <a:schemeClr val="lt1"/>
+          </a:fillRef>
+          <a:effectRef idx="0">
+            <a:schemeClr val="accent5"/>
+          </a:effectRef>
+          <a:fontRef idx="minor">
+            <a:schemeClr val="dk1"/>
+          </a:fontRef>
+        </p:style>
+        <p:txBody>
+          <a:bodyPr rtlCol="0" anchor="ctr"/>
+          <a:lstStyle/>
+          <a:p>
+            <a:pPr algn="ctr"/>
+            <a:r>
+              <a:rPr lang="en-US" dirty="0" smtClean="0"/>
+              <a:t>F(in  , in  , </a:t>
+            </a:r>
+            <a:r>
+              <a:rPr lang="is-IS" dirty="0" smtClean="0"/>
+              <a:t>… , in  </a:t>
+            </a:r>
+            <a:r>
+              <a:rPr lang="en-US" dirty="0" smtClean="0"/>
+              <a:t>)</a:t>
+            </a:r>
+            <a:endParaRPr lang="en-US" dirty="0"/>
+          </a:p>
+        </p:txBody>
+      </p:sp>
+      <p:sp>
+        <p:nvSpPr>
+          <p:cNvPr id="19" name="TextBox 18"/>
+          <p:cNvSpPr txBox="1"/>
+          <p:nvPr/>
+        </p:nvSpPr>
+        <p:spPr>
+          <a:xfrm rot="16200000">
+            <a:off x="2249631" y="2116423"/>
+            <a:ext cx="1871104" cy="253916"/>
+          </a:xfrm>
+          <a:prstGeom prst="rect">
+            <a:avLst/>
+          </a:prstGeom>
+          <a:noFill/>
+        </p:spPr>
+        <p:txBody>
+          <a:bodyPr wrap="square" rtlCol="0">
+            <a:spAutoFit/>
+          </a:bodyPr>
+          <a:lstStyle/>
+          <a:p>
+            <a:r>
+              <a:rPr lang="en-US" sz="1050" dirty="0" smtClean="0"/>
+              <a:t>1           2                     n </a:t>
+            </a:r>
+            <a:endParaRPr lang="en-US" sz="1050" dirty="0"/>
+          </a:p>
+        </p:txBody>
+      </p:sp>
+      <p:cxnSp>
+        <p:nvCxnSpPr>
+          <p:cNvPr id="20" name="Straight Arrow Connector 19"/>
+          <p:cNvCxnSpPr/>
+          <p:nvPr/>
+        </p:nvCxnSpPr>
+        <p:spPr>
+          <a:xfrm flipV="1">
+            <a:off x="3311239" y="2608611"/>
+            <a:ext cx="308759" cy="1"/>
+          </a:xfrm>
+          <a:prstGeom prst="straightConnector1">
+            <a:avLst/>
+          </a:prstGeom>
+          <a:ln>
+            <a:solidFill>
+              <a:schemeClr val="accent5"/>
+            </a:solidFill>
+            <a:tailEnd type="triangle"/>
+          </a:ln>
+          <a:effectLst/>
+        </p:spPr>
+        <p:style>
+          <a:lnRef idx="2">
+            <a:schemeClr val="accent1"/>
+          </a:lnRef>
+          <a:fillRef idx="0">
+            <a:schemeClr val="accent1"/>
+          </a:fillRef>
+          <a:effectRef idx="1">
+            <a:schemeClr val="accent1"/>
+          </a:effectRef>
+          <a:fontRef idx="minor">
+            <a:schemeClr val="tx1"/>
+          </a:fontRef>
+        </p:style>
+      </p:cxnSp>
+      <p:sp>
+        <p:nvSpPr>
+          <p:cNvPr id="21" name="Rectangle 20"/>
+          <p:cNvSpPr/>
+          <p:nvPr/>
+        </p:nvSpPr>
+        <p:spPr>
+          <a:xfrm>
+            <a:off x="3643748" y="2422563"/>
+            <a:ext cx="688768" cy="403761"/>
+          </a:xfrm>
+          <a:prstGeom prst="rect">
+            <a:avLst/>
+          </a:prstGeom>
+          <a:effectLst/>
+        </p:spPr>
+        <p:style>
+          <a:lnRef idx="2">
+            <a:schemeClr val="accent5"/>
+          </a:lnRef>
+          <a:fillRef idx="1">
+            <a:schemeClr val="lt1"/>
+          </a:fillRef>
+          <a:effectRef idx="0">
+            <a:schemeClr val="accent5"/>
+          </a:effectRef>
+          <a:fontRef idx="minor">
+            <a:schemeClr val="dk1"/>
+          </a:fontRef>
+        </p:style>
+        <p:txBody>
+          <a:bodyPr rtlCol="0" anchor="ctr"/>
+          <a:lstStyle/>
+          <a:p>
+            <a:pPr algn="ctr"/>
+            <a:r>
+              <a:rPr lang="en-US" dirty="0" smtClean="0"/>
+              <a:t>out</a:t>
+            </a:r>
+            <a:endParaRPr lang="en-US" dirty="0"/>
+          </a:p>
+        </p:txBody>
+      </p:sp>
+      <p:cxnSp>
+        <p:nvCxnSpPr>
+          <p:cNvPr id="22" name="Straight Arrow Connector 21"/>
+          <p:cNvCxnSpPr/>
+          <p:nvPr/>
+        </p:nvCxnSpPr>
+        <p:spPr>
+          <a:xfrm flipV="1">
+            <a:off x="4342413" y="2206830"/>
+            <a:ext cx="431468" cy="302755"/>
+          </a:xfrm>
+          <a:prstGeom prst="straightConnector1">
+            <a:avLst/>
+          </a:prstGeom>
+          <a:ln>
+            <a:solidFill>
+              <a:schemeClr val="accent5"/>
+            </a:solidFill>
+            <a:tailEnd type="triangle"/>
+          </a:ln>
+          <a:effectLst/>
+        </p:spPr>
+        <p:style>
+          <a:lnRef idx="2">
+            <a:schemeClr val="accent1"/>
+          </a:lnRef>
+          <a:fillRef idx="0">
+            <a:schemeClr val="accent1"/>
+          </a:fillRef>
+          <a:effectRef idx="1">
+            <a:schemeClr val="accent1"/>
+          </a:effectRef>
+          <a:fontRef idx="minor">
+            <a:schemeClr val="tx1"/>
+          </a:fontRef>
+        </p:style>
+      </p:cxnSp>
+      <p:cxnSp>
+        <p:nvCxnSpPr>
+          <p:cNvPr id="24" name="Straight Arrow Connector 23"/>
+          <p:cNvCxnSpPr/>
+          <p:nvPr/>
+        </p:nvCxnSpPr>
+        <p:spPr>
+          <a:xfrm>
+            <a:off x="4342413" y="2748114"/>
+            <a:ext cx="431468" cy="319674"/>
+          </a:xfrm>
+          <a:prstGeom prst="straightConnector1">
+            <a:avLst/>
+          </a:prstGeom>
+          <a:ln>
+            <a:solidFill>
+              <a:schemeClr val="accent5"/>
+            </a:solidFill>
+            <a:tailEnd type="triangle"/>
+          </a:ln>
+          <a:effectLst/>
+        </p:spPr>
+        <p:style>
+          <a:lnRef idx="2">
+            <a:schemeClr val="accent1"/>
+          </a:lnRef>
+          <a:fillRef idx="0">
+            <a:schemeClr val="accent1"/>
+          </a:fillRef>
+          <a:effectRef idx="1">
+            <a:schemeClr val="accent1"/>
+          </a:effectRef>
+          <a:fontRef idx="minor">
+            <a:schemeClr val="tx1"/>
+          </a:fontRef>
+        </p:style>
+      </p:cxnSp>
+      <p:sp>
+        <p:nvSpPr>
+          <p:cNvPr id="30" name="TextBox 29"/>
+          <p:cNvSpPr txBox="1"/>
+          <p:nvPr/>
+        </p:nvSpPr>
+        <p:spPr>
+          <a:xfrm>
+            <a:off x="1214250" y="2092999"/>
+            <a:ext cx="223138" cy="600164"/>
+          </a:xfrm>
+          <a:prstGeom prst="rect">
+            <a:avLst/>
+          </a:prstGeom>
+          <a:noFill/>
+        </p:spPr>
+        <p:txBody>
+          <a:bodyPr wrap="none" rtlCol="0">
+            <a:spAutoFit/>
+          </a:bodyPr>
+          <a:lstStyle/>
+          <a:p>
+            <a:r>
+              <a:rPr lang="en-US" sz="1100" b="1" dirty="0" smtClean="0"/>
+              <a:t>.</a:t>
+            </a:r>
+          </a:p>
+          <a:p>
+            <a:r>
+              <a:rPr lang="en-US" sz="1100" b="1" dirty="0" smtClean="0"/>
+              <a:t>.</a:t>
+            </a:r>
+          </a:p>
+          <a:p>
+            <a:r>
+              <a:rPr lang="en-US" sz="1100" b="1" dirty="0"/>
+              <a:t>.</a:t>
+            </a:r>
+            <a:endParaRPr lang="en-US" sz="1100" b="1" dirty="0" smtClean="0"/>
+          </a:p>
+        </p:txBody>
+      </p:sp>
+      <p:sp>
+        <p:nvSpPr>
+          <p:cNvPr id="31" name="TextBox 30"/>
+          <p:cNvSpPr txBox="1"/>
+          <p:nvPr/>
+        </p:nvSpPr>
+        <p:spPr>
+          <a:xfrm>
+            <a:off x="2065577" y="2485834"/>
+            <a:ext cx="219932" cy="577081"/>
+          </a:xfrm>
+          <a:prstGeom prst="rect">
+            <a:avLst/>
+          </a:prstGeom>
+          <a:noFill/>
+        </p:spPr>
+        <p:txBody>
+          <a:bodyPr wrap="none" rtlCol="0">
+            <a:spAutoFit/>
+          </a:bodyPr>
+          <a:lstStyle/>
+          <a:p>
+            <a:r>
+              <a:rPr lang="en-US" sz="1050" b="1" dirty="0" smtClean="0"/>
+              <a:t>.</a:t>
+            </a:r>
+          </a:p>
+          <a:p>
+            <a:r>
+              <a:rPr lang="en-US" sz="1050" b="1" dirty="0" smtClean="0"/>
+              <a:t>.</a:t>
+            </a:r>
+          </a:p>
+          <a:p>
+            <a:r>
+              <a:rPr lang="en-US" sz="1050" b="1" dirty="0"/>
+              <a:t>.</a:t>
+            </a:r>
+            <a:endParaRPr lang="en-US" sz="1050" b="1" dirty="0" smtClean="0"/>
+          </a:p>
+        </p:txBody>
+      </p:sp>
+      <p:sp>
+        <p:nvSpPr>
+          <p:cNvPr id="32" name="TextBox 31"/>
+          <p:cNvSpPr txBox="1"/>
+          <p:nvPr/>
+        </p:nvSpPr>
+        <p:spPr>
+          <a:xfrm>
+            <a:off x="1821008" y="1144570"/>
+            <a:ext cx="3275256" cy="369332"/>
+          </a:xfrm>
+          <a:prstGeom prst="rect">
+            <a:avLst/>
+          </a:prstGeom>
+          <a:noFill/>
+        </p:spPr>
+        <p:txBody>
+          <a:bodyPr wrap="none" rtlCol="0">
+            <a:spAutoFit/>
+          </a:bodyPr>
+          <a:lstStyle/>
+          <a:p>
+            <a:r>
+              <a:rPr lang="en-US" dirty="0" smtClean="0">
+                <a:latin typeface="Times" charset="0"/>
+                <a:ea typeface="Times" charset="0"/>
+                <a:cs typeface="Times" charset="0"/>
+              </a:rPr>
+              <a:t>Inputs               Dataflow Object</a:t>
+            </a:r>
+            <a:endParaRPr lang="en-US" dirty="0">
+              <a:latin typeface="Times" charset="0"/>
+              <a:ea typeface="Times" charset="0"/>
+              <a:cs typeface="Times" charset="0"/>
+            </a:endParaRPr>
+          </a:p>
+        </p:txBody>
+      </p:sp>
+    </p:spTree>
+    <p:extLst>
+      <p:ext uri="{BB962C8B-B14F-4D97-AF65-F5344CB8AC3E}">
+        <p14:creationId xmlns:p14="http://schemas.microsoft.com/office/powerpoint/2010/main" val="2114766867"/>
+      </p:ext>
+    </p:extLst>
+  </p:cSld>
+  <p:clrMapOvr>
+    <a:masterClrMapping/>
+  </p:clrMapOvr>
 </p:sld>
 </file>
 
@@ -49532,7 +50280,7 @@
         <p:spPr>
           <a:xfrm>
             <a:off x="1726273" y="948199"/>
-            <a:ext cx="2130093" cy="792423"/>
+            <a:ext cx="5577190" cy="792423"/>
           </a:xfrm>
           <a:prstGeom prst="rect">
             <a:avLst/>
@@ -49685,7 +50433,7 @@
         <p:spPr>
           <a:xfrm>
             <a:off x="2514973" y="1015017"/>
-            <a:ext cx="1242648" cy="369332"/>
+            <a:ext cx="4788490" cy="646331"/>
           </a:xfrm>
           <a:prstGeom prst="rect">
             <a:avLst/>
@@ -49699,18 +50447,27 @@
           <a:lstStyle/>
           <a:p>
             <a:r>
+              <a:rPr lang="en-US" dirty="0" smtClean="0">
+                <a:latin typeface="Times New Roman"/>
+                <a:cs typeface="Times New Roman"/>
+              </a:rPr>
+              <a:t>hpx</a:t>
+            </a:r>
+            <a:r>
               <a:rPr lang="en-US" dirty="0">
                 <a:latin typeface="Times New Roman"/>
                 <a:cs typeface="Times New Roman"/>
               </a:rPr>
-              <a:t>h</a:t>
+              <a:t>::async with hpx::parallel::for_each(par(task))</a:t>
             </a:r>
+          </a:p>
+          <a:p>
             <a:r>
               <a:rPr lang="en-US" dirty="0" smtClean="0">
                 <a:latin typeface="Times New Roman"/>
                 <a:cs typeface="Times New Roman"/>
               </a:rPr>
-              <a:t>px::async </a:t>
+              <a:t> </a:t>
             </a:r>
             <a:endParaRPr lang="en-US" dirty="0">
               <a:latin typeface="Times New Roman"/>
@@ -49865,7 +50622,7 @@
         </p:nvCxnSpPr>
         <p:spPr>
           <a:xfrm>
-            <a:off x="7111323" y="5951585"/>
+            <a:off x="7099448" y="5951585"/>
             <a:ext cx="0" cy="62693"/>
           </a:xfrm>
           <a:prstGeom prst="line">
@@ -50572,43 +51329,6 @@
       </p:cxnSp>
       <p:cxnSp>
         <p:nvCxnSpPr>
-          <p:cNvPr id="88" name="Straight Connector 87"/>
-          <p:cNvCxnSpPr/>
-          <p:nvPr/>
-        </p:nvCxnSpPr>
-        <p:spPr>
-          <a:xfrm flipV="1">
-            <a:off x="3956792" y="1442506"/>
-            <a:ext cx="3690536" cy="9247"/>
-          </a:xfrm>
-          <a:prstGeom prst="line">
-            <a:avLst/>
-          </a:prstGeom>
-          <a:ln w="9525" cmpd="sng">
-            <a:solidFill>
-              <a:srgbClr val="595959"/>
-            </a:solidFill>
-            <a:prstDash val="dash"/>
-          </a:ln>
-          <a:effectLst/>
-        </p:spPr>
-        <p:style>
-          <a:lnRef idx="2">
-            <a:schemeClr val="accent1"/>
-          </a:lnRef>
-          <a:fillRef idx="0">
-            <a:schemeClr val="accent1"/>
-          </a:fillRef>
-          <a:effectRef idx="1">
-            <a:schemeClr val="accent1"/>
-          </a:effectRef>
-          <a:fontRef idx="minor">
-            <a:schemeClr val="tx1"/>
-          </a:fontRef>
-        </p:style>
-      </p:cxnSp>
-      <p:cxnSp>
-        <p:nvCxnSpPr>
           <p:cNvPr id="89" name="Straight Connector 88"/>
           <p:cNvCxnSpPr/>
           <p:nvPr/>
@@ -50617,43 +51337,6 @@
           <a:xfrm flipV="1">
             <a:off x="1674351" y="2202118"/>
             <a:ext cx="5957615" cy="14758"/>
-          </a:xfrm>
-          <a:prstGeom prst="line">
-            <a:avLst/>
-          </a:prstGeom>
-          <a:ln w="9525" cmpd="sng">
-            <a:solidFill>
-              <a:srgbClr val="595959"/>
-            </a:solidFill>
-            <a:prstDash val="dash"/>
-          </a:ln>
-          <a:effectLst/>
-        </p:spPr>
-        <p:style>
-          <a:lnRef idx="2">
-            <a:schemeClr val="accent1"/>
-          </a:lnRef>
-          <a:fillRef idx="0">
-            <a:schemeClr val="accent1"/>
-          </a:fillRef>
-          <a:effectRef idx="1">
-            <a:schemeClr val="accent1"/>
-          </a:effectRef>
-          <a:fontRef idx="minor">
-            <a:schemeClr val="tx1"/>
-          </a:fontRef>
-        </p:style>
-      </p:cxnSp>
-      <p:cxnSp>
-        <p:nvCxnSpPr>
-          <p:cNvPr id="91" name="Straight Connector 90"/>
-          <p:cNvCxnSpPr/>
-          <p:nvPr/>
-        </p:nvCxnSpPr>
-        <p:spPr>
-          <a:xfrm flipH="1">
-            <a:off x="7075550" y="805625"/>
-            <a:ext cx="1102" cy="5159559"/>
           </a:xfrm>
           <a:prstGeom prst="line">
             <a:avLst/>
@@ -50765,43 +51448,6 @@
           <a:xfrm>
             <a:off x="1792964" y="1846374"/>
             <a:ext cx="1175" cy="4095818"/>
-          </a:xfrm>
-          <a:prstGeom prst="line">
-            <a:avLst/>
-          </a:prstGeom>
-          <a:ln w="9525" cmpd="sng">
-            <a:solidFill>
-              <a:srgbClr val="595959"/>
-            </a:solidFill>
-            <a:prstDash val="dash"/>
-          </a:ln>
-          <a:effectLst/>
-        </p:spPr>
-        <p:style>
-          <a:lnRef idx="2">
-            <a:schemeClr val="accent1"/>
-          </a:lnRef>
-          <a:fillRef idx="0">
-            <a:schemeClr val="accent1"/>
-          </a:fillRef>
-          <a:effectRef idx="1">
-            <a:schemeClr val="accent1"/>
-          </a:effectRef>
-          <a:fontRef idx="minor">
-            <a:schemeClr val="tx1"/>
-          </a:fontRef>
-        </p:style>
-      </p:cxnSp>
-      <p:cxnSp>
-        <p:nvCxnSpPr>
-          <p:cNvPr id="105" name="Straight Connector 104"/>
-          <p:cNvCxnSpPr/>
-          <p:nvPr/>
-        </p:nvCxnSpPr>
-        <p:spPr>
-          <a:xfrm flipH="1">
-            <a:off x="6145596" y="790415"/>
-            <a:ext cx="1102" cy="5159559"/>
           </a:xfrm>
           <a:prstGeom prst="line">
             <a:avLst/>
@@ -51333,8 +51979,8 @@
         </p:nvCxnSpPr>
         <p:spPr>
           <a:xfrm flipH="1">
-            <a:off x="1766835" y="1467834"/>
-            <a:ext cx="5308715" cy="4339930"/>
+            <a:off x="1766837" y="1857955"/>
+            <a:ext cx="4801325" cy="3949809"/>
           </a:xfrm>
           <a:prstGeom prst="line">
             <a:avLst/>
@@ -51659,14 +52305,14 @@
       </p:cxnSp>
       <p:cxnSp>
         <p:nvCxnSpPr>
-          <p:cNvPr id="63" name="Straight Connector 62"/>
+          <p:cNvPr id="80" name="Straight Connector 79"/>
           <p:cNvCxnSpPr/>
           <p:nvPr/>
         </p:nvCxnSpPr>
         <p:spPr>
-          <a:xfrm flipH="1">
-            <a:off x="5252954" y="800477"/>
-            <a:ext cx="1102" cy="5159559"/>
+          <a:xfrm>
+            <a:off x="4391646" y="1829856"/>
+            <a:ext cx="2827" cy="4097797"/>
           </a:xfrm>
           <a:prstGeom prst="line">
             <a:avLst/>
@@ -51696,14 +52342,88 @@
       </p:cxnSp>
       <p:cxnSp>
         <p:nvCxnSpPr>
-          <p:cNvPr id="64" name="Straight Connector 63"/>
+          <p:cNvPr id="81" name="Straight Connector 80"/>
           <p:cNvCxnSpPr/>
           <p:nvPr/>
         </p:nvCxnSpPr>
         <p:spPr>
-          <a:xfrm flipH="1">
-            <a:off x="4407740" y="799467"/>
-            <a:ext cx="1102" cy="5159559"/>
+          <a:xfrm>
+            <a:off x="5246244" y="1840449"/>
+            <a:ext cx="2827" cy="4097797"/>
+          </a:xfrm>
+          <a:prstGeom prst="line">
+            <a:avLst/>
+          </a:prstGeom>
+          <a:ln w="9525" cmpd="sng">
+            <a:solidFill>
+              <a:srgbClr val="595959"/>
+            </a:solidFill>
+            <a:prstDash val="dash"/>
+          </a:ln>
+          <a:effectLst/>
+        </p:spPr>
+        <p:style>
+          <a:lnRef idx="2">
+            <a:schemeClr val="accent1"/>
+          </a:lnRef>
+          <a:fillRef idx="0">
+            <a:schemeClr val="accent1"/>
+          </a:fillRef>
+          <a:effectRef idx="1">
+            <a:schemeClr val="accent1"/>
+          </a:effectRef>
+          <a:fontRef idx="minor">
+            <a:schemeClr val="tx1"/>
+          </a:fontRef>
+        </p:style>
+      </p:cxnSp>
+      <p:cxnSp>
+        <p:nvCxnSpPr>
+          <p:cNvPr id="82" name="Straight Connector 81"/>
+          <p:cNvCxnSpPr/>
+          <p:nvPr/>
+        </p:nvCxnSpPr>
+        <p:spPr>
+          <a:xfrm>
+            <a:off x="6149714" y="1829550"/>
+            <a:ext cx="2827" cy="4097797"/>
+          </a:xfrm>
+          <a:prstGeom prst="line">
+            <a:avLst/>
+          </a:prstGeom>
+          <a:ln w="9525" cmpd="sng">
+            <a:solidFill>
+              <a:srgbClr val="595959"/>
+            </a:solidFill>
+            <a:prstDash val="dash"/>
+          </a:ln>
+          <a:effectLst/>
+        </p:spPr>
+        <p:style>
+          <a:lnRef idx="2">
+            <a:schemeClr val="accent1"/>
+          </a:lnRef>
+          <a:fillRef idx="0">
+            <a:schemeClr val="accent1"/>
+          </a:fillRef>
+          <a:effectRef idx="1">
+            <a:schemeClr val="accent1"/>
+          </a:effectRef>
+          <a:fontRef idx="minor">
+            <a:schemeClr val="tx1"/>
+          </a:fontRef>
+        </p:style>
+      </p:cxnSp>
+      <p:cxnSp>
+        <p:nvCxnSpPr>
+          <p:cNvPr id="83" name="Straight Connector 82"/>
+          <p:cNvCxnSpPr/>
+          <p:nvPr/>
+        </p:nvCxnSpPr>
+        <p:spPr>
+          <a:xfrm>
+            <a:off x="7086975" y="1854658"/>
+            <a:ext cx="2827" cy="4097797"/>
           </a:xfrm>
           <a:prstGeom prst="line">
             <a:avLst/>

--- a/Reports/R5/P1.pptx
+++ b/Reports/R5/P1.pptx
@@ -333,7 +333,7 @@
           <a:p>
             <a:fld id="{18BD31E7-3932-3147-9CF4-E922359E8F71}" type="datetimeFigureOut">
               <a:rPr lang="en-US" smtClean="0"/>
-              <a:t>3/4/16</a:t>
+              <a:t>3/6/16</a:t>
             </a:fld>
             <a:endParaRPr lang="en-US"/>
           </a:p>
@@ -503,7 +503,7 @@
           <a:p>
             <a:fld id="{18BD31E7-3932-3147-9CF4-E922359E8F71}" type="datetimeFigureOut">
               <a:rPr lang="en-US" smtClean="0"/>
-              <a:t>3/4/16</a:t>
+              <a:t>3/6/16</a:t>
             </a:fld>
             <a:endParaRPr lang="en-US"/>
           </a:p>
@@ -683,7 +683,7 @@
           <a:p>
             <a:fld id="{18BD31E7-3932-3147-9CF4-E922359E8F71}" type="datetimeFigureOut">
               <a:rPr lang="en-US" smtClean="0"/>
-              <a:t>3/4/16</a:t>
+              <a:t>3/6/16</a:t>
             </a:fld>
             <a:endParaRPr lang="en-US"/>
           </a:p>
@@ -853,7 +853,7 @@
           <a:p>
             <a:fld id="{18BD31E7-3932-3147-9CF4-E922359E8F71}" type="datetimeFigureOut">
               <a:rPr lang="en-US" smtClean="0"/>
-              <a:t>3/4/16</a:t>
+              <a:t>3/6/16</a:t>
             </a:fld>
             <a:endParaRPr lang="en-US"/>
           </a:p>
@@ -1099,7 +1099,7 @@
           <a:p>
             <a:fld id="{18BD31E7-3932-3147-9CF4-E922359E8F71}" type="datetimeFigureOut">
               <a:rPr lang="en-US" smtClean="0"/>
-              <a:t>3/4/16</a:t>
+              <a:t>3/6/16</a:t>
             </a:fld>
             <a:endParaRPr lang="en-US"/>
           </a:p>
@@ -1387,7 +1387,7 @@
           <a:p>
             <a:fld id="{18BD31E7-3932-3147-9CF4-E922359E8F71}" type="datetimeFigureOut">
               <a:rPr lang="en-US" smtClean="0"/>
-              <a:t>3/4/16</a:t>
+              <a:t>3/6/16</a:t>
             </a:fld>
             <a:endParaRPr lang="en-US"/>
           </a:p>
@@ -1809,7 +1809,7 @@
           <a:p>
             <a:fld id="{18BD31E7-3932-3147-9CF4-E922359E8F71}" type="datetimeFigureOut">
               <a:rPr lang="en-US" smtClean="0"/>
-              <a:t>3/4/16</a:t>
+              <a:t>3/6/16</a:t>
             </a:fld>
             <a:endParaRPr lang="en-US"/>
           </a:p>
@@ -1927,7 +1927,7 @@
           <a:p>
             <a:fld id="{18BD31E7-3932-3147-9CF4-E922359E8F71}" type="datetimeFigureOut">
               <a:rPr lang="en-US" smtClean="0"/>
-              <a:t>3/4/16</a:t>
+              <a:t>3/6/16</a:t>
             </a:fld>
             <a:endParaRPr lang="en-US"/>
           </a:p>
@@ -2022,7 +2022,7 @@
           <a:p>
             <a:fld id="{18BD31E7-3932-3147-9CF4-E922359E8F71}" type="datetimeFigureOut">
               <a:rPr lang="en-US" smtClean="0"/>
-              <a:t>3/4/16</a:t>
+              <a:t>3/6/16</a:t>
             </a:fld>
             <a:endParaRPr lang="en-US"/>
           </a:p>
@@ -2299,7 +2299,7 @@
           <a:p>
             <a:fld id="{18BD31E7-3932-3147-9CF4-E922359E8F71}" type="datetimeFigureOut">
               <a:rPr lang="en-US" smtClean="0"/>
-              <a:t>3/4/16</a:t>
+              <a:t>3/6/16</a:t>
             </a:fld>
             <a:endParaRPr lang="en-US"/>
           </a:p>
@@ -2552,7 +2552,7 @@
           <a:p>
             <a:fld id="{18BD31E7-3932-3147-9CF4-E922359E8F71}" type="datetimeFigureOut">
               <a:rPr lang="en-US" smtClean="0"/>
-              <a:t>3/4/16</a:t>
+              <a:t>3/6/16</a:t>
             </a:fld>
             <a:endParaRPr lang="en-US"/>
           </a:p>
@@ -2765,7 +2765,7 @@
           <a:p>
             <a:fld id="{18BD31E7-3932-3147-9CF4-E922359E8F71}" type="datetimeFigureOut">
               <a:rPr lang="en-US" smtClean="0"/>
-              <a:t>3/4/16</a:t>
+              <a:t>3/6/16</a:t>
             </a:fld>
             <a:endParaRPr lang="en-US"/>
           </a:p>
@@ -21133,7 +21133,7 @@
             <a:lstStyle/>
             <a:p>
               <a:r>
-                <a:rPr lang="en-US" dirty="0" smtClean="0">
+                <a:rPr lang="en-US" smtClean="0">
                   <a:latin typeface="Times New Roman"/>
                   <a:cs typeface="Times New Roman"/>
                 </a:rPr>
@@ -24300,7 +24300,7 @@
             <a:lstStyle/>
             <a:p>
               <a:r>
-                <a:rPr lang="en-US" dirty="0" smtClean="0">
+                <a:rPr lang="en-US" smtClean="0">
                   <a:latin typeface="Times New Roman"/>
                   <a:cs typeface="Times New Roman"/>
                 </a:rPr>
@@ -27645,7 +27645,7 @@
           <a:lstStyle/>
           <a:p>
             <a:r>
-              <a:rPr lang="en-US" dirty="0" smtClean="0">
+              <a:rPr lang="en-US" smtClean="0">
                 <a:latin typeface="Times New Roman"/>
                 <a:cs typeface="Times New Roman"/>
               </a:rPr>
@@ -27764,21 +27764,7 @@
                 <a:latin typeface="Times New Roman"/>
                 <a:cs typeface="Times New Roman"/>
               </a:rPr>
-              <a:t>px::parallel::</a:t>
-            </a:r>
-            <a:r>
-              <a:rPr lang="en-US" dirty="0" smtClean="0">
-                <a:latin typeface="Times New Roman"/>
-                <a:cs typeface="Times New Roman"/>
-              </a:rPr>
-              <a:t>for_each(par) </a:t>
-            </a:r>
-            <a:r>
-              <a:rPr lang="en-US" dirty="0" smtClean="0">
-                <a:latin typeface="Times New Roman"/>
-                <a:cs typeface="Times New Roman"/>
-              </a:rPr>
-              <a:t>(static)</a:t>
+              <a:t>px::parallel::for_each(par) (static)</a:t>
             </a:r>
             <a:endParaRPr lang="en-US" dirty="0">
               <a:latin typeface="Times New Roman"/>
@@ -29871,21 +29857,7 @@
                 <a:latin typeface="Times New Roman"/>
                 <a:cs typeface="Times New Roman"/>
               </a:rPr>
-              <a:t>px::parallel::</a:t>
-            </a:r>
-            <a:r>
-              <a:rPr lang="en-US" dirty="0" smtClean="0">
-                <a:latin typeface="Times New Roman"/>
-                <a:cs typeface="Times New Roman"/>
-              </a:rPr>
-              <a:t>for_each(par) </a:t>
-            </a:r>
-            <a:r>
-              <a:rPr lang="en-US" dirty="0" smtClean="0">
-                <a:latin typeface="Times New Roman"/>
-                <a:cs typeface="Times New Roman"/>
-              </a:rPr>
-              <a:t>(dynamic)</a:t>
+              <a:t>px::parallel::for_each(par) (dynamic)</a:t>
             </a:r>
             <a:endParaRPr lang="en-US" dirty="0">
               <a:latin typeface="Times New Roman"/>
@@ -31079,12 +31051,16 @@
             <a:lstStyle/>
             <a:p>
               <a:r>
-                <a:rPr lang="en-US" dirty="0">
+                <a:rPr lang="en-US">
                   <a:latin typeface="Times New Roman"/>
                   <a:cs typeface="Times New Roman"/>
                 </a:rPr>
                 <a:t>OpenMP</a:t>
               </a:r>
+              <a:endParaRPr lang="en-US" dirty="0">
+                <a:latin typeface="Times New Roman"/>
+                <a:cs typeface="Times New Roman"/>
+              </a:endParaRPr>
             </a:p>
           </p:txBody>
         </p:sp>
@@ -41986,6 +41962,114 @@
           <a:chExt cx="0" cy="0"/>
         </a:xfrm>
       </p:grpSpPr>
+      <p:cxnSp>
+        <p:nvCxnSpPr>
+          <p:cNvPr id="105" name="Straight Connector 104"/>
+          <p:cNvCxnSpPr/>
+          <p:nvPr/>
+        </p:nvCxnSpPr>
+        <p:spPr>
+          <a:xfrm flipV="1">
+            <a:off x="1806081" y="4004346"/>
+            <a:ext cx="2589648" cy="1809837"/>
+          </a:xfrm>
+          <a:prstGeom prst="line">
+            <a:avLst/>
+          </a:prstGeom>
+          <a:ln>
+            <a:solidFill>
+              <a:srgbClr val="0070C0"/>
+            </a:solidFill>
+          </a:ln>
+          <a:effectLst/>
+        </p:spPr>
+        <p:style>
+          <a:lnRef idx="3">
+            <a:schemeClr val="accent6"/>
+          </a:lnRef>
+          <a:fillRef idx="0">
+            <a:schemeClr val="accent6"/>
+          </a:fillRef>
+          <a:effectRef idx="2">
+            <a:schemeClr val="accent6"/>
+          </a:effectRef>
+          <a:fontRef idx="minor">
+            <a:schemeClr val="tx1"/>
+          </a:fontRef>
+        </p:style>
+      </p:cxnSp>
+      <p:cxnSp>
+        <p:nvCxnSpPr>
+          <p:cNvPr id="58" name="Straight Connector 57"/>
+          <p:cNvCxnSpPr/>
+          <p:nvPr/>
+        </p:nvCxnSpPr>
+        <p:spPr>
+          <a:xfrm flipV="1">
+            <a:off x="5221260" y="3287219"/>
+            <a:ext cx="928854" cy="381142"/>
+          </a:xfrm>
+          <a:prstGeom prst="line">
+            <a:avLst/>
+          </a:prstGeom>
+          <a:ln>
+            <a:solidFill>
+              <a:srgbClr val="0070C0"/>
+            </a:solidFill>
+          </a:ln>
+          <a:effectLst/>
+        </p:spPr>
+        <p:style>
+          <a:lnRef idx="3">
+            <a:schemeClr val="accent6"/>
+          </a:lnRef>
+          <a:fillRef idx="0">
+            <a:schemeClr val="accent6"/>
+          </a:fillRef>
+          <a:effectRef idx="2">
+            <a:schemeClr val="accent6"/>
+          </a:effectRef>
+          <a:fontRef idx="minor">
+            <a:schemeClr val="tx1"/>
+          </a:fontRef>
+        </p:style>
+      </p:cxnSp>
+      <p:cxnSp>
+        <p:nvCxnSpPr>
+          <p:cNvPr id="106" name="Straight Connector 105"/>
+          <p:cNvCxnSpPr/>
+          <p:nvPr/>
+        </p:nvCxnSpPr>
+        <p:spPr>
+          <a:xfrm flipV="1">
+            <a:off x="4403110" y="3671607"/>
+            <a:ext cx="842997" cy="328914"/>
+          </a:xfrm>
+          <a:prstGeom prst="line">
+            <a:avLst/>
+          </a:prstGeom>
+          <a:ln>
+            <a:solidFill>
+              <a:srgbClr val="0070C0"/>
+            </a:solidFill>
+          </a:ln>
+          <a:effectLst/>
+        </p:spPr>
+        <p:style>
+          <a:lnRef idx="3">
+            <a:schemeClr val="accent6"/>
+          </a:lnRef>
+          <a:fillRef idx="0">
+            <a:schemeClr val="accent6"/>
+          </a:fillRef>
+          <a:effectRef idx="2">
+            <a:schemeClr val="accent6"/>
+          </a:effectRef>
+          <a:fontRef idx="minor">
+            <a:schemeClr val="tx1"/>
+          </a:fontRef>
+        </p:style>
+      </p:cxnSp>
       <p:sp>
         <p:nvSpPr>
           <p:cNvPr id="4" name="Rectangle 3"/>
@@ -42179,8 +42263,8 @@
         </p:nvSpPr>
         <p:spPr>
           <a:xfrm>
-            <a:off x="1726273" y="948199"/>
-            <a:ext cx="5577052" cy="1692506"/>
+            <a:off x="1726273" y="841323"/>
+            <a:ext cx="5079858" cy="1380621"/>
           </a:xfrm>
           <a:prstGeom prst="rect">
             <a:avLst/>
@@ -42224,8 +42308,8 @@
         </p:nvSpPr>
         <p:spPr>
           <a:xfrm>
-            <a:off x="2520549" y="968375"/>
-            <a:ext cx="1018227" cy="369332"/>
+            <a:off x="2484829" y="1449831"/>
+            <a:ext cx="925253" cy="338554"/>
           </a:xfrm>
           <a:prstGeom prst="rect">
             <a:avLst/>
@@ -42239,13 +42323,13 @@
           <a:lstStyle/>
           <a:p>
             <a:r>
-              <a:rPr lang="en-US" dirty="0" smtClean="0">
+              <a:rPr lang="en-US" sz="1600" dirty="0" smtClean="0">
                 <a:latin typeface="Times New Roman"/>
                 <a:cs typeface="Times New Roman"/>
               </a:rPr>
               <a:t>OpenMP</a:t>
             </a:r>
-            <a:endParaRPr lang="en-US" dirty="0">
+            <a:endParaRPr lang="en-US" sz="1600" dirty="0">
               <a:latin typeface="Times New Roman"/>
               <a:cs typeface="Times New Roman"/>
             </a:endParaRPr>
@@ -42260,7 +42344,7 @@
         </p:nvCxnSpPr>
         <p:spPr>
           <a:xfrm flipV="1">
-            <a:off x="1877856" y="1506847"/>
+            <a:off x="1877856" y="1376222"/>
             <a:ext cx="550202" cy="1"/>
           </a:xfrm>
           <a:prstGeom prst="line">
@@ -42296,7 +42380,7 @@
         </p:nvCxnSpPr>
         <p:spPr>
           <a:xfrm flipV="1">
-            <a:off x="1878673" y="1172052"/>
+            <a:off x="1878673" y="1065177"/>
             <a:ext cx="550202" cy="1"/>
           </a:xfrm>
           <a:prstGeom prst="line">
@@ -42304,7 +42388,7 @@
           </a:prstGeom>
           <a:ln>
             <a:solidFill>
-              <a:srgbClr val="660066"/>
+              <a:schemeClr val="accent3"/>
             </a:solidFill>
           </a:ln>
           <a:effectLst/>
@@ -42332,8 +42416,8 @@
         </p:nvSpPr>
         <p:spPr>
           <a:xfrm>
-            <a:off x="2514973" y="1300023"/>
-            <a:ext cx="2852063" cy="369332"/>
+            <a:off x="2499870" y="1727298"/>
+            <a:ext cx="2565126" cy="338554"/>
           </a:xfrm>
           <a:prstGeom prst="rect">
             <a:avLst/>
@@ -42347,27 +42431,20 @@
           <a:lstStyle/>
           <a:p>
             <a:r>
-              <a:rPr lang="en-US" dirty="0">
+              <a:rPr lang="en-US" sz="1600" dirty="0">
                 <a:latin typeface="Times New Roman"/>
                 <a:cs typeface="Times New Roman"/>
               </a:rPr>
               <a:t>h</a:t>
             </a:r>
             <a:r>
-              <a:rPr lang="en-US" dirty="0" smtClean="0">
+              <a:rPr lang="en-US" sz="1600" dirty="0" smtClean="0">
                 <a:latin typeface="Times New Roman"/>
                 <a:cs typeface="Times New Roman"/>
               </a:rPr>
-              <a:t>px::parallel::</a:t>
+              <a:t>px::parallel::for_each (par) </a:t>
             </a:r>
-            <a:r>
-              <a:rPr lang="en-US" dirty="0" smtClean="0">
-                <a:latin typeface="Times New Roman"/>
-                <a:cs typeface="Times New Roman"/>
-              </a:rPr>
-              <a:t>for_each (par) </a:t>
-            </a:r>
-            <a:endParaRPr lang="en-US" dirty="0">
+            <a:endParaRPr lang="en-US" sz="1600" dirty="0">
               <a:latin typeface="Times New Roman"/>
               <a:cs typeface="Times New Roman"/>
             </a:endParaRPr>
@@ -42437,7 +42514,7 @@
                 <a:latin typeface="Times New Roman"/>
                 <a:cs typeface="Times New Roman"/>
               </a:rPr>
-              <a:t>Speedup</a:t>
+              <a:t>Efficiency</a:t>
             </a:r>
             <a:endParaRPr lang="en-US" sz="2000" dirty="0">
               <a:latin typeface="Times New Roman"/>
@@ -43196,7 +43273,7 @@
         </p:nvCxnSpPr>
         <p:spPr>
           <a:xfrm flipV="1">
-            <a:off x="1877856" y="1872105"/>
+            <a:off x="1877856" y="1679798"/>
             <a:ext cx="550202" cy="1"/>
           </a:xfrm>
           <a:prstGeom prst="line">
@@ -43204,7 +43281,10 @@
           </a:prstGeom>
           <a:ln>
             <a:solidFill>
-              <a:srgbClr val="0070C0"/>
+              <a:schemeClr val="accent4">
+                <a:lumMod val="60000"/>
+                <a:lumOff val="40000"/>
+              </a:schemeClr>
             </a:solidFill>
           </a:ln>
           <a:effectLst/>
@@ -43218,43 +43298,6 @@
           </a:fillRef>
           <a:effectRef idx="2">
             <a:schemeClr val="accent6"/>
-          </a:effectRef>
-          <a:fontRef idx="minor">
-            <a:schemeClr val="tx1"/>
-          </a:fontRef>
-        </p:style>
-      </p:cxnSp>
-      <p:cxnSp>
-        <p:nvCxnSpPr>
-          <p:cNvPr id="81" name="Straight Connector 80"/>
-          <p:cNvCxnSpPr/>
-          <p:nvPr/>
-        </p:nvCxnSpPr>
-        <p:spPr>
-          <a:xfrm>
-            <a:off x="5250687" y="2701858"/>
-            <a:ext cx="1140" cy="3230432"/>
-          </a:xfrm>
-          <a:prstGeom prst="line">
-            <a:avLst/>
-          </a:prstGeom>
-          <a:ln w="9525" cmpd="sng">
-            <a:solidFill>
-              <a:srgbClr val="595959"/>
-            </a:solidFill>
-            <a:prstDash val="dash"/>
-          </a:ln>
-          <a:effectLst/>
-        </p:spPr>
-        <p:style>
-          <a:lnRef idx="2">
-            <a:schemeClr val="accent1"/>
-          </a:lnRef>
-          <a:fillRef idx="0">
-            <a:schemeClr val="accent1"/>
-          </a:fillRef>
-          <a:effectRef idx="1">
-            <a:schemeClr val="accent1"/>
           </a:effectRef>
           <a:fontRef idx="minor">
             <a:schemeClr val="tx1"/>
@@ -43269,7 +43312,7 @@
         </p:nvCxnSpPr>
         <p:spPr>
           <a:xfrm flipV="1">
-            <a:off x="1877856" y="2254385"/>
+            <a:off x="1877856" y="1978235"/>
             <a:ext cx="550202" cy="1"/>
           </a:xfrm>
           <a:prstGeom prst="line">
@@ -43305,8 +43348,8 @@
         </p:nvSpPr>
         <p:spPr>
           <a:xfrm>
-            <a:off x="2504451" y="2059573"/>
-            <a:ext cx="2544286" cy="369332"/>
+            <a:off x="2497236" y="883783"/>
+            <a:ext cx="2291012" cy="338554"/>
           </a:xfrm>
           <a:prstGeom prst="rect">
             <a:avLst/>
@@ -43320,20 +43363,20 @@
           <a:lstStyle/>
           <a:p>
             <a:r>
-              <a:rPr lang="en-US" dirty="0">
+              <a:rPr lang="en-US" sz="1600" dirty="0">
                 <a:latin typeface="Times New Roman"/>
                 <a:cs typeface="Times New Roman"/>
               </a:rPr>
               <a:t>h</a:t>
             </a:r>
             <a:r>
-              <a:rPr lang="en-US" dirty="0" smtClean="0">
+              <a:rPr lang="en-US" sz="1600" dirty="0" smtClean="0">
                 <a:latin typeface="Times New Roman"/>
                 <a:cs typeface="Times New Roman"/>
               </a:rPr>
               <a:t>px::lcos::local::dataflow</a:t>
             </a:r>
-            <a:endParaRPr lang="en-US" dirty="0">
+            <a:endParaRPr lang="en-US" sz="1600" dirty="0">
               <a:latin typeface="Times New Roman"/>
               <a:cs typeface="Times New Roman"/>
             </a:endParaRPr>
@@ -43348,8 +43391,8 @@
         </p:nvSpPr>
         <p:spPr>
           <a:xfrm>
-            <a:off x="2514572" y="1679798"/>
-            <a:ext cx="4963218" cy="369332"/>
+            <a:off x="2484407" y="1159049"/>
+            <a:ext cx="4291559" cy="338554"/>
           </a:xfrm>
           <a:prstGeom prst="rect">
             <a:avLst/>
@@ -43363,48 +43406,34 @@
           <a:lstStyle/>
           <a:p>
             <a:r>
-              <a:rPr lang="en-US" dirty="0">
+              <a:rPr lang="en-US" sz="1600" dirty="0">
                 <a:latin typeface="Times New Roman"/>
                 <a:cs typeface="Times New Roman"/>
               </a:rPr>
               <a:t>h</a:t>
             </a:r>
             <a:r>
-              <a:rPr lang="en-US" dirty="0" smtClean="0">
+              <a:rPr lang="en-US" sz="1600" dirty="0" smtClean="0">
                 <a:latin typeface="Times New Roman"/>
                 <a:cs typeface="Times New Roman"/>
               </a:rPr>
-              <a:t>px::async </a:t>
+              <a:t>px::async with hpx</a:t>
             </a:r>
             <a:r>
-              <a:rPr lang="en-US" dirty="0" smtClean="0">
-                <a:latin typeface="Times New Roman"/>
-                <a:cs typeface="Times New Roman"/>
-              </a:rPr>
-              <a:t>with </a:t>
-            </a:r>
-            <a:r>
-              <a:rPr lang="en-US" dirty="0" smtClean="0">
-                <a:latin typeface="Times New Roman"/>
-                <a:cs typeface="Times New Roman"/>
-              </a:rPr>
-              <a:t>hpx</a:t>
-            </a:r>
-            <a:r>
-              <a:rPr lang="en-US" dirty="0">
+              <a:rPr lang="en-US" sz="1600" dirty="0">
                 <a:latin typeface="Times New Roman"/>
                 <a:cs typeface="Times New Roman"/>
               </a:rPr>
               <a:t>::parallel::</a:t>
             </a:r>
             <a:r>
-              <a:rPr lang="en-US" dirty="0" smtClean="0">
+              <a:rPr lang="en-US" sz="1600" dirty="0" smtClean="0">
                 <a:latin typeface="Times New Roman"/>
                 <a:cs typeface="Times New Roman"/>
               </a:rPr>
               <a:t>for_each(par(task))</a:t>
             </a:r>
-            <a:endParaRPr lang="en-US" dirty="0">
+            <a:endParaRPr lang="en-US" sz="1600" dirty="0">
               <a:latin typeface="Times New Roman"/>
               <a:cs typeface="Times New Roman"/>
             </a:endParaRPr>
@@ -43413,14 +43442,14 @@
       </p:sp>
       <p:cxnSp>
         <p:nvCxnSpPr>
-          <p:cNvPr id="93" name="Straight Connector 92"/>
+          <p:cNvPr id="104" name="Straight Connector 103"/>
           <p:cNvCxnSpPr/>
           <p:nvPr/>
         </p:nvCxnSpPr>
         <p:spPr>
-          <a:xfrm>
-            <a:off x="4407462" y="2724189"/>
-            <a:ext cx="1140" cy="3230432"/>
+          <a:xfrm flipH="1">
+            <a:off x="1795054" y="2332526"/>
+            <a:ext cx="3418" cy="3611829"/>
           </a:xfrm>
           <a:prstGeom prst="line">
             <a:avLst/>
@@ -43450,21 +43479,21 @@
       </p:cxnSp>
       <p:cxnSp>
         <p:nvCxnSpPr>
-          <p:cNvPr id="102" name="Straight Connector 101"/>
+          <p:cNvPr id="43" name="Straight Connector 42"/>
           <p:cNvCxnSpPr/>
           <p:nvPr/>
         </p:nvCxnSpPr>
         <p:spPr>
-          <a:xfrm>
-            <a:off x="3502936" y="2710523"/>
-            <a:ext cx="1140" cy="3230432"/>
+          <a:xfrm flipH="1">
+            <a:off x="1766836" y="2332526"/>
+            <a:ext cx="4253954" cy="3475238"/>
           </a:xfrm>
           <a:prstGeom prst="line">
             <a:avLst/>
           </a:prstGeom>
-          <a:ln w="9525" cmpd="sng">
-            <a:solidFill>
-              <a:srgbClr val="595959"/>
+          <a:ln w="15875" cmpd="sng">
+            <a:solidFill>
+              <a:schemeClr val="tx1"/>
             </a:solidFill>
             <a:prstDash val="dash"/>
           </a:ln>
@@ -43487,14 +43516,14 @@
       </p:cxnSp>
       <p:cxnSp>
         <p:nvCxnSpPr>
-          <p:cNvPr id="103" name="Straight Connector 102"/>
+          <p:cNvPr id="44" name="Straight Connector 43"/>
           <p:cNvCxnSpPr/>
           <p:nvPr/>
         </p:nvCxnSpPr>
         <p:spPr>
-          <a:xfrm>
-            <a:off x="2650893" y="2736984"/>
-            <a:ext cx="1140" cy="3230432"/>
+          <a:xfrm flipH="1">
+            <a:off x="7075550" y="805625"/>
+            <a:ext cx="1102" cy="5159559"/>
           </a:xfrm>
           <a:prstGeom prst="line">
             <a:avLst/>
@@ -43524,14 +43553,14 @@
       </p:cxnSp>
       <p:cxnSp>
         <p:nvCxnSpPr>
-          <p:cNvPr id="104" name="Straight Connector 103"/>
+          <p:cNvPr id="48" name="Straight Connector 47"/>
           <p:cNvCxnSpPr/>
           <p:nvPr/>
         </p:nvCxnSpPr>
         <p:spPr>
-          <a:xfrm>
-            <a:off x="1793913" y="2713923"/>
-            <a:ext cx="1140" cy="3230432"/>
+          <a:xfrm flipH="1">
+            <a:off x="2647484" y="2307057"/>
+            <a:ext cx="3418" cy="3611829"/>
           </a:xfrm>
           <a:prstGeom prst="line">
             <a:avLst/>
@@ -43561,14 +43590,14 @@
       </p:cxnSp>
       <p:cxnSp>
         <p:nvCxnSpPr>
-          <p:cNvPr id="46" name="Straight Connector 45"/>
+          <p:cNvPr id="49" name="Straight Connector 48"/>
           <p:cNvCxnSpPr/>
           <p:nvPr/>
         </p:nvCxnSpPr>
         <p:spPr>
-          <a:xfrm>
-            <a:off x="6154073" y="2699632"/>
-            <a:ext cx="1140" cy="3230432"/>
+          <a:xfrm flipH="1">
+            <a:off x="3499914" y="2327747"/>
+            <a:ext cx="3418" cy="3611829"/>
           </a:xfrm>
           <a:prstGeom prst="line">
             <a:avLst/>
@@ -43598,14 +43627,1567 @@
       </p:cxnSp>
       <p:cxnSp>
         <p:nvCxnSpPr>
-          <p:cNvPr id="47" name="Straight Connector 46"/>
+          <p:cNvPr id="51" name="Straight Connector 50"/>
           <p:cNvCxnSpPr/>
           <p:nvPr/>
         </p:nvCxnSpPr>
         <p:spPr>
-          <a:xfrm>
-            <a:off x="7101881" y="2722547"/>
-            <a:ext cx="1140" cy="3230432"/>
+          <a:xfrm flipH="1">
+            <a:off x="4405183" y="2330807"/>
+            <a:ext cx="3418" cy="3611829"/>
+          </a:xfrm>
+          <a:prstGeom prst="line">
+            <a:avLst/>
+          </a:prstGeom>
+          <a:ln w="9525" cmpd="sng">
+            <a:solidFill>
+              <a:srgbClr val="595959"/>
+            </a:solidFill>
+            <a:prstDash val="dash"/>
+          </a:ln>
+          <a:effectLst/>
+        </p:spPr>
+        <p:style>
+          <a:lnRef idx="2">
+            <a:schemeClr val="accent1"/>
+          </a:lnRef>
+          <a:fillRef idx="0">
+            <a:schemeClr val="accent1"/>
+          </a:fillRef>
+          <a:effectRef idx="1">
+            <a:schemeClr val="accent1"/>
+          </a:effectRef>
+          <a:fontRef idx="minor">
+            <a:schemeClr val="tx1"/>
+          </a:fontRef>
+        </p:style>
+      </p:cxnSp>
+      <p:cxnSp>
+        <p:nvCxnSpPr>
+          <p:cNvPr id="52" name="Straight Connector 51"/>
+          <p:cNvCxnSpPr/>
+          <p:nvPr/>
+        </p:nvCxnSpPr>
+        <p:spPr>
+          <a:xfrm flipH="1">
+            <a:off x="5246107" y="2342413"/>
+            <a:ext cx="3418" cy="3611829"/>
+          </a:xfrm>
+          <a:prstGeom prst="line">
+            <a:avLst/>
+          </a:prstGeom>
+          <a:ln w="9525" cmpd="sng">
+            <a:solidFill>
+              <a:srgbClr val="595959"/>
+            </a:solidFill>
+            <a:prstDash val="dash"/>
+          </a:ln>
+          <a:effectLst/>
+        </p:spPr>
+        <p:style>
+          <a:lnRef idx="2">
+            <a:schemeClr val="accent1"/>
+          </a:lnRef>
+          <a:fillRef idx="0">
+            <a:schemeClr val="accent1"/>
+          </a:fillRef>
+          <a:effectRef idx="1">
+            <a:schemeClr val="accent1"/>
+          </a:effectRef>
+          <a:fontRef idx="minor">
+            <a:schemeClr val="tx1"/>
+          </a:fontRef>
+        </p:style>
+      </p:cxnSp>
+      <p:cxnSp>
+        <p:nvCxnSpPr>
+          <p:cNvPr id="53" name="Straight Connector 52"/>
+          <p:cNvCxnSpPr/>
+          <p:nvPr/>
+        </p:nvCxnSpPr>
+        <p:spPr>
+          <a:xfrm flipH="1">
+            <a:off x="6146696" y="2330807"/>
+            <a:ext cx="3418" cy="3611829"/>
+          </a:xfrm>
+          <a:prstGeom prst="line">
+            <a:avLst/>
+          </a:prstGeom>
+          <a:ln w="9525" cmpd="sng">
+            <a:solidFill>
+              <a:srgbClr val="595959"/>
+            </a:solidFill>
+            <a:prstDash val="dash"/>
+          </a:ln>
+          <a:effectLst/>
+        </p:spPr>
+        <p:style>
+          <a:lnRef idx="2">
+            <a:schemeClr val="accent1"/>
+          </a:lnRef>
+          <a:fillRef idx="0">
+            <a:schemeClr val="accent1"/>
+          </a:fillRef>
+          <a:effectRef idx="1">
+            <a:schemeClr val="accent1"/>
+          </a:effectRef>
+          <a:fontRef idx="minor">
+            <a:schemeClr val="tx1"/>
+          </a:fontRef>
+        </p:style>
+      </p:cxnSp>
+      <p:cxnSp>
+        <p:nvCxnSpPr>
+          <p:cNvPr id="55" name="Straight Connector 54"/>
+          <p:cNvCxnSpPr/>
+          <p:nvPr/>
+        </p:nvCxnSpPr>
+        <p:spPr>
+          <a:xfrm flipV="1">
+            <a:off x="1776000" y="5236344"/>
+            <a:ext cx="863875" cy="574667"/>
+          </a:xfrm>
+          <a:prstGeom prst="line">
+            <a:avLst/>
+          </a:prstGeom>
+          <a:ln>
+            <a:solidFill>
+              <a:schemeClr val="accent4">
+                <a:lumMod val="60000"/>
+                <a:lumOff val="40000"/>
+              </a:schemeClr>
+            </a:solidFill>
+          </a:ln>
+          <a:effectLst/>
+        </p:spPr>
+        <p:style>
+          <a:lnRef idx="3">
+            <a:schemeClr val="accent6"/>
+          </a:lnRef>
+          <a:fillRef idx="0">
+            <a:schemeClr val="accent6"/>
+          </a:fillRef>
+          <a:effectRef idx="2">
+            <a:schemeClr val="accent6"/>
+          </a:effectRef>
+          <a:fontRef idx="minor">
+            <a:schemeClr val="tx1"/>
+          </a:fontRef>
+        </p:style>
+      </p:cxnSp>
+      <p:cxnSp>
+        <p:nvCxnSpPr>
+          <p:cNvPr id="59" name="Straight Connector 58"/>
+          <p:cNvCxnSpPr/>
+          <p:nvPr/>
+        </p:nvCxnSpPr>
+        <p:spPr>
+          <a:xfrm flipV="1">
+            <a:off x="5246107" y="3096285"/>
+            <a:ext cx="900589" cy="311934"/>
+          </a:xfrm>
+          <a:prstGeom prst="line">
+            <a:avLst/>
+          </a:prstGeom>
+          <a:ln w="38100" cmpd="sng">
+            <a:solidFill>
+              <a:schemeClr val="accent4">
+                <a:lumMod val="60000"/>
+                <a:lumOff val="40000"/>
+              </a:schemeClr>
+            </a:solidFill>
+          </a:ln>
+          <a:effectLst/>
+        </p:spPr>
+        <p:style>
+          <a:lnRef idx="2">
+            <a:schemeClr val="accent1"/>
+          </a:lnRef>
+          <a:fillRef idx="0">
+            <a:schemeClr val="accent1"/>
+          </a:fillRef>
+          <a:effectRef idx="1">
+            <a:schemeClr val="accent1"/>
+          </a:effectRef>
+          <a:fontRef idx="minor">
+            <a:schemeClr val="tx1"/>
+          </a:fontRef>
+        </p:style>
+      </p:cxnSp>
+      <p:cxnSp>
+        <p:nvCxnSpPr>
+          <p:cNvPr id="60" name="Straight Connector 59"/>
+          <p:cNvCxnSpPr/>
+          <p:nvPr/>
+        </p:nvCxnSpPr>
+        <p:spPr>
+          <a:xfrm flipV="1">
+            <a:off x="4405183" y="3420094"/>
+            <a:ext cx="840924" cy="453406"/>
+          </a:xfrm>
+          <a:prstGeom prst="line">
+            <a:avLst/>
+          </a:prstGeom>
+          <a:ln>
+            <a:solidFill>
+              <a:schemeClr val="accent4">
+                <a:lumMod val="60000"/>
+                <a:lumOff val="40000"/>
+              </a:schemeClr>
+            </a:solidFill>
+          </a:ln>
+          <a:effectLst/>
+        </p:spPr>
+        <p:style>
+          <a:lnRef idx="3">
+            <a:schemeClr val="accent6"/>
+          </a:lnRef>
+          <a:fillRef idx="0">
+            <a:schemeClr val="accent6"/>
+          </a:fillRef>
+          <a:effectRef idx="2">
+            <a:schemeClr val="accent6"/>
+          </a:effectRef>
+          <a:fontRef idx="minor">
+            <a:schemeClr val="tx1"/>
+          </a:fontRef>
+        </p:style>
+      </p:cxnSp>
+      <p:cxnSp>
+        <p:nvCxnSpPr>
+          <p:cNvPr id="68" name="Straight Connector 67"/>
+          <p:cNvCxnSpPr/>
+          <p:nvPr/>
+        </p:nvCxnSpPr>
+        <p:spPr>
+          <a:xfrm flipV="1">
+            <a:off x="3499914" y="3873502"/>
+            <a:ext cx="919962" cy="674747"/>
+          </a:xfrm>
+          <a:prstGeom prst="line">
+            <a:avLst/>
+          </a:prstGeom>
+          <a:ln>
+            <a:solidFill>
+              <a:schemeClr val="accent4">
+                <a:lumMod val="60000"/>
+                <a:lumOff val="40000"/>
+              </a:schemeClr>
+            </a:solidFill>
+          </a:ln>
+          <a:effectLst/>
+        </p:spPr>
+        <p:style>
+          <a:lnRef idx="3">
+            <a:schemeClr val="accent6"/>
+          </a:lnRef>
+          <a:fillRef idx="0">
+            <a:schemeClr val="accent6"/>
+          </a:fillRef>
+          <a:effectRef idx="2">
+            <a:schemeClr val="accent6"/>
+          </a:effectRef>
+          <a:fontRef idx="minor">
+            <a:schemeClr val="tx1"/>
+          </a:fontRef>
+        </p:style>
+      </p:cxnSp>
+      <p:cxnSp>
+        <p:nvCxnSpPr>
+          <p:cNvPr id="72" name="Straight Connector 71"/>
+          <p:cNvCxnSpPr/>
+          <p:nvPr/>
+        </p:nvCxnSpPr>
+        <p:spPr>
+          <a:xfrm flipV="1">
+            <a:off x="2635978" y="4536374"/>
+            <a:ext cx="882647" cy="699970"/>
+          </a:xfrm>
+          <a:prstGeom prst="line">
+            <a:avLst/>
+          </a:prstGeom>
+          <a:ln>
+            <a:solidFill>
+              <a:schemeClr val="accent4">
+                <a:lumMod val="60000"/>
+                <a:lumOff val="40000"/>
+              </a:schemeClr>
+            </a:solidFill>
+          </a:ln>
+          <a:effectLst/>
+        </p:spPr>
+        <p:style>
+          <a:lnRef idx="3">
+            <a:schemeClr val="accent6"/>
+          </a:lnRef>
+          <a:fillRef idx="0">
+            <a:schemeClr val="accent6"/>
+          </a:fillRef>
+          <a:effectRef idx="2">
+            <a:schemeClr val="accent6"/>
+          </a:effectRef>
+          <a:fontRef idx="minor">
+            <a:schemeClr val="tx1"/>
+          </a:fontRef>
+        </p:style>
+      </p:cxnSp>
+      <p:sp>
+        <p:nvSpPr>
+          <p:cNvPr id="80" name="Isosceles Triangle 55"/>
+          <p:cNvSpPr/>
+          <p:nvPr/>
+        </p:nvSpPr>
+        <p:spPr>
+          <a:xfrm>
+            <a:off x="5203519" y="3371682"/>
+            <a:ext cx="75816" cy="86937"/>
+          </a:xfrm>
+          <a:prstGeom prst="triangle">
+            <a:avLst/>
+          </a:prstGeom>
+          <a:solidFill>
+            <a:schemeClr val="accent4">
+              <a:lumMod val="60000"/>
+              <a:lumOff val="40000"/>
+            </a:schemeClr>
+          </a:solidFill>
+          <a:ln>
+            <a:solidFill>
+              <a:schemeClr val="tx1"/>
+            </a:solidFill>
+          </a:ln>
+          <a:effectLst/>
+        </p:spPr>
+        <p:style>
+          <a:lnRef idx="1">
+            <a:schemeClr val="accent1"/>
+          </a:lnRef>
+          <a:fillRef idx="3">
+            <a:schemeClr val="accent1"/>
+          </a:fillRef>
+          <a:effectRef idx="2">
+            <a:schemeClr val="accent1"/>
+          </a:effectRef>
+          <a:fontRef idx="minor">
+            <a:schemeClr val="lt1"/>
+          </a:fontRef>
+        </p:style>
+        <p:txBody>
+          <a:bodyPr rtlCol="0" anchor="ctr"/>
+          <a:lstStyle/>
+          <a:p>
+            <a:pPr algn="ctr"/>
+            <a:endParaRPr lang="en-US"/>
+          </a:p>
+        </p:txBody>
+      </p:sp>
+      <p:sp>
+        <p:nvSpPr>
+          <p:cNvPr id="83" name="Isosceles Triangle 55"/>
+          <p:cNvSpPr/>
+          <p:nvPr/>
+        </p:nvSpPr>
+        <p:spPr>
+          <a:xfrm>
+            <a:off x="4381968" y="3831587"/>
+            <a:ext cx="75816" cy="86937"/>
+          </a:xfrm>
+          <a:prstGeom prst="triangle">
+            <a:avLst/>
+          </a:prstGeom>
+          <a:solidFill>
+            <a:schemeClr val="accent4">
+              <a:lumMod val="60000"/>
+              <a:lumOff val="40000"/>
+            </a:schemeClr>
+          </a:solidFill>
+          <a:ln>
+            <a:solidFill>
+              <a:schemeClr val="tx1"/>
+            </a:solidFill>
+          </a:ln>
+          <a:effectLst/>
+        </p:spPr>
+        <p:style>
+          <a:lnRef idx="1">
+            <a:schemeClr val="accent1"/>
+          </a:lnRef>
+          <a:fillRef idx="3">
+            <a:schemeClr val="accent1"/>
+          </a:fillRef>
+          <a:effectRef idx="2">
+            <a:schemeClr val="accent1"/>
+          </a:effectRef>
+          <a:fontRef idx="minor">
+            <a:schemeClr val="lt1"/>
+          </a:fontRef>
+        </p:style>
+        <p:txBody>
+          <a:bodyPr rtlCol="0" anchor="ctr"/>
+          <a:lstStyle/>
+          <a:p>
+            <a:pPr algn="ctr"/>
+            <a:endParaRPr lang="en-US"/>
+          </a:p>
+        </p:txBody>
+      </p:sp>
+      <p:sp>
+        <p:nvSpPr>
+          <p:cNvPr id="84" name="Isosceles Triangle 55"/>
+          <p:cNvSpPr/>
+          <p:nvPr/>
+        </p:nvSpPr>
+        <p:spPr>
+          <a:xfrm>
+            <a:off x="3465118" y="4508418"/>
+            <a:ext cx="75816" cy="86937"/>
+          </a:xfrm>
+          <a:prstGeom prst="triangle">
+            <a:avLst/>
+          </a:prstGeom>
+          <a:solidFill>
+            <a:schemeClr val="accent4">
+              <a:lumMod val="60000"/>
+              <a:lumOff val="40000"/>
+            </a:schemeClr>
+          </a:solidFill>
+          <a:ln>
+            <a:solidFill>
+              <a:schemeClr val="tx1"/>
+            </a:solidFill>
+          </a:ln>
+          <a:effectLst/>
+        </p:spPr>
+        <p:style>
+          <a:lnRef idx="1">
+            <a:schemeClr val="accent1"/>
+          </a:lnRef>
+          <a:fillRef idx="3">
+            <a:schemeClr val="accent1"/>
+          </a:fillRef>
+          <a:effectRef idx="2">
+            <a:schemeClr val="accent1"/>
+          </a:effectRef>
+          <a:fontRef idx="minor">
+            <a:schemeClr val="lt1"/>
+          </a:fontRef>
+        </p:style>
+        <p:txBody>
+          <a:bodyPr rtlCol="0" anchor="ctr"/>
+          <a:lstStyle/>
+          <a:p>
+            <a:pPr algn="ctr"/>
+            <a:endParaRPr lang="en-US"/>
+          </a:p>
+        </p:txBody>
+      </p:sp>
+      <p:sp>
+        <p:nvSpPr>
+          <p:cNvPr id="85" name="Isosceles Triangle 55"/>
+          <p:cNvSpPr/>
+          <p:nvPr/>
+        </p:nvSpPr>
+        <p:spPr>
+          <a:xfrm>
+            <a:off x="2597760" y="5171287"/>
+            <a:ext cx="75816" cy="86937"/>
+          </a:xfrm>
+          <a:prstGeom prst="triangle">
+            <a:avLst/>
+          </a:prstGeom>
+          <a:solidFill>
+            <a:schemeClr val="accent4">
+              <a:lumMod val="60000"/>
+              <a:lumOff val="40000"/>
+            </a:schemeClr>
+          </a:solidFill>
+          <a:ln>
+            <a:solidFill>
+              <a:schemeClr val="tx1"/>
+            </a:solidFill>
+          </a:ln>
+          <a:effectLst/>
+        </p:spPr>
+        <p:style>
+          <a:lnRef idx="1">
+            <a:schemeClr val="accent1"/>
+          </a:lnRef>
+          <a:fillRef idx="3">
+            <a:schemeClr val="accent1"/>
+          </a:fillRef>
+          <a:effectRef idx="2">
+            <a:schemeClr val="accent1"/>
+          </a:effectRef>
+          <a:fontRef idx="minor">
+            <a:schemeClr val="lt1"/>
+          </a:fontRef>
+        </p:style>
+        <p:txBody>
+          <a:bodyPr rtlCol="0" anchor="ctr"/>
+          <a:lstStyle/>
+          <a:p>
+            <a:pPr algn="ctr"/>
+            <a:endParaRPr lang="en-US"/>
+          </a:p>
+        </p:txBody>
+      </p:sp>
+      <p:sp>
+        <p:nvSpPr>
+          <p:cNvPr id="88" name="Isosceles Triangle 55"/>
+          <p:cNvSpPr/>
+          <p:nvPr/>
+        </p:nvSpPr>
+        <p:spPr>
+          <a:xfrm>
+            <a:off x="5216563" y="3619912"/>
+            <a:ext cx="75816" cy="86937"/>
+          </a:xfrm>
+          <a:prstGeom prst="triangle">
+            <a:avLst/>
+          </a:prstGeom>
+          <a:solidFill>
+            <a:schemeClr val="accent1">
+              <a:lumMod val="60000"/>
+              <a:lumOff val="40000"/>
+            </a:schemeClr>
+          </a:solidFill>
+          <a:ln>
+            <a:solidFill>
+              <a:schemeClr val="tx1"/>
+            </a:solidFill>
+          </a:ln>
+          <a:effectLst/>
+        </p:spPr>
+        <p:style>
+          <a:lnRef idx="1">
+            <a:schemeClr val="accent1"/>
+          </a:lnRef>
+          <a:fillRef idx="3">
+            <a:schemeClr val="accent1"/>
+          </a:fillRef>
+          <a:effectRef idx="2">
+            <a:schemeClr val="accent1"/>
+          </a:effectRef>
+          <a:fontRef idx="minor">
+            <a:schemeClr val="lt1"/>
+          </a:fontRef>
+        </p:style>
+        <p:txBody>
+          <a:bodyPr rtlCol="0" anchor="ctr"/>
+          <a:lstStyle/>
+          <a:p>
+            <a:pPr algn="ctr"/>
+            <a:endParaRPr lang="en-US"/>
+          </a:p>
+        </p:txBody>
+      </p:sp>
+      <p:cxnSp>
+        <p:nvCxnSpPr>
+          <p:cNvPr id="94" name="Straight Connector 93"/>
+          <p:cNvCxnSpPr/>
+          <p:nvPr/>
+        </p:nvCxnSpPr>
+        <p:spPr>
+          <a:xfrm flipV="1">
+            <a:off x="4381968" y="2936732"/>
+            <a:ext cx="1736338" cy="894855"/>
+          </a:xfrm>
+          <a:prstGeom prst="line">
+            <a:avLst/>
+          </a:prstGeom>
+          <a:ln w="38100" cmpd="sng">
+            <a:solidFill>
+              <a:srgbClr val="F79646"/>
+            </a:solidFill>
+          </a:ln>
+          <a:effectLst/>
+        </p:spPr>
+        <p:style>
+          <a:lnRef idx="2">
+            <a:schemeClr val="accent1"/>
+          </a:lnRef>
+          <a:fillRef idx="0">
+            <a:schemeClr val="accent1"/>
+          </a:fillRef>
+          <a:effectRef idx="1">
+            <a:schemeClr val="accent1"/>
+          </a:effectRef>
+          <a:fontRef idx="minor">
+            <a:schemeClr val="tx1"/>
+          </a:fontRef>
+        </p:style>
+      </p:cxnSp>
+      <p:cxnSp>
+        <p:nvCxnSpPr>
+          <p:cNvPr id="95" name="Straight Connector 94"/>
+          <p:cNvCxnSpPr>
+            <a:stCxn id="84" idx="0"/>
+          </p:cNvCxnSpPr>
+          <p:nvPr/>
+        </p:nvCxnSpPr>
+        <p:spPr>
+          <a:xfrm flipV="1">
+            <a:off x="3503026" y="3831587"/>
+            <a:ext cx="880863" cy="676831"/>
+          </a:xfrm>
+          <a:prstGeom prst="line">
+            <a:avLst/>
+          </a:prstGeom>
+          <a:ln>
+            <a:solidFill>
+              <a:schemeClr val="accent6"/>
+            </a:solidFill>
+          </a:ln>
+          <a:effectLst/>
+        </p:spPr>
+        <p:style>
+          <a:lnRef idx="3">
+            <a:schemeClr val="accent6"/>
+          </a:lnRef>
+          <a:fillRef idx="0">
+            <a:schemeClr val="accent6"/>
+          </a:fillRef>
+          <a:effectRef idx="2">
+            <a:schemeClr val="accent6"/>
+          </a:effectRef>
+          <a:fontRef idx="minor">
+            <a:schemeClr val="tx1"/>
+          </a:fontRef>
+        </p:style>
+      </p:cxnSp>
+      <p:cxnSp>
+        <p:nvCxnSpPr>
+          <p:cNvPr id="96" name="Straight Connector 95"/>
+          <p:cNvCxnSpPr/>
+          <p:nvPr/>
+        </p:nvCxnSpPr>
+        <p:spPr>
+          <a:xfrm flipV="1">
+            <a:off x="1795054" y="4508430"/>
+            <a:ext cx="1710174" cy="1299334"/>
+          </a:xfrm>
+          <a:prstGeom prst="line">
+            <a:avLst/>
+          </a:prstGeom>
+          <a:ln>
+            <a:solidFill>
+              <a:schemeClr val="accent6"/>
+            </a:solidFill>
+          </a:ln>
+          <a:effectLst/>
+        </p:spPr>
+        <p:style>
+          <a:lnRef idx="3">
+            <a:schemeClr val="accent6"/>
+          </a:lnRef>
+          <a:fillRef idx="0">
+            <a:schemeClr val="accent6"/>
+          </a:fillRef>
+          <a:effectRef idx="2">
+            <a:schemeClr val="accent6"/>
+          </a:effectRef>
+          <a:fontRef idx="minor">
+            <a:schemeClr val="tx1"/>
+          </a:fontRef>
+        </p:style>
+      </p:cxnSp>
+      <p:sp>
+        <p:nvSpPr>
+          <p:cNvPr id="97" name="Isosceles Triangle 55"/>
+          <p:cNvSpPr/>
+          <p:nvPr/>
+        </p:nvSpPr>
+        <p:spPr>
+          <a:xfrm>
+            <a:off x="2601505" y="5124328"/>
+            <a:ext cx="75816" cy="86937"/>
+          </a:xfrm>
+          <a:prstGeom prst="triangle">
+            <a:avLst/>
+          </a:prstGeom>
+          <a:solidFill>
+            <a:schemeClr val="accent6">
+              <a:lumMod val="60000"/>
+              <a:lumOff val="40000"/>
+            </a:schemeClr>
+          </a:solidFill>
+          <a:ln>
+            <a:solidFill>
+              <a:schemeClr val="tx1"/>
+            </a:solidFill>
+          </a:ln>
+          <a:effectLst/>
+        </p:spPr>
+        <p:style>
+          <a:lnRef idx="1">
+            <a:schemeClr val="accent1"/>
+          </a:lnRef>
+          <a:fillRef idx="3">
+            <a:schemeClr val="accent1"/>
+          </a:fillRef>
+          <a:effectRef idx="2">
+            <a:schemeClr val="accent1"/>
+          </a:effectRef>
+          <a:fontRef idx="minor">
+            <a:schemeClr val="lt1"/>
+          </a:fontRef>
+        </p:style>
+        <p:txBody>
+          <a:bodyPr rtlCol="0" anchor="ctr"/>
+          <a:lstStyle/>
+          <a:p>
+            <a:pPr algn="ctr"/>
+            <a:endParaRPr lang="en-US"/>
+          </a:p>
+        </p:txBody>
+      </p:sp>
+      <p:sp>
+        <p:nvSpPr>
+          <p:cNvPr id="98" name="Isosceles Triangle 55"/>
+          <p:cNvSpPr/>
+          <p:nvPr/>
+        </p:nvSpPr>
+        <p:spPr>
+          <a:xfrm>
+            <a:off x="3479837" y="4470540"/>
+            <a:ext cx="75816" cy="86937"/>
+          </a:xfrm>
+          <a:prstGeom prst="triangle">
+            <a:avLst/>
+          </a:prstGeom>
+          <a:solidFill>
+            <a:schemeClr val="accent6">
+              <a:lumMod val="60000"/>
+              <a:lumOff val="40000"/>
+            </a:schemeClr>
+          </a:solidFill>
+          <a:ln>
+            <a:solidFill>
+              <a:schemeClr val="tx1"/>
+            </a:solidFill>
+          </a:ln>
+          <a:effectLst/>
+        </p:spPr>
+        <p:style>
+          <a:lnRef idx="1">
+            <a:schemeClr val="accent1"/>
+          </a:lnRef>
+          <a:fillRef idx="3">
+            <a:schemeClr val="accent1"/>
+          </a:fillRef>
+          <a:effectRef idx="2">
+            <a:schemeClr val="accent1"/>
+          </a:effectRef>
+          <a:fontRef idx="minor">
+            <a:schemeClr val="lt1"/>
+          </a:fontRef>
+        </p:style>
+        <p:txBody>
+          <a:bodyPr rtlCol="0" anchor="ctr"/>
+          <a:lstStyle/>
+          <a:p>
+            <a:pPr algn="ctr"/>
+            <a:endParaRPr lang="en-US"/>
+          </a:p>
+        </p:txBody>
+      </p:sp>
+      <p:sp>
+        <p:nvSpPr>
+          <p:cNvPr id="99" name="Isosceles Triangle 55"/>
+          <p:cNvSpPr/>
+          <p:nvPr/>
+        </p:nvSpPr>
+        <p:spPr>
+          <a:xfrm>
+            <a:off x="4379133" y="3776440"/>
+            <a:ext cx="75816" cy="86937"/>
+          </a:xfrm>
+          <a:prstGeom prst="triangle">
+            <a:avLst/>
+          </a:prstGeom>
+          <a:solidFill>
+            <a:schemeClr val="accent6">
+              <a:lumMod val="60000"/>
+              <a:lumOff val="40000"/>
+            </a:schemeClr>
+          </a:solidFill>
+          <a:ln>
+            <a:solidFill>
+              <a:schemeClr val="tx1"/>
+            </a:solidFill>
+          </a:ln>
+          <a:effectLst/>
+        </p:spPr>
+        <p:style>
+          <a:lnRef idx="1">
+            <a:schemeClr val="accent1"/>
+          </a:lnRef>
+          <a:fillRef idx="3">
+            <a:schemeClr val="accent1"/>
+          </a:fillRef>
+          <a:effectRef idx="2">
+            <a:schemeClr val="accent1"/>
+          </a:effectRef>
+          <a:fontRef idx="minor">
+            <a:schemeClr val="lt1"/>
+          </a:fontRef>
+        </p:style>
+        <p:txBody>
+          <a:bodyPr rtlCol="0" anchor="ctr"/>
+          <a:lstStyle/>
+          <a:p>
+            <a:pPr algn="ctr"/>
+            <a:endParaRPr lang="en-US"/>
+          </a:p>
+        </p:txBody>
+      </p:sp>
+      <p:sp>
+        <p:nvSpPr>
+          <p:cNvPr id="100" name="Isosceles Triangle 55"/>
+          <p:cNvSpPr/>
+          <p:nvPr/>
+        </p:nvSpPr>
+        <p:spPr>
+          <a:xfrm>
+            <a:off x="5208621" y="3326511"/>
+            <a:ext cx="75816" cy="86937"/>
+          </a:xfrm>
+          <a:prstGeom prst="triangle">
+            <a:avLst/>
+          </a:prstGeom>
+          <a:solidFill>
+            <a:schemeClr val="accent6">
+              <a:lumMod val="60000"/>
+              <a:lumOff val="40000"/>
+            </a:schemeClr>
+          </a:solidFill>
+          <a:ln>
+            <a:solidFill>
+              <a:schemeClr val="tx1"/>
+            </a:solidFill>
+          </a:ln>
+          <a:effectLst/>
+        </p:spPr>
+        <p:style>
+          <a:lnRef idx="1">
+            <a:schemeClr val="accent1"/>
+          </a:lnRef>
+          <a:fillRef idx="3">
+            <a:schemeClr val="accent1"/>
+          </a:fillRef>
+          <a:effectRef idx="2">
+            <a:schemeClr val="accent1"/>
+          </a:effectRef>
+          <a:fontRef idx="minor">
+            <a:schemeClr val="lt1"/>
+          </a:fontRef>
+        </p:style>
+        <p:txBody>
+          <a:bodyPr rtlCol="0" anchor="ctr"/>
+          <a:lstStyle/>
+          <a:p>
+            <a:pPr algn="ctr"/>
+            <a:endParaRPr lang="en-US"/>
+          </a:p>
+        </p:txBody>
+      </p:sp>
+      <p:sp>
+        <p:nvSpPr>
+          <p:cNvPr id="111" name="Isosceles Triangle 55"/>
+          <p:cNvSpPr/>
+          <p:nvPr/>
+        </p:nvSpPr>
+        <p:spPr>
+          <a:xfrm>
+            <a:off x="4370347" y="3960636"/>
+            <a:ext cx="75816" cy="86937"/>
+          </a:xfrm>
+          <a:prstGeom prst="triangle">
+            <a:avLst/>
+          </a:prstGeom>
+          <a:solidFill>
+            <a:schemeClr val="accent1">
+              <a:lumMod val="60000"/>
+              <a:lumOff val="40000"/>
+            </a:schemeClr>
+          </a:solidFill>
+          <a:ln>
+            <a:solidFill>
+              <a:schemeClr val="tx1"/>
+            </a:solidFill>
+          </a:ln>
+          <a:effectLst/>
+        </p:spPr>
+        <p:style>
+          <a:lnRef idx="1">
+            <a:schemeClr val="accent1"/>
+          </a:lnRef>
+          <a:fillRef idx="3">
+            <a:schemeClr val="accent1"/>
+          </a:fillRef>
+          <a:effectRef idx="2">
+            <a:schemeClr val="accent1"/>
+          </a:effectRef>
+          <a:fontRef idx="minor">
+            <a:schemeClr val="lt1"/>
+          </a:fontRef>
+        </p:style>
+        <p:txBody>
+          <a:bodyPr rtlCol="0" anchor="ctr"/>
+          <a:lstStyle/>
+          <a:p>
+            <a:pPr algn="ctr"/>
+            <a:endParaRPr lang="en-US"/>
+          </a:p>
+        </p:txBody>
+      </p:sp>
+      <p:sp>
+        <p:nvSpPr>
+          <p:cNvPr id="112" name="Isosceles Triangle 55"/>
+          <p:cNvSpPr/>
+          <p:nvPr/>
+        </p:nvSpPr>
+        <p:spPr>
+          <a:xfrm>
+            <a:off x="2612941" y="5183220"/>
+            <a:ext cx="75816" cy="86937"/>
+          </a:xfrm>
+          <a:prstGeom prst="triangle">
+            <a:avLst/>
+          </a:prstGeom>
+          <a:solidFill>
+            <a:schemeClr val="accent1">
+              <a:lumMod val="60000"/>
+              <a:lumOff val="40000"/>
+            </a:schemeClr>
+          </a:solidFill>
+          <a:ln>
+            <a:solidFill>
+              <a:schemeClr val="tx1"/>
+            </a:solidFill>
+          </a:ln>
+          <a:effectLst/>
+        </p:spPr>
+        <p:style>
+          <a:lnRef idx="1">
+            <a:schemeClr val="accent1"/>
+          </a:lnRef>
+          <a:fillRef idx="3">
+            <a:schemeClr val="accent1"/>
+          </a:fillRef>
+          <a:effectRef idx="2">
+            <a:schemeClr val="accent1"/>
+          </a:effectRef>
+          <a:fontRef idx="minor">
+            <a:schemeClr val="lt1"/>
+          </a:fontRef>
+        </p:style>
+        <p:txBody>
+          <a:bodyPr rtlCol="0" anchor="ctr"/>
+          <a:lstStyle/>
+          <a:p>
+            <a:pPr algn="ctr"/>
+            <a:endParaRPr lang="en-US"/>
+          </a:p>
+        </p:txBody>
+      </p:sp>
+      <p:sp>
+        <p:nvSpPr>
+          <p:cNvPr id="113" name="Isosceles Triangle 55"/>
+          <p:cNvSpPr/>
+          <p:nvPr/>
+        </p:nvSpPr>
+        <p:spPr>
+          <a:xfrm>
+            <a:off x="3476993" y="4586217"/>
+            <a:ext cx="75816" cy="86937"/>
+          </a:xfrm>
+          <a:prstGeom prst="triangle">
+            <a:avLst/>
+          </a:prstGeom>
+          <a:solidFill>
+            <a:schemeClr val="accent1">
+              <a:lumMod val="60000"/>
+              <a:lumOff val="40000"/>
+            </a:schemeClr>
+          </a:solidFill>
+          <a:ln>
+            <a:solidFill>
+              <a:schemeClr val="tx1"/>
+            </a:solidFill>
+          </a:ln>
+          <a:effectLst/>
+        </p:spPr>
+        <p:style>
+          <a:lnRef idx="1">
+            <a:schemeClr val="accent1"/>
+          </a:lnRef>
+          <a:fillRef idx="3">
+            <a:schemeClr val="accent1"/>
+          </a:fillRef>
+          <a:effectRef idx="2">
+            <a:schemeClr val="accent1"/>
+          </a:effectRef>
+          <a:fontRef idx="minor">
+            <a:schemeClr val="lt1"/>
+          </a:fontRef>
+        </p:style>
+        <p:txBody>
+          <a:bodyPr rtlCol="0" anchor="ctr"/>
+          <a:lstStyle/>
+          <a:p>
+            <a:pPr algn="ctr"/>
+            <a:endParaRPr lang="en-US"/>
+          </a:p>
+        </p:txBody>
+      </p:sp>
+      <p:cxnSp>
+        <p:nvCxnSpPr>
+          <p:cNvPr id="114" name="Straight Connector 113"/>
+          <p:cNvCxnSpPr>
+            <a:endCxn id="113" idx="0"/>
+          </p:cNvCxnSpPr>
+          <p:nvPr/>
+        </p:nvCxnSpPr>
+        <p:spPr>
+          <a:xfrm flipV="1">
+            <a:off x="1787136" y="4586217"/>
+            <a:ext cx="1727765" cy="1218858"/>
+          </a:xfrm>
+          <a:prstGeom prst="line">
+            <a:avLst/>
+          </a:prstGeom>
+          <a:ln>
+            <a:solidFill>
+              <a:schemeClr val="accent3"/>
+            </a:solidFill>
+          </a:ln>
+          <a:effectLst/>
+        </p:spPr>
+        <p:style>
+          <a:lnRef idx="3">
+            <a:schemeClr val="accent6"/>
+          </a:lnRef>
+          <a:fillRef idx="0">
+            <a:schemeClr val="accent6"/>
+          </a:fillRef>
+          <a:effectRef idx="2">
+            <a:schemeClr val="accent6"/>
+          </a:effectRef>
+          <a:fontRef idx="minor">
+            <a:schemeClr val="tx1"/>
+          </a:fontRef>
+        </p:style>
+      </p:cxnSp>
+      <p:cxnSp>
+        <p:nvCxnSpPr>
+          <p:cNvPr id="116" name="Straight Connector 115"/>
+          <p:cNvCxnSpPr/>
+          <p:nvPr/>
+        </p:nvCxnSpPr>
+        <p:spPr>
+          <a:xfrm flipV="1">
+            <a:off x="3514682" y="3730614"/>
+            <a:ext cx="877865" cy="857441"/>
+          </a:xfrm>
+          <a:prstGeom prst="line">
+            <a:avLst/>
+          </a:prstGeom>
+          <a:ln>
+            <a:solidFill>
+              <a:schemeClr val="accent3"/>
+            </a:solidFill>
+          </a:ln>
+          <a:effectLst/>
+        </p:spPr>
+        <p:style>
+          <a:lnRef idx="3">
+            <a:schemeClr val="accent6"/>
+          </a:lnRef>
+          <a:fillRef idx="0">
+            <a:schemeClr val="accent6"/>
+          </a:fillRef>
+          <a:effectRef idx="2">
+            <a:schemeClr val="accent6"/>
+          </a:effectRef>
+          <a:fontRef idx="minor">
+            <a:schemeClr val="tx1"/>
+          </a:fontRef>
+        </p:style>
+      </p:cxnSp>
+      <p:cxnSp>
+        <p:nvCxnSpPr>
+          <p:cNvPr id="118" name="Straight Connector 117"/>
+          <p:cNvCxnSpPr/>
+          <p:nvPr/>
+        </p:nvCxnSpPr>
+        <p:spPr>
+          <a:xfrm flipV="1">
+            <a:off x="4381714" y="3230331"/>
+            <a:ext cx="854196" cy="537908"/>
+          </a:xfrm>
+          <a:prstGeom prst="line">
+            <a:avLst/>
+          </a:prstGeom>
+          <a:ln>
+            <a:solidFill>
+              <a:schemeClr val="accent3"/>
+            </a:solidFill>
+          </a:ln>
+          <a:effectLst/>
+        </p:spPr>
+        <p:style>
+          <a:lnRef idx="3">
+            <a:schemeClr val="accent6"/>
+          </a:lnRef>
+          <a:fillRef idx="0">
+            <a:schemeClr val="accent6"/>
+          </a:fillRef>
+          <a:effectRef idx="2">
+            <a:schemeClr val="accent6"/>
+          </a:effectRef>
+          <a:fontRef idx="minor">
+            <a:schemeClr val="tx1"/>
+          </a:fontRef>
+        </p:style>
+      </p:cxnSp>
+      <p:cxnSp>
+        <p:nvCxnSpPr>
+          <p:cNvPr id="121" name="Straight Connector 120"/>
+          <p:cNvCxnSpPr/>
+          <p:nvPr/>
+        </p:nvCxnSpPr>
+        <p:spPr>
+          <a:xfrm flipV="1">
+            <a:off x="5235910" y="2753038"/>
+            <a:ext cx="929497" cy="479529"/>
+          </a:xfrm>
+          <a:prstGeom prst="line">
+            <a:avLst/>
+          </a:prstGeom>
+          <a:ln>
+            <a:solidFill>
+              <a:schemeClr val="accent3"/>
+            </a:solidFill>
+          </a:ln>
+          <a:effectLst/>
+        </p:spPr>
+        <p:style>
+          <a:lnRef idx="3">
+            <a:schemeClr val="accent6"/>
+          </a:lnRef>
+          <a:fillRef idx="0">
+            <a:schemeClr val="accent6"/>
+          </a:fillRef>
+          <a:effectRef idx="2">
+            <a:schemeClr val="accent6"/>
+          </a:effectRef>
+          <a:fontRef idx="minor">
+            <a:schemeClr val="tx1"/>
+          </a:fontRef>
+        </p:style>
+      </p:cxnSp>
+      <p:sp>
+        <p:nvSpPr>
+          <p:cNvPr id="124" name="Isosceles Triangle 55"/>
+          <p:cNvSpPr/>
+          <p:nvPr/>
+        </p:nvSpPr>
+        <p:spPr>
+          <a:xfrm>
+            <a:off x="3472465" y="4535337"/>
+            <a:ext cx="75816" cy="86937"/>
+          </a:xfrm>
+          <a:prstGeom prst="triangle">
+            <a:avLst/>
+          </a:prstGeom>
+          <a:solidFill>
+            <a:schemeClr val="accent3">
+              <a:lumMod val="60000"/>
+              <a:lumOff val="40000"/>
+            </a:schemeClr>
+          </a:solidFill>
+          <a:ln>
+            <a:solidFill>
+              <a:schemeClr val="tx1"/>
+            </a:solidFill>
+          </a:ln>
+          <a:effectLst/>
+        </p:spPr>
+        <p:style>
+          <a:lnRef idx="1">
+            <a:schemeClr val="accent1"/>
+          </a:lnRef>
+          <a:fillRef idx="3">
+            <a:schemeClr val="accent1"/>
+          </a:fillRef>
+          <a:effectRef idx="2">
+            <a:schemeClr val="accent1"/>
+          </a:effectRef>
+          <a:fontRef idx="minor">
+            <a:schemeClr val="lt1"/>
+          </a:fontRef>
+        </p:style>
+        <p:txBody>
+          <a:bodyPr rtlCol="0" anchor="ctr"/>
+          <a:lstStyle/>
+          <a:p>
+            <a:pPr algn="ctr"/>
+            <a:endParaRPr lang="en-US"/>
+          </a:p>
+        </p:txBody>
+      </p:sp>
+      <p:sp>
+        <p:nvSpPr>
+          <p:cNvPr id="125" name="Isosceles Triangle 55"/>
+          <p:cNvSpPr/>
+          <p:nvPr/>
+        </p:nvSpPr>
+        <p:spPr>
+          <a:xfrm>
+            <a:off x="4373752" y="3655592"/>
+            <a:ext cx="75816" cy="86937"/>
+          </a:xfrm>
+          <a:prstGeom prst="triangle">
+            <a:avLst/>
+          </a:prstGeom>
+          <a:solidFill>
+            <a:schemeClr val="accent3">
+              <a:lumMod val="60000"/>
+              <a:lumOff val="40000"/>
+            </a:schemeClr>
+          </a:solidFill>
+          <a:ln>
+            <a:solidFill>
+              <a:schemeClr val="tx1"/>
+            </a:solidFill>
+          </a:ln>
+          <a:effectLst/>
+        </p:spPr>
+        <p:style>
+          <a:lnRef idx="1">
+            <a:schemeClr val="accent1"/>
+          </a:lnRef>
+          <a:fillRef idx="3">
+            <a:schemeClr val="accent1"/>
+          </a:fillRef>
+          <a:effectRef idx="2">
+            <a:schemeClr val="accent1"/>
+          </a:effectRef>
+          <a:fontRef idx="minor">
+            <a:schemeClr val="lt1"/>
+          </a:fontRef>
+        </p:style>
+        <p:txBody>
+          <a:bodyPr rtlCol="0" anchor="ctr"/>
+          <a:lstStyle/>
+          <a:p>
+            <a:pPr algn="ctr"/>
+            <a:endParaRPr lang="en-US"/>
+          </a:p>
+        </p:txBody>
+      </p:sp>
+      <p:sp>
+        <p:nvSpPr>
+          <p:cNvPr id="126" name="Isosceles Triangle 55"/>
+          <p:cNvSpPr/>
+          <p:nvPr/>
+        </p:nvSpPr>
+        <p:spPr>
+          <a:xfrm>
+            <a:off x="5227082" y="3153810"/>
+            <a:ext cx="75816" cy="86937"/>
+          </a:xfrm>
+          <a:prstGeom prst="triangle">
+            <a:avLst/>
+          </a:prstGeom>
+          <a:solidFill>
+            <a:schemeClr val="accent3">
+              <a:lumMod val="60000"/>
+              <a:lumOff val="40000"/>
+            </a:schemeClr>
+          </a:solidFill>
+          <a:ln>
+            <a:solidFill>
+              <a:schemeClr val="tx1"/>
+            </a:solidFill>
+          </a:ln>
+          <a:effectLst/>
+        </p:spPr>
+        <p:style>
+          <a:lnRef idx="1">
+            <a:schemeClr val="accent1"/>
+          </a:lnRef>
+          <a:fillRef idx="3">
+            <a:schemeClr val="accent1"/>
+          </a:fillRef>
+          <a:effectRef idx="2">
+            <a:schemeClr val="accent1"/>
+          </a:effectRef>
+          <a:fontRef idx="minor">
+            <a:schemeClr val="lt1"/>
+          </a:fontRef>
+        </p:style>
+        <p:txBody>
+          <a:bodyPr rtlCol="0" anchor="ctr"/>
+          <a:lstStyle/>
+          <a:p>
+            <a:pPr algn="ctr"/>
+            <a:endParaRPr lang="en-US"/>
+          </a:p>
+        </p:txBody>
+      </p:sp>
+      <p:sp>
+        <p:nvSpPr>
+          <p:cNvPr id="127" name="Isosceles Triangle 55"/>
+          <p:cNvSpPr/>
+          <p:nvPr/>
+        </p:nvSpPr>
+        <p:spPr>
+          <a:xfrm>
+            <a:off x="2582954" y="5152420"/>
+            <a:ext cx="75816" cy="86937"/>
+          </a:xfrm>
+          <a:prstGeom prst="triangle">
+            <a:avLst/>
+          </a:prstGeom>
+          <a:solidFill>
+            <a:schemeClr val="accent3">
+              <a:lumMod val="60000"/>
+              <a:lumOff val="40000"/>
+            </a:schemeClr>
+          </a:solidFill>
+          <a:ln>
+            <a:solidFill>
+              <a:schemeClr val="tx1"/>
+            </a:solidFill>
+          </a:ln>
+          <a:effectLst/>
+        </p:spPr>
+        <p:style>
+          <a:lnRef idx="1">
+            <a:schemeClr val="accent1"/>
+          </a:lnRef>
+          <a:fillRef idx="3">
+            <a:schemeClr val="accent1"/>
+          </a:fillRef>
+          <a:effectRef idx="2">
+            <a:schemeClr val="accent1"/>
+          </a:effectRef>
+          <a:fontRef idx="minor">
+            <a:schemeClr val="lt1"/>
+          </a:fontRef>
+        </p:style>
+        <p:txBody>
+          <a:bodyPr rtlCol="0" anchor="ctr"/>
+          <a:lstStyle/>
+          <a:p>
+            <a:pPr algn="ctr"/>
+            <a:endParaRPr lang="en-US"/>
+          </a:p>
+        </p:txBody>
+      </p:sp>
+      <p:cxnSp>
+        <p:nvCxnSpPr>
+          <p:cNvPr id="128" name="Straight Connector 127"/>
+          <p:cNvCxnSpPr/>
+          <p:nvPr/>
+        </p:nvCxnSpPr>
+        <p:spPr>
+          <a:xfrm flipV="1">
+            <a:off x="6133599" y="2783818"/>
+            <a:ext cx="678929" cy="155992"/>
+          </a:xfrm>
+          <a:prstGeom prst="line">
+            <a:avLst/>
+          </a:prstGeom>
+          <a:ln>
+            <a:solidFill>
+              <a:schemeClr val="accent6"/>
+            </a:solidFill>
+            <a:prstDash val="dashDot"/>
+          </a:ln>
+          <a:effectLst/>
+        </p:spPr>
+        <p:style>
+          <a:lnRef idx="2">
+            <a:schemeClr val="accent1"/>
+          </a:lnRef>
+          <a:fillRef idx="0">
+            <a:schemeClr val="accent1"/>
+          </a:fillRef>
+          <a:effectRef idx="1">
+            <a:schemeClr val="accent1"/>
+          </a:effectRef>
+          <a:fontRef idx="minor">
+            <a:schemeClr val="tx1"/>
+          </a:fontRef>
+        </p:style>
+      </p:cxnSp>
+      <p:cxnSp>
+        <p:nvCxnSpPr>
+          <p:cNvPr id="129" name="Straight Connector 128"/>
+          <p:cNvCxnSpPr/>
+          <p:nvPr/>
+        </p:nvCxnSpPr>
+        <p:spPr>
+          <a:xfrm flipV="1">
+            <a:off x="6168404" y="2604160"/>
+            <a:ext cx="678929" cy="155992"/>
+          </a:xfrm>
+          <a:prstGeom prst="line">
+            <a:avLst/>
+          </a:prstGeom>
+          <a:ln>
+            <a:solidFill>
+              <a:schemeClr val="accent3"/>
+            </a:solidFill>
+            <a:prstDash val="dashDot"/>
+          </a:ln>
+          <a:effectLst/>
+        </p:spPr>
+        <p:style>
+          <a:lnRef idx="2">
+            <a:schemeClr val="accent1"/>
+          </a:lnRef>
+          <a:fillRef idx="0">
+            <a:schemeClr val="accent1"/>
+          </a:fillRef>
+          <a:effectRef idx="1">
+            <a:schemeClr val="accent1"/>
+          </a:effectRef>
+          <a:fontRef idx="minor">
+            <a:schemeClr val="tx1"/>
+          </a:fontRef>
+        </p:style>
+      </p:cxnSp>
+      <p:cxnSp>
+        <p:nvCxnSpPr>
+          <p:cNvPr id="130" name="Straight Connector 129"/>
+          <p:cNvCxnSpPr/>
+          <p:nvPr/>
+        </p:nvCxnSpPr>
+        <p:spPr>
+          <a:xfrm flipV="1">
+            <a:off x="6141805" y="3005555"/>
+            <a:ext cx="705216" cy="110023"/>
+          </a:xfrm>
+          <a:prstGeom prst="line">
+            <a:avLst/>
+          </a:prstGeom>
+          <a:ln>
+            <a:solidFill>
+              <a:schemeClr val="accent4">
+                <a:lumMod val="60000"/>
+                <a:lumOff val="40000"/>
+              </a:schemeClr>
+            </a:solidFill>
+            <a:prstDash val="dashDot"/>
+          </a:ln>
+          <a:effectLst/>
+        </p:spPr>
+        <p:style>
+          <a:lnRef idx="2">
+            <a:schemeClr val="accent1"/>
+          </a:lnRef>
+          <a:fillRef idx="0">
+            <a:schemeClr val="accent1"/>
+          </a:fillRef>
+          <a:effectRef idx="1">
+            <a:schemeClr val="accent1"/>
+          </a:effectRef>
+          <a:fontRef idx="minor">
+            <a:schemeClr val="tx1"/>
+          </a:fontRef>
+        </p:style>
+      </p:cxnSp>
+      <p:cxnSp>
+        <p:nvCxnSpPr>
+          <p:cNvPr id="132" name="Straight Connector 131"/>
+          <p:cNvCxnSpPr/>
+          <p:nvPr/>
+        </p:nvCxnSpPr>
+        <p:spPr>
+          <a:xfrm flipV="1">
+            <a:off x="6179367" y="3173192"/>
+            <a:ext cx="678929" cy="121798"/>
+          </a:xfrm>
+          <a:prstGeom prst="line">
+            <a:avLst/>
+          </a:prstGeom>
+          <a:ln>
+            <a:solidFill>
+              <a:schemeClr val="tx2">
+                <a:lumMod val="60000"/>
+                <a:lumOff val="40000"/>
+              </a:schemeClr>
+            </a:solidFill>
+            <a:prstDash val="dashDot"/>
+          </a:ln>
+          <a:effectLst/>
+        </p:spPr>
+        <p:style>
+          <a:lnRef idx="2">
+            <a:schemeClr val="accent1"/>
+          </a:lnRef>
+          <a:fillRef idx="0">
+            <a:schemeClr val="accent1"/>
+          </a:fillRef>
+          <a:effectRef idx="1">
+            <a:schemeClr val="accent1"/>
+          </a:effectRef>
+          <a:fontRef idx="minor">
+            <a:schemeClr val="tx1"/>
+          </a:fontRef>
+        </p:style>
+      </p:cxnSp>
+      <p:cxnSp>
+        <p:nvCxnSpPr>
+          <p:cNvPr id="81" name="Straight Connector 80"/>
+          <p:cNvCxnSpPr/>
+          <p:nvPr/>
+        </p:nvCxnSpPr>
+        <p:spPr>
+          <a:xfrm flipV="1">
+            <a:off x="6846421" y="1442506"/>
+            <a:ext cx="789032" cy="7325"/>
+          </a:xfrm>
+          <a:prstGeom prst="line">
+            <a:avLst/>
+          </a:prstGeom>
+          <a:ln w="9525" cmpd="sng">
+            <a:solidFill>
+              <a:srgbClr val="595959"/>
+            </a:solidFill>
+            <a:prstDash val="dash"/>
+          </a:ln>
+          <a:effectLst/>
+        </p:spPr>
+        <p:style>
+          <a:lnRef idx="2">
+            <a:schemeClr val="accent1"/>
+          </a:lnRef>
+          <a:fillRef idx="0">
+            <a:schemeClr val="accent1"/>
+          </a:fillRef>
+          <a:effectRef idx="1">
+            <a:schemeClr val="accent1"/>
+          </a:effectRef>
+          <a:fontRef idx="minor">
+            <a:schemeClr val="tx1"/>
+          </a:fontRef>
+        </p:style>
+      </p:cxnSp>
+      <p:cxnSp>
+        <p:nvCxnSpPr>
+          <p:cNvPr id="87" name="Straight Connector 86"/>
+          <p:cNvCxnSpPr/>
+          <p:nvPr/>
+        </p:nvCxnSpPr>
+        <p:spPr>
+          <a:xfrm flipV="1">
+            <a:off x="6843333" y="2174875"/>
+            <a:ext cx="789032" cy="7325"/>
           </a:xfrm>
           <a:prstGeom prst="line">
             <a:avLst/>
@@ -43855,7 +45437,6 @@
               <a:rPr lang="en-US" sz="1050" dirty="0"/>
               <a:t>2</a:t>
             </a:r>
-            <a:endParaRPr lang="en-US" sz="1050" dirty="0"/>
           </a:p>
         </p:txBody>
       </p:sp>
@@ -43885,7 +45466,6 @@
               <a:rPr lang="en-US" sz="1050" dirty="0"/>
               <a:t>n</a:t>
             </a:r>
-            <a:endParaRPr lang="en-US" sz="1050" dirty="0"/>
           </a:p>
         </p:txBody>
       </p:sp>
@@ -44432,6 +46012,48 @@
               <a:ea typeface="Times" charset="0"/>
               <a:cs typeface="Times" charset="0"/>
             </a:endParaRPr>
+          </a:p>
+        </p:txBody>
+      </p:sp>
+      <p:sp>
+        <p:nvSpPr>
+          <p:cNvPr id="23" name="TextBox 22"/>
+          <p:cNvSpPr txBox="1"/>
+          <p:nvPr/>
+        </p:nvSpPr>
+        <p:spPr>
+          <a:xfrm>
+            <a:off x="4583236" y="2295245"/>
+            <a:ext cx="219932" cy="577081"/>
+          </a:xfrm>
+          <a:prstGeom prst="rect">
+            <a:avLst/>
+          </a:prstGeom>
+          <a:noFill/>
+        </p:spPr>
+        <p:txBody>
+          <a:bodyPr wrap="none" rtlCol="0">
+            <a:spAutoFit/>
+          </a:bodyPr>
+          <a:lstStyle/>
+          <a:p>
+            <a:r>
+              <a:rPr lang="en-US" sz="1050" b="1" dirty="0" smtClean="0"/>
+              <a:t>.</a:t>
+            </a:r>
+          </a:p>
+          <a:p>
+            <a:r>
+              <a:rPr lang="en-US" sz="1050" b="1" dirty="0" smtClean="0"/>
+              <a:t>.</a:t>
+            </a:r>
+          </a:p>
+          <a:p>
+            <a:r>
+              <a:rPr lang="en-US" sz="1050" b="1" dirty="0"/>
+              <a:t>.</a:t>
+            </a:r>
+            <a:endParaRPr lang="en-US" sz="1050" b="1" dirty="0" smtClean="0"/>
           </a:p>
         </p:txBody>
       </p:sp>
@@ -50280,7 +51902,7 @@
         <p:spPr>
           <a:xfrm>
             <a:off x="1726273" y="948199"/>
-            <a:ext cx="5577190" cy="792423"/>
+            <a:ext cx="5080259" cy="792423"/>
           </a:xfrm>
           <a:prstGeom prst="rect">
             <a:avLst/>
@@ -50325,7 +51947,7 @@
         <p:spPr>
           <a:xfrm>
             <a:off x="2520549" y="1300888"/>
-            <a:ext cx="1067408" cy="369332"/>
+            <a:ext cx="1125116" cy="369332"/>
           </a:xfrm>
           <a:prstGeom prst="rect">
             <a:avLst/>
@@ -50339,11 +51961,18 @@
           <a:lstStyle/>
           <a:p>
             <a:r>
+              <a:rPr lang="en-US" smtClean="0">
+                <a:latin typeface="Times New Roman"/>
+                <a:cs typeface="Times New Roman"/>
+              </a:rPr>
+              <a:t>OpenMP</a:t>
+            </a:r>
+            <a:r>
               <a:rPr lang="en-US" dirty="0" smtClean="0">
                 <a:latin typeface="Times New Roman"/>
                 <a:cs typeface="Times New Roman"/>
               </a:rPr>
-              <a:t>OpenMP </a:t>
+              <a:t>  </a:t>
             </a:r>
             <a:endParaRPr lang="en-US" dirty="0">
               <a:latin typeface="Times New Roman"/>
@@ -50433,7 +52062,7 @@
         <p:spPr>
           <a:xfrm>
             <a:off x="2514973" y="1015017"/>
-            <a:ext cx="4788490" cy="646331"/>
+            <a:ext cx="4291559" cy="338554"/>
           </a:xfrm>
           <a:prstGeom prst="rect">
             <a:avLst/>
@@ -50447,29 +52076,27 @@
           <a:lstStyle/>
           <a:p>
             <a:r>
-              <a:rPr lang="en-US" dirty="0" smtClean="0">
+              <a:rPr lang="en-US" sz="1600" dirty="0" smtClean="0">
                 <a:latin typeface="Times New Roman"/>
                 <a:cs typeface="Times New Roman"/>
               </a:rPr>
               <a:t>hpx</a:t>
             </a:r>
             <a:r>
-              <a:rPr lang="en-US" dirty="0">
+              <a:rPr lang="en-US" sz="1600" dirty="0">
                 <a:latin typeface="Times New Roman"/>
                 <a:cs typeface="Times New Roman"/>
               </a:rPr>
-              <a:t>::async with hpx::parallel::for_each(par(task))</a:t>
+              <a:t>::async with hpx::parallel::for_each(par(task</a:t>
             </a:r>
-          </a:p>
-          <a:p>
             <a:r>
-              <a:rPr lang="en-US" dirty="0" smtClean="0">
+              <a:rPr lang="en-US" sz="1600" dirty="0" smtClean="0">
                 <a:latin typeface="Times New Roman"/>
                 <a:cs typeface="Times New Roman"/>
               </a:rPr>
-              <a:t> </a:t>
+              <a:t>))</a:t>
             </a:r>
-            <a:endParaRPr lang="en-US" dirty="0">
+            <a:endParaRPr lang="en-US" sz="1600" dirty="0">
               <a:latin typeface="Times New Roman"/>
               <a:cs typeface="Times New Roman"/>
             </a:endParaRPr>
@@ -52416,14 +54043,51 @@
       </p:cxnSp>
       <p:cxnSp>
         <p:nvCxnSpPr>
-          <p:cNvPr id="83" name="Straight Connector 82"/>
+          <p:cNvPr id="63" name="Straight Connector 62"/>
           <p:cNvCxnSpPr/>
           <p:nvPr/>
         </p:nvCxnSpPr>
         <p:spPr>
-          <a:xfrm>
-            <a:off x="7086975" y="1854658"/>
-            <a:ext cx="2827" cy="4097797"/>
+          <a:xfrm flipH="1">
+            <a:off x="7075550" y="805625"/>
+            <a:ext cx="1102" cy="5159559"/>
+          </a:xfrm>
+          <a:prstGeom prst="line">
+            <a:avLst/>
+          </a:prstGeom>
+          <a:ln w="9525" cmpd="sng">
+            <a:solidFill>
+              <a:srgbClr val="595959"/>
+            </a:solidFill>
+            <a:prstDash val="dash"/>
+          </a:ln>
+          <a:effectLst/>
+        </p:spPr>
+        <p:style>
+          <a:lnRef idx="2">
+            <a:schemeClr val="accent1"/>
+          </a:lnRef>
+          <a:fillRef idx="0">
+            <a:schemeClr val="accent1"/>
+          </a:fillRef>
+          <a:effectRef idx="1">
+            <a:schemeClr val="accent1"/>
+          </a:effectRef>
+          <a:fontRef idx="minor">
+            <a:schemeClr val="tx1"/>
+          </a:fontRef>
+        </p:style>
+      </p:cxnSp>
+      <p:cxnSp>
+        <p:nvCxnSpPr>
+          <p:cNvPr id="64" name="Straight Connector 63"/>
+          <p:cNvCxnSpPr/>
+          <p:nvPr/>
+        </p:nvCxnSpPr>
+        <p:spPr>
+          <a:xfrm flipV="1">
+            <a:off x="6846421" y="1442506"/>
+            <a:ext cx="789032" cy="7325"/>
           </a:xfrm>
           <a:prstGeom prst="line">
             <a:avLst/>
